--- a/MiscControl/Miscellaneous Control 발표준비_이우용.pptx
+++ b/MiscControl/Miscellaneous Control 발표준비_이우용.pptx
@@ -5,7 +5,7 @@
     <p:sldMasterId id="2147483648" r:id="rId1"/>
   </p:sldMasterIdLst>
   <p:notesMasterIdLst>
-    <p:notesMasterId r:id="rId10"/>
+    <p:notesMasterId r:id="rId12"/>
   </p:notesMasterIdLst>
   <p:sldIdLst>
     <p:sldId id="256" r:id="rId2"/>
@@ -13,9 +13,11 @@
     <p:sldId id="268" r:id="rId4"/>
     <p:sldId id="260" r:id="rId5"/>
     <p:sldId id="262" r:id="rId6"/>
-    <p:sldId id="264" r:id="rId7"/>
+    <p:sldId id="271" r:id="rId7"/>
     <p:sldId id="270" r:id="rId8"/>
-    <p:sldId id="266" r:id="rId9"/>
+    <p:sldId id="264" r:id="rId9"/>
+    <p:sldId id="266" r:id="rId10"/>
+    <p:sldId id="272" r:id="rId11"/>
   </p:sldIdLst>
   <p:sldSz cx="12192000" cy="6858000"/>
   <p:notesSz cx="6858000" cy="9144000"/>
@@ -204,7 +206,7 @@
           <a:p>
             <a:fld id="{18903AAC-D04A-4675-9E10-1CD7E3B8D38E}" type="datetimeFigureOut">
               <a:rPr lang="ko-KR" altLang="en-US" smtClean="0"/>
-              <a:t>2019-03-04</a:t>
+              <a:t>2019-03-06</a:t>
             </a:fld>
             <a:endParaRPr lang="ko-KR" altLang="en-US"/>
           </a:p>
@@ -1268,6 +1270,9 @@
             </a:r>
           </a:p>
           <a:p>
+            <a:endParaRPr lang="ko-KR" altLang="en-US" dirty="0" smtClean="0"/>
+          </a:p>
+          <a:p>
             <a:endParaRPr lang="ko-KR" altLang="en-US" dirty="0"/>
           </a:p>
         </p:txBody>
@@ -1352,26 +1357,312 @@
           <a:bodyPr/>
           <a:lstStyle/>
           <a:p>
-            <a:pPr marL="0" marR="0" indent="0" algn="l" defTabSz="914400" rtl="0" eaLnBrk="1" fontAlgn="auto" latinLnBrk="1" hangingPunct="1">
-              <a:lnSpc>
-                <a:spcPct val="100000"/>
-              </a:lnSpc>
-              <a:spcBef>
-                <a:spcPts val="0"/>
-              </a:spcBef>
-              <a:spcAft>
-                <a:spcPts val="0"/>
-              </a:spcAft>
-              <a:buClrTx/>
-              <a:buSzTx/>
-              <a:buFontTx/>
-              <a:buNone/>
-              <a:tabLst/>
-              <a:defRPr/>
-            </a:pPr>
+            <a:endParaRPr lang="en-US" altLang="ko-KR" dirty="0" smtClean="0"/>
+          </a:p>
+          <a:p>
+            <a:endParaRPr lang="en-US" altLang="ko-KR" dirty="0" smtClean="0"/>
+          </a:p>
+          <a:p>
+            <a:r>
+              <a:rPr lang="ko-KR" altLang="ko-KR" dirty="0" smtClean="0"/>
+              <a:t>윈도우 전에 항목이나 변경 사항을 추가하려면 </a:t>
+            </a:r>
             <a:r>
               <a:rPr lang="ko-KR" altLang="ko-KR" dirty="0" err="1" smtClean="0"/>
-              <a:t>WPF와</a:t>
+              <a:t>Loaded</a:t>
+            </a:r>
+            <a:r>
+              <a:rPr lang="ko-KR" altLang="ko-KR" dirty="0" smtClean="0"/>
+              <a:t> 이벤트를 사용해야합니다. 스크린 샷을 찍는 등 </a:t>
+            </a:r>
+            <a:r>
+              <a:rPr lang="ko-KR" altLang="ko-KR" dirty="0" err="1" smtClean="0"/>
+              <a:t>Window의</a:t>
+            </a:r>
+            <a:r>
+              <a:rPr lang="ko-KR" altLang="ko-KR" dirty="0" smtClean="0"/>
+              <a:t> 컨텐츠와 관련된 작업을 수행하려면 </a:t>
+            </a:r>
+            <a:r>
+              <a:rPr lang="ko-KR" altLang="ko-KR" dirty="0" err="1" smtClean="0"/>
+              <a:t>ContentRendered</a:t>
+            </a:r>
+            <a:r>
+              <a:rPr lang="ko-KR" altLang="ko-KR" dirty="0" smtClean="0"/>
+              <a:t> 이벤트를 사용해야합니다.</a:t>
+            </a:r>
+            <a:r>
+              <a:rPr lang="en-US" altLang="ko-KR" dirty="0" smtClean="0"/>
+              <a:t>(Window</a:t>
+            </a:r>
+            <a:r>
+              <a:rPr lang="ko-KR" altLang="en-US" dirty="0" smtClean="0"/>
+              <a:t>가 모두 뜬 이후에</a:t>
+            </a:r>
+            <a:r>
+              <a:rPr lang="en-US" altLang="ko-KR" dirty="0" smtClean="0"/>
+              <a:t>)</a:t>
+            </a:r>
+          </a:p>
+          <a:p>
+            <a:endParaRPr lang="en-US" altLang="ko-KR" dirty="0" smtClean="0"/>
+          </a:p>
+          <a:p>
+            <a:r>
+              <a:rPr lang="en-US" altLang="ko-KR" dirty="0" smtClean="0"/>
+              <a:t>Loaded</a:t>
+            </a:r>
+          </a:p>
+          <a:p>
+            <a:r>
+              <a:rPr lang="ko-KR" altLang="en-US" sz="1200" b="0" i="0" kern="1200" dirty="0" smtClean="0">
+                <a:solidFill>
+                  <a:schemeClr val="tx1"/>
+                </a:solidFill>
+                <a:effectLst/>
+                <a:latin typeface="+mn-lt"/>
+                <a:ea typeface="+mn-ea"/>
+                <a:cs typeface="+mn-cs"/>
+              </a:rPr>
+              <a:t>요소가 배치되고 </a:t>
+            </a:r>
+            <a:r>
+              <a:rPr lang="ko-KR" altLang="en-US" sz="1200" b="0" i="0" kern="1200" dirty="0" err="1" smtClean="0">
+                <a:solidFill>
+                  <a:schemeClr val="tx1"/>
+                </a:solidFill>
+                <a:effectLst/>
+                <a:latin typeface="+mn-lt"/>
+                <a:ea typeface="+mn-ea"/>
+                <a:cs typeface="+mn-cs"/>
+              </a:rPr>
+              <a:t>렌더링되고</a:t>
+            </a:r>
+            <a:r>
+              <a:rPr lang="ko-KR" altLang="en-US" sz="1200" b="0" i="0" kern="1200" dirty="0" smtClean="0">
+                <a:solidFill>
+                  <a:schemeClr val="tx1"/>
+                </a:solidFill>
+                <a:effectLst/>
+                <a:latin typeface="+mn-lt"/>
+                <a:ea typeface="+mn-ea"/>
+                <a:cs typeface="+mn-cs"/>
+              </a:rPr>
+              <a:t> 상호 작용할 </a:t>
+            </a:r>
+            <a:r>
+              <a:rPr lang="ko-KR" altLang="en-US" sz="1200" b="0" i="0" kern="1200" dirty="0" err="1" smtClean="0">
+                <a:solidFill>
+                  <a:schemeClr val="tx1"/>
+                </a:solidFill>
+                <a:effectLst/>
+                <a:latin typeface="+mn-lt"/>
+                <a:ea typeface="+mn-ea"/>
+                <a:cs typeface="+mn-cs"/>
+              </a:rPr>
+              <a:t>준비가되면</a:t>
+            </a:r>
+            <a:r>
+              <a:rPr lang="ko-KR" altLang="en-US" sz="1200" b="0" i="0" kern="1200" dirty="0" smtClean="0">
+                <a:solidFill>
+                  <a:schemeClr val="tx1"/>
+                </a:solidFill>
+                <a:effectLst/>
+                <a:latin typeface="+mn-lt"/>
+                <a:ea typeface="+mn-ea"/>
+                <a:cs typeface="+mn-cs"/>
+              </a:rPr>
+              <a:t> 발생합니다</a:t>
+            </a:r>
+            <a:r>
+              <a:rPr lang="en-US" altLang="ko-KR" sz="1200" b="0" i="0" kern="1200" dirty="0" smtClean="0">
+                <a:solidFill>
+                  <a:schemeClr val="tx1"/>
+                </a:solidFill>
+                <a:effectLst/>
+                <a:latin typeface="+mn-lt"/>
+                <a:ea typeface="+mn-ea"/>
+                <a:cs typeface="+mn-cs"/>
+              </a:rPr>
+              <a:t>. </a:t>
+            </a:r>
+            <a:r>
+              <a:rPr lang="ko-KR" altLang="en-US" sz="1200" b="0" i="0" kern="1200" dirty="0" smtClean="0">
+                <a:solidFill>
+                  <a:schemeClr val="tx1"/>
+                </a:solidFill>
+                <a:effectLst/>
+                <a:latin typeface="+mn-lt"/>
+                <a:ea typeface="+mn-ea"/>
+                <a:cs typeface="+mn-cs"/>
+              </a:rPr>
+              <a:t>윈도우가 표시되기 바로 전에 발생합니다</a:t>
+            </a:r>
+            <a:r>
+              <a:rPr lang="en-US" altLang="ko-KR" sz="1200" b="0" i="0" kern="1200" dirty="0" smtClean="0">
+                <a:solidFill>
+                  <a:schemeClr val="tx1"/>
+                </a:solidFill>
+                <a:effectLst/>
+                <a:latin typeface="+mn-lt"/>
+                <a:ea typeface="+mn-ea"/>
+                <a:cs typeface="+mn-cs"/>
+              </a:rPr>
+              <a:t>.</a:t>
+            </a:r>
+            <a:endParaRPr lang="en-US" altLang="ko-KR" dirty="0" smtClean="0"/>
+          </a:p>
+          <a:p>
+            <a:endParaRPr lang="en-US" altLang="ko-KR" dirty="0" smtClean="0"/>
+          </a:p>
+          <a:p>
+            <a:r>
+              <a:rPr lang="en-US" altLang="ko-KR" dirty="0" err="1" smtClean="0"/>
+              <a:t>ContentRendered</a:t>
+            </a:r>
+            <a:endParaRPr lang="en-US" altLang="ko-KR" dirty="0" smtClean="0"/>
+          </a:p>
+          <a:p>
+            <a:r>
+              <a:rPr lang="ko-KR" altLang="en-US" sz="1200" b="0" i="0" kern="1200" dirty="0" smtClean="0">
+                <a:solidFill>
+                  <a:schemeClr val="tx1"/>
+                </a:solidFill>
+                <a:effectLst/>
+                <a:latin typeface="+mn-lt"/>
+                <a:ea typeface="+mn-ea"/>
+                <a:cs typeface="+mn-cs"/>
+              </a:rPr>
+              <a:t>윈도우의 내용이 렌더링 된 후에 발생합니다</a:t>
+            </a:r>
+            <a:r>
+              <a:rPr lang="en-US" altLang="ko-KR" sz="1200" b="0" i="0" kern="1200" dirty="0" smtClean="0">
+                <a:solidFill>
+                  <a:schemeClr val="tx1"/>
+                </a:solidFill>
+                <a:effectLst/>
+                <a:latin typeface="+mn-lt"/>
+                <a:ea typeface="+mn-ea"/>
+                <a:cs typeface="+mn-cs"/>
+              </a:rPr>
+              <a:t>. </a:t>
+            </a:r>
+            <a:r>
+              <a:rPr lang="ko-KR" altLang="en-US" sz="1200" b="0" i="0" kern="1200" dirty="0" smtClean="0">
+                <a:solidFill>
+                  <a:schemeClr val="tx1"/>
+                </a:solidFill>
+                <a:effectLst/>
+                <a:latin typeface="+mn-lt"/>
+                <a:ea typeface="+mn-ea"/>
+                <a:cs typeface="+mn-cs"/>
+              </a:rPr>
+              <a:t>윈도우의 내용이 시각적으로 렌더링 될 때 발생합니다</a:t>
+            </a:r>
+            <a:r>
+              <a:rPr lang="en-US" altLang="ko-KR" sz="1200" b="0" i="0" kern="1200" dirty="0" smtClean="0">
+                <a:solidFill>
+                  <a:schemeClr val="tx1"/>
+                </a:solidFill>
+                <a:effectLst/>
+                <a:latin typeface="+mn-lt"/>
+                <a:ea typeface="+mn-ea"/>
+                <a:cs typeface="+mn-cs"/>
+              </a:rPr>
+              <a:t>.</a:t>
+            </a:r>
+          </a:p>
+          <a:p>
+            <a:endParaRPr lang="en-US" altLang="ko-KR" sz="1200" b="0" i="0" kern="1200" dirty="0" smtClean="0">
+              <a:solidFill>
+                <a:schemeClr val="tx1"/>
+              </a:solidFill>
+              <a:effectLst/>
+              <a:latin typeface="+mn-lt"/>
+              <a:ea typeface="+mn-ea"/>
+              <a:cs typeface="+mn-cs"/>
+            </a:endParaRPr>
+          </a:p>
+          <a:p>
+            <a:r>
+              <a:rPr lang="ko-KR" altLang="ko-KR" dirty="0" smtClean="0"/>
+              <a:t>기본적으로 응용 프로그램이 코드를 실행할 때마다이 코드는 응용 프로그램 자체와 동일한 스레드에서 실행됩니다. </a:t>
+            </a:r>
+            <a:r>
+              <a:rPr lang="ko-KR" altLang="ko-KR" dirty="0" err="1" smtClean="0"/>
+              <a:t>즉,이</a:t>
+            </a:r>
+            <a:r>
+              <a:rPr lang="ko-KR" altLang="ko-KR" dirty="0" smtClean="0"/>
+              <a:t> 코드가 실행되는 동안 UI 업데이트를 비롯하여 응용 프로그램 내부에서 아무 것도 발생하지 않습니다</a:t>
+            </a:r>
+            <a:endParaRPr lang="en-US" altLang="ko-KR" dirty="0" smtClean="0"/>
+          </a:p>
+          <a:p>
+            <a:endParaRPr lang="en-US" altLang="ko-KR" dirty="0" smtClean="0"/>
+          </a:p>
+          <a:p>
+            <a:r>
+              <a:rPr lang="ko-KR" altLang="ko-KR" dirty="0" smtClean="0"/>
+              <a:t>이 모든 것을 해결할 </a:t>
+            </a:r>
+            <a:r>
+              <a:rPr lang="ko-KR" altLang="ko-KR" dirty="0" err="1" smtClean="0"/>
+              <a:t>수있는</a:t>
+            </a:r>
+            <a:r>
+              <a:rPr lang="ko-KR" altLang="ko-KR" dirty="0" smtClean="0"/>
+              <a:t> 방법은 여러 스레드를 사용하는 것입니다. C #</a:t>
+            </a:r>
+            <a:r>
+              <a:rPr lang="ko-KR" altLang="ko-KR" dirty="0" err="1" smtClean="0"/>
+              <a:t>에서는이</a:t>
+            </a:r>
+            <a:r>
+              <a:rPr lang="ko-KR" altLang="ko-KR" dirty="0" smtClean="0"/>
+              <a:t> 작업을 매우 쉽게 수행하지만 멀티 </a:t>
+            </a:r>
+            <a:r>
+              <a:rPr lang="ko-KR" altLang="ko-KR" dirty="0" err="1" smtClean="0"/>
+              <a:t>스레딩에는</a:t>
+            </a:r>
+            <a:r>
+              <a:rPr lang="ko-KR" altLang="ko-KR" dirty="0" smtClean="0"/>
+              <a:t> 많은 함정이 따르고 많은 사람들에게 이해하기 쉽지 않습니다. 이것은 </a:t>
+            </a:r>
+            <a:r>
+              <a:rPr lang="ko-KR" altLang="ko-KR" dirty="0" err="1" smtClean="0"/>
+              <a:t>BackgroundWorker가</a:t>
+            </a:r>
+            <a:r>
+              <a:rPr lang="ko-KR" altLang="ko-KR" dirty="0" smtClean="0"/>
+              <a:t> 작동하는 곳입니다. 응용 프로그램에서 추가 스레드를 사용하여 간단하고 쉽고 빠릅니다.</a:t>
+            </a:r>
+            <a:endParaRPr lang="en-US" altLang="ko-KR" dirty="0" smtClean="0"/>
+          </a:p>
+          <a:p>
+            <a:endParaRPr lang="en-US" altLang="ko-KR" dirty="0" smtClean="0"/>
+          </a:p>
+          <a:p>
+            <a:r>
+              <a:rPr lang="ko-KR" altLang="ko-KR" dirty="0" err="1" smtClean="0"/>
+              <a:t>DoWork</a:t>
+            </a:r>
+            <a:r>
+              <a:rPr lang="ko-KR" altLang="ko-KR" dirty="0" smtClean="0"/>
+              <a:t> 이벤트가 모든 노력을 처리합니다. </a:t>
+            </a:r>
+            <a:r>
+              <a:rPr lang="ko-KR" altLang="ko-KR" dirty="0" err="1" smtClean="0"/>
+              <a:t>거기에있는</a:t>
+            </a:r>
+            <a:r>
+              <a:rPr lang="ko-KR" altLang="ko-KR" dirty="0" smtClean="0"/>
+              <a:t> 모든 코드는 다른 스레드에서 실행되므로 </a:t>
+            </a:r>
+            <a:r>
+              <a:rPr lang="ko-KR" altLang="ko-KR" dirty="0" err="1" smtClean="0"/>
+              <a:t>UI에서</a:t>
             </a:r>
             <a:r>
               <a:rPr lang="ko-KR" altLang="ko-KR" dirty="0" smtClean="0"/>
@@ -1379,111 +1670,28 @@
             </a:r>
             <a:r>
               <a:rPr lang="ko-KR" altLang="ko-KR" dirty="0" err="1" smtClean="0"/>
-              <a:t>WinForms는</a:t>
+              <a:t>UI를</a:t>
             </a:r>
             <a:r>
               <a:rPr lang="ko-KR" altLang="ko-KR" dirty="0" smtClean="0"/>
-              <a:t> 두 가지 별개의 UI 프레임 워크입니다. 둘 다 Microsoft에서 만들었습니다. </a:t>
+              <a:t> 건드릴 수 없습니다. 대신 </a:t>
             </a:r>
             <a:r>
               <a:rPr lang="ko-KR" altLang="ko-KR" dirty="0" err="1" smtClean="0"/>
-              <a:t>WPF는</a:t>
+              <a:t>RunWorkerAsync</a:t>
             </a:r>
             <a:r>
               <a:rPr lang="ko-KR" altLang="ko-KR" dirty="0" smtClean="0"/>
-              <a:t> 최초의 .NET UI 프레임 워크 인 </a:t>
+              <a:t> () 메서드의 인수를 사용하여 이벤트 (UI 또는 다른 위치에서)에서 데이터를 가져와 </a:t>
             </a:r>
             <a:r>
               <a:rPr lang="ko-KR" altLang="ko-KR" dirty="0" err="1" smtClean="0"/>
-              <a:t>WinForms에</a:t>
+              <a:t>e.Result</a:t>
             </a:r>
             <a:r>
               <a:rPr lang="ko-KR" altLang="ko-KR" dirty="0" smtClean="0"/>
-              <a:t> 대한보다 현대적인 대안을 의미합니다. 이 둘 사이의 전환을 줄이기 위해 </a:t>
-            </a:r>
-            <a:r>
-              <a:rPr lang="ko-KR" altLang="ko-KR" dirty="0" err="1" smtClean="0"/>
-              <a:t>Microsoft는</a:t>
-            </a:r>
-            <a:r>
-              <a:rPr lang="ko-KR" altLang="ko-KR" dirty="0" smtClean="0"/>
-              <a:t> </a:t>
-            </a:r>
-            <a:r>
-              <a:rPr lang="ko-KR" altLang="ko-KR" dirty="0" err="1" smtClean="0"/>
-              <a:t>WinForms</a:t>
-            </a:r>
-            <a:r>
-              <a:rPr lang="ko-KR" altLang="ko-KR" dirty="0" smtClean="0"/>
-              <a:t> 컨트롤이 WPF 응용 프로그램 내에서 계속 사용될 수 </a:t>
-            </a:r>
-            <a:r>
-              <a:rPr lang="ko-KR" altLang="ko-KR" dirty="0" err="1" smtClean="0"/>
-              <a:t>있도록했습니다</a:t>
-            </a:r>
-            <a:r>
-              <a:rPr lang="ko-KR" altLang="ko-KR" dirty="0" smtClean="0"/>
-              <a:t>. </a:t>
-            </a:r>
-            <a:r>
-              <a:rPr lang="ko-KR" altLang="ko-KR" dirty="0" err="1" smtClean="0"/>
-              <a:t>WindowsFormsHost를</a:t>
-            </a:r>
-            <a:r>
-              <a:rPr lang="ko-KR" altLang="ko-KR" dirty="0" smtClean="0"/>
-              <a:t> </a:t>
-            </a:r>
-            <a:r>
-              <a:rPr lang="ko-KR" altLang="ko-KR" dirty="0" err="1" smtClean="0"/>
-              <a:t>통해이</a:t>
-            </a:r>
-            <a:r>
-              <a:rPr lang="ko-KR" altLang="ko-KR" dirty="0" smtClean="0"/>
-              <a:t> 작업을 수행 할 수 </a:t>
-            </a:r>
-            <a:r>
-              <a:rPr lang="ko-KR" altLang="ko-KR" dirty="0" err="1" smtClean="0"/>
-              <a:t>있습니다.이</a:t>
-            </a:r>
-            <a:r>
-              <a:rPr lang="ko-KR" altLang="ko-KR" dirty="0" smtClean="0"/>
-              <a:t> </a:t>
-            </a:r>
-            <a:r>
-              <a:rPr lang="ko-KR" altLang="ko-KR" dirty="0" err="1" smtClean="0"/>
-              <a:t>기사에서는이</a:t>
-            </a:r>
-            <a:r>
-              <a:rPr lang="ko-KR" altLang="ko-KR" dirty="0" smtClean="0"/>
-              <a:t> 기사에서 설명합니다. </a:t>
-            </a:r>
-            <a:r>
-              <a:rPr lang="ko-KR" altLang="ko-KR" dirty="0" err="1" smtClean="0"/>
-              <a:t>WinForms의</a:t>
-            </a:r>
-            <a:r>
-              <a:rPr lang="ko-KR" altLang="ko-KR" dirty="0" smtClean="0"/>
-              <a:t> </a:t>
-            </a:r>
-            <a:r>
-              <a:rPr lang="ko-KR" altLang="ko-KR" dirty="0" err="1" smtClean="0"/>
-              <a:t>WindowsFormsHost</a:t>
-            </a:r>
-            <a:r>
-              <a:rPr lang="ko-KR" altLang="ko-KR" dirty="0" smtClean="0"/>
-              <a:t> 및 컨트롤을 사용하려면 응용 프로그램에서 다음 어셈블리에 대한 참조를 </a:t>
-            </a:r>
-            <a:r>
-              <a:rPr lang="ko-KR" altLang="ko-KR" dirty="0" err="1" smtClean="0"/>
-              <a:t>추가해야합니다</a:t>
-            </a:r>
-            <a:r>
-              <a:rPr lang="ko-KR" altLang="ko-KR" dirty="0" smtClean="0"/>
-              <a:t>.</a:t>
-            </a:r>
-            <a:endParaRPr lang="ko-KR" altLang="en-US" dirty="0" smtClean="0"/>
-          </a:p>
-          <a:p>
+              <a:t> 속성에 할당하여 결과 데이터를 가져옵니다.</a:t>
+            </a:r>
             <a:endParaRPr lang="ko-KR" altLang="en-US" dirty="0"/>
           </a:p>
         </p:txBody>
@@ -1505,7 +1713,7 @@
           <a:p>
             <a:fld id="{6B53E939-A9C4-4AA6-BEDC-846384ED43E4}" type="slidenum">
               <a:rPr lang="ko-KR" altLang="en-US" smtClean="0"/>
-              <a:t>5</a:t>
+              <a:t>4</a:t>
             </a:fld>
             <a:endParaRPr lang="ko-KR" altLang="en-US"/>
           </a:p>
@@ -1514,7 +1722,7 @@
     </p:spTree>
     <p:extLst>
       <p:ext uri="{BB962C8B-B14F-4D97-AF65-F5344CB8AC3E}">
-        <p14:creationId xmlns:p14="http://schemas.microsoft.com/office/powerpoint/2010/main" val="3655079136"/>
+        <p14:creationId xmlns:p14="http://schemas.microsoft.com/office/powerpoint/2010/main" val="2535387698"/>
       </p:ext>
     </p:extLst>
   </p:cSld>
@@ -1568,6 +1776,174 @@
           <a:bodyPr/>
           <a:lstStyle/>
           <a:p>
+            <a:pPr marL="0" marR="0" indent="0" algn="l" defTabSz="914400" rtl="0" eaLnBrk="1" fontAlgn="auto" latinLnBrk="1" hangingPunct="1">
+              <a:lnSpc>
+                <a:spcPct val="100000"/>
+              </a:lnSpc>
+              <a:spcBef>
+                <a:spcPts val="0"/>
+              </a:spcBef>
+              <a:spcAft>
+                <a:spcPts val="0"/>
+              </a:spcAft>
+              <a:buClrTx/>
+              <a:buSzTx/>
+              <a:buFontTx/>
+              <a:buNone/>
+              <a:tabLst/>
+              <a:defRPr/>
+            </a:pPr>
+            <a:r>
+              <a:rPr lang="ko-KR" altLang="ko-KR" dirty="0" err="1" smtClean="0"/>
+              <a:t>WPF와</a:t>
+            </a:r>
+            <a:r>
+              <a:rPr lang="ko-KR" altLang="ko-KR" dirty="0" smtClean="0"/>
+              <a:t> </a:t>
+            </a:r>
+            <a:r>
+              <a:rPr lang="ko-KR" altLang="ko-KR" dirty="0" err="1" smtClean="0"/>
+              <a:t>WinForms는</a:t>
+            </a:r>
+            <a:r>
+              <a:rPr lang="ko-KR" altLang="ko-KR" dirty="0" smtClean="0"/>
+              <a:t> 두 가지 별개의 UI 프레임 워크입니다. 둘 다 Microsoft에서 만들었습니다. </a:t>
+            </a:r>
+            <a:endParaRPr lang="en-US" altLang="ko-KR" dirty="0" smtClean="0"/>
+          </a:p>
+          <a:p>
+            <a:pPr marL="0" marR="0" indent="0" algn="l" defTabSz="914400" rtl="0" eaLnBrk="1" fontAlgn="auto" latinLnBrk="1" hangingPunct="1">
+              <a:lnSpc>
+                <a:spcPct val="100000"/>
+              </a:lnSpc>
+              <a:spcBef>
+                <a:spcPts val="0"/>
+              </a:spcBef>
+              <a:spcAft>
+                <a:spcPts val="0"/>
+              </a:spcAft>
+              <a:buClrTx/>
+              <a:buSzTx/>
+              <a:buFontTx/>
+              <a:buNone/>
+              <a:tabLst/>
+              <a:defRPr/>
+            </a:pPr>
+            <a:r>
+              <a:rPr lang="ko-KR" altLang="ko-KR" dirty="0" err="1" smtClean="0"/>
+              <a:t>WPF는</a:t>
+            </a:r>
+            <a:r>
+              <a:rPr lang="ko-KR" altLang="ko-KR" dirty="0" smtClean="0"/>
+              <a:t> 최초의 .NET UI 프레임 워크 인 </a:t>
+            </a:r>
+            <a:r>
+              <a:rPr lang="ko-KR" altLang="ko-KR" dirty="0" err="1" smtClean="0"/>
+              <a:t>WinForms에</a:t>
+            </a:r>
+            <a:r>
+              <a:rPr lang="ko-KR" altLang="ko-KR" dirty="0" smtClean="0"/>
+              <a:t> 대한보다 현대적인 대안을 의미합니다. </a:t>
+            </a:r>
+            <a:endParaRPr lang="en-US" altLang="ko-KR" dirty="0" smtClean="0"/>
+          </a:p>
+          <a:p>
+            <a:pPr marL="0" marR="0" indent="0" algn="l" defTabSz="914400" rtl="0" eaLnBrk="1" fontAlgn="auto" latinLnBrk="1" hangingPunct="1">
+              <a:lnSpc>
+                <a:spcPct val="100000"/>
+              </a:lnSpc>
+              <a:spcBef>
+                <a:spcPts val="0"/>
+              </a:spcBef>
+              <a:spcAft>
+                <a:spcPts val="0"/>
+              </a:spcAft>
+              <a:buClrTx/>
+              <a:buSzTx/>
+              <a:buFontTx/>
+              <a:buNone/>
+              <a:tabLst/>
+              <a:defRPr/>
+            </a:pPr>
+            <a:r>
+              <a:rPr lang="ko-KR" altLang="ko-KR" dirty="0" smtClean="0"/>
+              <a:t>이 둘 사이의 전환을 줄이기 위해 </a:t>
+            </a:r>
+            <a:r>
+              <a:rPr lang="ko-KR" altLang="ko-KR" dirty="0" err="1" smtClean="0"/>
+              <a:t>Microsoft는</a:t>
+            </a:r>
+            <a:r>
+              <a:rPr lang="ko-KR" altLang="ko-KR" dirty="0" smtClean="0"/>
+              <a:t> </a:t>
+            </a:r>
+            <a:r>
+              <a:rPr lang="ko-KR" altLang="ko-KR" dirty="0" err="1" smtClean="0"/>
+              <a:t>WinForms</a:t>
+            </a:r>
+            <a:r>
+              <a:rPr lang="ko-KR" altLang="ko-KR" dirty="0" smtClean="0"/>
+              <a:t> 컨트롤이 WPF 응용 프로그램 내에서 사용될 수 </a:t>
+            </a:r>
+            <a:r>
+              <a:rPr lang="ko-KR" altLang="en-US" dirty="0" smtClean="0"/>
+              <a:t>있게 함</a:t>
+            </a:r>
+            <a:r>
+              <a:rPr lang="en-US" altLang="ko-KR" dirty="0" smtClean="0"/>
+              <a:t>. </a:t>
+            </a:r>
+            <a:endParaRPr lang="en-US" altLang="ko-KR" baseline="0" dirty="0" smtClean="0"/>
+          </a:p>
+          <a:p>
+            <a:pPr marL="0" marR="0" indent="0" algn="l" defTabSz="914400" rtl="0" eaLnBrk="1" fontAlgn="auto" latinLnBrk="1" hangingPunct="1">
+              <a:lnSpc>
+                <a:spcPct val="100000"/>
+              </a:lnSpc>
+              <a:spcBef>
+                <a:spcPts val="0"/>
+              </a:spcBef>
+              <a:spcAft>
+                <a:spcPts val="0"/>
+              </a:spcAft>
+              <a:buClrTx/>
+              <a:buSzTx/>
+              <a:buFontTx/>
+              <a:buNone/>
+              <a:tabLst/>
+              <a:defRPr/>
+            </a:pPr>
+            <a:r>
+              <a:rPr lang="ko-KR" altLang="ko-KR" dirty="0" smtClean="0"/>
+              <a:t> </a:t>
+            </a:r>
+            <a:r>
+              <a:rPr lang="ko-KR" altLang="ko-KR" dirty="0" err="1" smtClean="0"/>
+              <a:t>WinForms의</a:t>
+            </a:r>
+            <a:r>
+              <a:rPr lang="ko-KR" altLang="ko-KR" dirty="0" smtClean="0"/>
+              <a:t> </a:t>
+            </a:r>
+            <a:r>
+              <a:rPr lang="ko-KR" altLang="ko-KR" dirty="0" err="1" smtClean="0"/>
+              <a:t>WindowsFormsHost</a:t>
+            </a:r>
+            <a:r>
+              <a:rPr lang="ko-KR" altLang="ko-KR" dirty="0" smtClean="0"/>
+              <a:t> 및 컨트롤을 사용하려면 응용 프로그램에서 다음 어셈블리에 대한 참조를 </a:t>
+            </a:r>
+            <a:r>
+              <a:rPr lang="ko-KR" altLang="ko-KR" dirty="0" err="1" smtClean="0"/>
+              <a:t>추가해야합니다</a:t>
+            </a:r>
+            <a:r>
+              <a:rPr lang="ko-KR" altLang="ko-KR" dirty="0" smtClean="0"/>
+              <a:t>.</a:t>
+            </a:r>
+            <a:endParaRPr lang="ko-KR" altLang="en-US" dirty="0" smtClean="0"/>
+          </a:p>
+          <a:p>
             <a:endParaRPr lang="ko-KR" altLang="en-US" dirty="0"/>
           </a:p>
         </p:txBody>
@@ -1589,7 +1965,2367 @@
           <a:p>
             <a:fld id="{6B53E939-A9C4-4AA6-BEDC-846384ED43E4}" type="slidenum">
               <a:rPr lang="ko-KR" altLang="en-US" smtClean="0"/>
+              <a:t>5</a:t>
+            </a:fld>
+            <a:endParaRPr lang="ko-KR" altLang="en-US"/>
+          </a:p>
+        </p:txBody>
+      </p:sp>
+    </p:spTree>
+    <p:extLst>
+      <p:ext uri="{BB962C8B-B14F-4D97-AF65-F5344CB8AC3E}">
+        <p14:creationId xmlns:p14="http://schemas.microsoft.com/office/powerpoint/2010/main" val="3655079136"/>
+      </p:ext>
+    </p:extLst>
+  </p:cSld>
+  <p:clrMapOvr>
+    <a:masterClrMapping/>
+  </p:clrMapOvr>
+</p:notes>
+</file>
+
+<file path=ppt/notesSlides/notesSlide4.xml><?xml version="1.0" encoding="utf-8"?>
+<p:notes xmlns:a="http://schemas.openxmlformats.org/drawingml/2006/main" xmlns:r="http://schemas.openxmlformats.org/officeDocument/2006/relationships" xmlns:p="http://schemas.openxmlformats.org/presentationml/2006/main">
+  <p:cSld>
+    <p:spTree>
+      <p:nvGrpSpPr>
+        <p:cNvPr id="1" name=""/>
+        <p:cNvGrpSpPr/>
+        <p:nvPr/>
+      </p:nvGrpSpPr>
+      <p:grpSpPr>
+        <a:xfrm>
+          <a:off x="0" y="0"/>
+          <a:ext cx="0" cy="0"/>
+          <a:chOff x="0" y="0"/>
+          <a:chExt cx="0" cy="0"/>
+        </a:xfrm>
+      </p:grpSpPr>
+      <p:sp>
+        <p:nvSpPr>
+          <p:cNvPr id="2" name="슬라이드 이미지 개체 틀 1"/>
+          <p:cNvSpPr>
+            <a:spLocks noGrp="1" noRot="1" noChangeAspect="1"/>
+          </p:cNvSpPr>
+          <p:nvPr>
+            <p:ph type="sldImg"/>
+          </p:nvPr>
+        </p:nvSpPr>
+        <p:spPr/>
+      </p:sp>
+      <p:sp>
+        <p:nvSpPr>
+          <p:cNvPr id="3" name="슬라이드 노트 개체 틀 2"/>
+          <p:cNvSpPr>
+            <a:spLocks noGrp="1"/>
+          </p:cNvSpPr>
+          <p:nvPr>
+            <p:ph type="body" idx="1"/>
+          </p:nvPr>
+        </p:nvSpPr>
+        <p:spPr/>
+        <p:txBody>
+          <a:bodyPr/>
+          <a:lstStyle/>
+          <a:p>
+            <a:pPr marL="0" marR="0" indent="0" algn="l" defTabSz="914400" rtl="0" eaLnBrk="1" fontAlgn="auto" latinLnBrk="1" hangingPunct="1">
+              <a:lnSpc>
+                <a:spcPct val="100000"/>
+              </a:lnSpc>
+              <a:spcBef>
+                <a:spcPts val="0"/>
+              </a:spcBef>
+              <a:spcAft>
+                <a:spcPts val="0"/>
+              </a:spcAft>
+              <a:buClrTx/>
+              <a:buSzTx/>
+              <a:buFontTx/>
+              <a:buNone/>
+              <a:tabLst/>
+              <a:defRPr/>
+            </a:pPr>
+            <a:r>
+              <a:rPr lang="ko-KR" altLang="ko-KR" dirty="0" err="1" smtClean="0"/>
+              <a:t>wf</a:t>
+            </a:r>
+            <a:r>
+              <a:rPr lang="ko-KR" altLang="ko-KR" dirty="0" smtClean="0"/>
+              <a:t> : </a:t>
+            </a:r>
+            <a:r>
+              <a:rPr lang="ko-KR" altLang="ko-KR" dirty="0" err="1" smtClean="0"/>
+              <a:t>접두어를</a:t>
+            </a:r>
+            <a:r>
+              <a:rPr lang="ko-KR" altLang="ko-KR" dirty="0" smtClean="0"/>
+              <a:t> 사용하여 </a:t>
+            </a:r>
+            <a:r>
+              <a:rPr lang="ko-KR" altLang="ko-KR" dirty="0" err="1" smtClean="0"/>
+              <a:t>WinForms</a:t>
+            </a:r>
+            <a:r>
+              <a:rPr lang="ko-KR" altLang="ko-KR" dirty="0" smtClean="0"/>
+              <a:t> 컨트롤을 참조 할 </a:t>
+            </a:r>
+            <a:r>
+              <a:rPr lang="ko-KR" altLang="ko-KR" dirty="0" err="1" smtClean="0"/>
+              <a:t>수있게</a:t>
+            </a:r>
+            <a:r>
+              <a:rPr lang="ko-KR" altLang="ko-KR" dirty="0" smtClean="0"/>
+              <a:t> 해줍니다. </a:t>
+            </a:r>
+            <a:r>
+              <a:rPr lang="ko-KR" altLang="ko-KR" dirty="0" err="1" smtClean="0"/>
+              <a:t>WinForms</a:t>
+            </a:r>
+            <a:r>
+              <a:rPr lang="ko-KR" altLang="ko-KR" dirty="0" smtClean="0"/>
+              <a:t> 컨트롤을 정의 할 </a:t>
+            </a:r>
+            <a:r>
+              <a:rPr lang="ko-KR" altLang="ko-KR" dirty="0" err="1" smtClean="0"/>
+              <a:t>수있는</a:t>
+            </a:r>
+            <a:r>
+              <a:rPr lang="ko-KR" altLang="ko-KR" dirty="0" smtClean="0"/>
+              <a:t> </a:t>
+            </a:r>
+            <a:r>
+              <a:rPr lang="ko-KR" altLang="ko-KR" dirty="0" err="1" smtClean="0"/>
+              <a:t>Child</a:t>
+            </a:r>
+            <a:r>
+              <a:rPr lang="ko-KR" altLang="ko-KR" dirty="0" smtClean="0"/>
+              <a:t> 속성이 있습니다. </a:t>
+            </a:r>
+            <a:r>
+              <a:rPr lang="ko-KR" altLang="ko-KR" dirty="0" err="1" smtClean="0"/>
+              <a:t>WindowsFormsHost</a:t>
+            </a:r>
+            <a:r>
+              <a:rPr lang="ko-KR" altLang="ko-KR" dirty="0" smtClean="0"/>
+              <a:t> 내부에서 </a:t>
+            </a:r>
+            <a:r>
+              <a:rPr lang="ko-KR" altLang="ko-KR" dirty="0" err="1" smtClean="0"/>
+              <a:t>WinForms의</a:t>
+            </a:r>
+            <a:r>
+              <a:rPr lang="ko-KR" altLang="ko-KR" dirty="0" smtClean="0"/>
+              <a:t> 컨트롤이 더 필요하면 </a:t>
+            </a:r>
+            <a:r>
+              <a:rPr lang="ko-KR" altLang="ko-KR" dirty="0" err="1" smtClean="0"/>
+              <a:t>WinForms</a:t>
+            </a:r>
+            <a:r>
+              <a:rPr lang="ko-KR" altLang="ko-KR" dirty="0" smtClean="0"/>
+              <a:t> 또는 다른 컨테이너 컨트롤의 </a:t>
+            </a:r>
+            <a:r>
+              <a:rPr lang="ko-KR" altLang="ko-KR" dirty="0" err="1" smtClean="0"/>
+              <a:t>Panel</a:t>
+            </a:r>
+            <a:r>
+              <a:rPr lang="ko-KR" altLang="ko-KR" dirty="0" smtClean="0"/>
+              <a:t> 컨트롤을 사용할 수 있습니다.</a:t>
+            </a:r>
+            <a:endParaRPr lang="ko-KR" altLang="en-US" dirty="0"/>
+          </a:p>
+        </p:txBody>
+      </p:sp>
+      <p:sp>
+        <p:nvSpPr>
+          <p:cNvPr id="4" name="슬라이드 번호 개체 틀 3"/>
+          <p:cNvSpPr>
+            <a:spLocks noGrp="1"/>
+          </p:cNvSpPr>
+          <p:nvPr>
+            <p:ph type="sldNum" sz="quarter" idx="10"/>
+          </p:nvPr>
+        </p:nvSpPr>
+        <p:spPr/>
+        <p:txBody>
+          <a:bodyPr/>
+          <a:lstStyle/>
+          <a:p>
+            <a:fld id="{6B53E939-A9C4-4AA6-BEDC-846384ED43E4}" type="slidenum">
+              <a:rPr lang="ko-KR" altLang="en-US" smtClean="0"/>
               <a:t>6</a:t>
+            </a:fld>
+            <a:endParaRPr lang="ko-KR" altLang="en-US"/>
+          </a:p>
+        </p:txBody>
+      </p:sp>
+    </p:spTree>
+    <p:extLst>
+      <p:ext uri="{BB962C8B-B14F-4D97-AF65-F5344CB8AC3E}">
+        <p14:creationId xmlns:p14="http://schemas.microsoft.com/office/powerpoint/2010/main" val="2950790617"/>
+      </p:ext>
+    </p:extLst>
+  </p:cSld>
+  <p:clrMapOvr>
+    <a:masterClrMapping/>
+  </p:clrMapOvr>
+</p:notes>
+</file>
+
+<file path=ppt/notesSlides/notesSlide5.xml><?xml version="1.0" encoding="utf-8"?>
+<p:notes xmlns:a="http://schemas.openxmlformats.org/drawingml/2006/main" xmlns:r="http://schemas.openxmlformats.org/officeDocument/2006/relationships" xmlns:p="http://schemas.openxmlformats.org/presentationml/2006/main">
+  <p:cSld>
+    <p:spTree>
+      <p:nvGrpSpPr>
+        <p:cNvPr id="1" name=""/>
+        <p:cNvGrpSpPr/>
+        <p:nvPr/>
+      </p:nvGrpSpPr>
+      <p:grpSpPr>
+        <a:xfrm>
+          <a:off x="0" y="0"/>
+          <a:ext cx="0" cy="0"/>
+          <a:chOff x="0" y="0"/>
+          <a:chExt cx="0" cy="0"/>
+        </a:xfrm>
+      </p:grpSpPr>
+      <p:sp>
+        <p:nvSpPr>
+          <p:cNvPr id="2" name="슬라이드 이미지 개체 틀 1"/>
+          <p:cNvSpPr>
+            <a:spLocks noGrp="1" noRot="1" noChangeAspect="1"/>
+          </p:cNvSpPr>
+          <p:nvPr>
+            <p:ph type="sldImg"/>
+          </p:nvPr>
+        </p:nvSpPr>
+        <p:spPr/>
+      </p:sp>
+      <p:sp>
+        <p:nvSpPr>
+          <p:cNvPr id="3" name="슬라이드 노트 개체 틀 2"/>
+          <p:cNvSpPr>
+            <a:spLocks noGrp="1"/>
+          </p:cNvSpPr>
+          <p:nvPr>
+            <p:ph type="body" idx="1"/>
+          </p:nvPr>
+        </p:nvSpPr>
+        <p:spPr/>
+        <p:txBody>
+          <a:bodyPr/>
+          <a:lstStyle/>
+          <a:p>
+            <a:r>
+              <a:rPr lang="ko-KR" altLang="en-US" dirty="0" smtClean="0"/>
+              <a:t>추가적으로 오른편에 속성</a:t>
+            </a:r>
+            <a:r>
+              <a:rPr lang="en-US" altLang="ko-KR" dirty="0" smtClean="0"/>
+              <a:t>-&gt;</a:t>
+            </a:r>
+            <a:r>
+              <a:rPr lang="ko-KR" altLang="en-US" dirty="0" smtClean="0"/>
+              <a:t>브러시</a:t>
+            </a:r>
+            <a:r>
+              <a:rPr lang="en-US" altLang="ko-KR" dirty="0" smtClean="0"/>
+              <a:t>-&gt;</a:t>
+            </a:r>
+            <a:r>
+              <a:rPr lang="en-US" altLang="ko-KR" baseline="0" dirty="0" smtClean="0"/>
+              <a:t>Background/Foreground </a:t>
+            </a:r>
+            <a:r>
+              <a:rPr lang="ko-KR" altLang="en-US" baseline="0" dirty="0" smtClean="0"/>
+              <a:t>등등 </a:t>
+            </a:r>
+            <a:r>
+              <a:rPr lang="en-US" altLang="ko-KR" baseline="0" dirty="0" smtClean="0"/>
+              <a:t>-&gt;</a:t>
+            </a:r>
+            <a:r>
+              <a:rPr lang="ko-KR" altLang="en-US" baseline="0" dirty="0" err="1" smtClean="0"/>
+              <a:t>그라데이션</a:t>
+            </a:r>
+            <a:r>
+              <a:rPr lang="ko-KR" altLang="en-US" baseline="0" dirty="0" smtClean="0"/>
+              <a:t> 브러시 이용하면 더 </a:t>
+            </a:r>
+            <a:r>
+              <a:rPr lang="ko-KR" altLang="en-US" baseline="0" dirty="0" err="1" smtClean="0"/>
+              <a:t>있어보이고</a:t>
+            </a:r>
+            <a:r>
+              <a:rPr lang="en-US" altLang="ko-KR" baseline="0" dirty="0" smtClean="0"/>
+              <a:t>,</a:t>
+            </a:r>
+            <a:r>
+              <a:rPr lang="ko-KR" altLang="en-US" baseline="0" dirty="0" smtClean="0"/>
+              <a:t> 더 풍부한 </a:t>
+            </a:r>
+            <a:r>
+              <a:rPr lang="en-US" altLang="ko-KR" baseline="0" dirty="0" smtClean="0"/>
+              <a:t>UI</a:t>
+            </a:r>
+            <a:r>
+              <a:rPr lang="ko-KR" altLang="en-US" baseline="0" dirty="0" smtClean="0"/>
+              <a:t>를 만들 수 있음</a:t>
+            </a:r>
+            <a:endParaRPr lang="en-US" altLang="ko-KR" baseline="0" dirty="0" smtClean="0"/>
+          </a:p>
+          <a:p>
+            <a:r>
+              <a:rPr lang="ko-KR" altLang="en-US" baseline="0" dirty="0" smtClean="0"/>
+              <a:t>색상을 클릭하고 </a:t>
+            </a:r>
+            <a:r>
+              <a:rPr lang="en-US" altLang="ko-KR" baseline="0" dirty="0" smtClean="0"/>
+              <a:t>Stop</a:t>
+            </a:r>
+            <a:r>
+              <a:rPr lang="ko-KR" altLang="en-US" baseline="0" dirty="0" smtClean="0"/>
+              <a:t>을 정해주면 됨</a:t>
+            </a:r>
+            <a:endParaRPr lang="en-US" altLang="ko-KR" baseline="0" dirty="0" smtClean="0"/>
+          </a:p>
+          <a:p>
+            <a:r>
+              <a:rPr lang="en-US" altLang="ko-KR" sz="1200" b="0" i="0" kern="1200" dirty="0" err="1" smtClean="0">
+                <a:solidFill>
+                  <a:schemeClr val="tx1"/>
+                </a:solidFill>
+                <a:effectLst/>
+                <a:latin typeface="+mn-lt"/>
+                <a:ea typeface="+mn-ea"/>
+                <a:cs typeface="+mn-cs"/>
+              </a:rPr>
+              <a:t>ControlTemplate</a:t>
+            </a:r>
+            <a:r>
+              <a:rPr lang="ko-KR" altLang="en-US" sz="1200" b="0" i="0" kern="1200" dirty="0" smtClean="0">
+                <a:solidFill>
+                  <a:schemeClr val="tx1"/>
+                </a:solidFill>
+                <a:effectLst/>
+                <a:latin typeface="+mn-lt"/>
+                <a:ea typeface="+mn-ea"/>
+                <a:cs typeface="+mn-cs"/>
+              </a:rPr>
+              <a:t>는 말그대로 </a:t>
+            </a:r>
+            <a:r>
+              <a:rPr lang="en-US" altLang="ko-KR" sz="1200" b="0" i="0" kern="1200" dirty="0" smtClean="0">
+                <a:solidFill>
+                  <a:schemeClr val="tx1"/>
+                </a:solidFill>
+                <a:effectLst/>
+                <a:latin typeface="+mn-lt"/>
+                <a:ea typeface="+mn-ea"/>
+                <a:cs typeface="+mn-cs"/>
+              </a:rPr>
+              <a:t>Control </a:t>
+            </a:r>
+            <a:r>
+              <a:rPr lang="ko-KR" altLang="en-US" sz="1200" b="0" i="0" kern="1200" dirty="0" smtClean="0">
+                <a:solidFill>
+                  <a:schemeClr val="tx1"/>
+                </a:solidFill>
+                <a:effectLst/>
+                <a:latin typeface="+mn-lt"/>
+                <a:ea typeface="+mn-ea"/>
+                <a:cs typeface="+mn-cs"/>
+              </a:rPr>
+              <a:t>그 차체의 외형을 정의하는 요소</a:t>
+            </a:r>
+            <a:endParaRPr lang="en-US" altLang="ko-KR" sz="1200" b="0" i="0" kern="1200" dirty="0" smtClean="0">
+              <a:solidFill>
+                <a:schemeClr val="tx1"/>
+              </a:solidFill>
+              <a:effectLst/>
+              <a:latin typeface="+mn-lt"/>
+              <a:ea typeface="+mn-ea"/>
+              <a:cs typeface="+mn-cs"/>
+            </a:endParaRPr>
+          </a:p>
+          <a:p>
+            <a:endParaRPr lang="en-US" altLang="ko-KR" sz="1200" b="0" i="0" kern="1200" dirty="0" smtClean="0">
+              <a:solidFill>
+                <a:schemeClr val="tx1"/>
+              </a:solidFill>
+              <a:effectLst/>
+              <a:latin typeface="+mn-lt"/>
+              <a:ea typeface="+mn-ea"/>
+              <a:cs typeface="+mn-cs"/>
+            </a:endParaRPr>
+          </a:p>
+          <a:p>
+            <a:r>
+              <a:rPr lang="en-US" altLang="ko-KR" sz="1200" b="0" i="0" kern="1200" dirty="0" err="1" smtClean="0">
+                <a:solidFill>
+                  <a:schemeClr val="tx1"/>
+                </a:solidFill>
+                <a:effectLst/>
+                <a:latin typeface="+mn-lt"/>
+                <a:ea typeface="+mn-ea"/>
+                <a:cs typeface="+mn-cs"/>
+              </a:rPr>
+              <a:t>ContentPresenter</a:t>
+            </a:r>
+            <a:r>
+              <a:rPr lang="ko-KR" altLang="en-US" sz="1200" b="0" i="0" kern="1200" dirty="0" smtClean="0">
+                <a:solidFill>
+                  <a:schemeClr val="tx1"/>
+                </a:solidFill>
+                <a:effectLst/>
+                <a:latin typeface="+mn-lt"/>
+                <a:ea typeface="+mn-ea"/>
+                <a:cs typeface="+mn-cs"/>
+              </a:rPr>
+              <a:t>는 컨트롤의 </a:t>
+            </a:r>
+            <a:r>
+              <a:rPr lang="en-US" altLang="ko-KR" sz="1200" b="0" i="0" kern="1200" dirty="0" smtClean="0">
+                <a:solidFill>
+                  <a:schemeClr val="tx1"/>
+                </a:solidFill>
+                <a:effectLst/>
+                <a:latin typeface="+mn-lt"/>
+                <a:ea typeface="+mn-ea"/>
+                <a:cs typeface="+mn-cs"/>
+              </a:rPr>
+              <a:t>Content </a:t>
+            </a:r>
+            <a:r>
+              <a:rPr lang="ko-KR" altLang="en-US" sz="1200" b="0" i="0" kern="1200" dirty="0" smtClean="0">
+                <a:solidFill>
+                  <a:schemeClr val="tx1"/>
+                </a:solidFill>
+                <a:effectLst/>
+                <a:latin typeface="+mn-lt"/>
+                <a:ea typeface="+mn-ea"/>
+                <a:cs typeface="+mn-cs"/>
+              </a:rPr>
+              <a:t>속성에 넣어주는 </a:t>
+            </a:r>
+            <a:r>
+              <a:rPr lang="ko-KR" altLang="en-US" sz="1200" b="0" i="0" kern="1200" dirty="0" err="1" smtClean="0">
+                <a:solidFill>
+                  <a:schemeClr val="tx1"/>
+                </a:solidFill>
+                <a:effectLst/>
+                <a:latin typeface="+mn-lt"/>
+                <a:ea typeface="+mn-ea"/>
+                <a:cs typeface="+mn-cs"/>
+              </a:rPr>
+              <a:t>엘리먼트가</a:t>
+            </a:r>
+            <a:r>
+              <a:rPr lang="ko-KR" altLang="en-US" sz="1200" b="0" i="0" kern="1200" dirty="0" smtClean="0">
+                <a:solidFill>
+                  <a:schemeClr val="tx1"/>
+                </a:solidFill>
+                <a:effectLst/>
+                <a:latin typeface="+mn-lt"/>
+                <a:ea typeface="+mn-ea"/>
+                <a:cs typeface="+mn-cs"/>
+              </a:rPr>
+              <a:t> 표현되게 됨</a:t>
+            </a:r>
+            <a:endParaRPr lang="en-US" altLang="ko-KR" sz="1200" b="0" i="0" kern="1200" dirty="0" smtClean="0">
+              <a:solidFill>
+                <a:schemeClr val="tx1"/>
+              </a:solidFill>
+              <a:effectLst/>
+              <a:latin typeface="+mn-lt"/>
+              <a:ea typeface="+mn-ea"/>
+              <a:cs typeface="+mn-cs"/>
+            </a:endParaRPr>
+          </a:p>
+          <a:p>
+            <a:r>
+              <a:rPr lang="ko-KR" altLang="en-US" sz="1200" b="0" i="0" kern="1200" dirty="0" smtClean="0">
+                <a:solidFill>
+                  <a:schemeClr val="tx1"/>
+                </a:solidFill>
+                <a:effectLst/>
+                <a:latin typeface="+mn-lt"/>
+                <a:ea typeface="+mn-ea"/>
+                <a:cs typeface="+mn-cs"/>
+              </a:rPr>
+              <a:t>원래의 소스 </a:t>
+            </a:r>
+            <a:r>
+              <a:rPr lang="en-US" altLang="ko-KR" sz="1200" kern="1200" dirty="0" err="1" smtClean="0">
+                <a:solidFill>
+                  <a:schemeClr val="tx1"/>
+                </a:solidFill>
+                <a:latin typeface="+mn-lt"/>
+                <a:ea typeface="+mn-ea"/>
+                <a:cs typeface="+mn-cs"/>
+              </a:rPr>
+              <a:t>HorizontalAlignment</a:t>
+            </a:r>
+            <a:r>
+              <a:rPr lang="en-US" altLang="ko-KR" sz="1200" b="0" i="0" kern="1200" dirty="0" smtClean="0">
+                <a:solidFill>
+                  <a:schemeClr val="tx1"/>
+                </a:solidFill>
+                <a:effectLst/>
+                <a:latin typeface="+mn-lt"/>
+                <a:ea typeface="+mn-ea"/>
+                <a:cs typeface="+mn-cs"/>
+              </a:rPr>
+              <a:t>="{</a:t>
+            </a:r>
+            <a:r>
+              <a:rPr lang="en-US" altLang="ko-KR" sz="1200" b="0" i="0" kern="1200" dirty="0" err="1" smtClean="0">
+                <a:solidFill>
+                  <a:schemeClr val="tx1"/>
+                </a:solidFill>
+                <a:effectLst/>
+                <a:latin typeface="+mn-lt"/>
+                <a:ea typeface="+mn-ea"/>
+                <a:cs typeface="+mn-cs"/>
+              </a:rPr>
+              <a:t>TemplateBinding</a:t>
+            </a:r>
+            <a:r>
+              <a:rPr lang="en-US" altLang="ko-KR" sz="1200" b="0" i="0" kern="1200" dirty="0" smtClean="0">
+                <a:solidFill>
+                  <a:schemeClr val="tx1"/>
+                </a:solidFill>
+                <a:effectLst/>
+                <a:latin typeface="+mn-lt"/>
+                <a:ea typeface="+mn-ea"/>
+                <a:cs typeface="+mn-cs"/>
+              </a:rPr>
+              <a:t> </a:t>
+            </a:r>
+            <a:r>
+              <a:rPr lang="en-US" altLang="ko-KR" sz="1200" kern="1200" dirty="0" err="1" smtClean="0">
+                <a:solidFill>
+                  <a:schemeClr val="tx1"/>
+                </a:solidFill>
+                <a:latin typeface="+mn-lt"/>
+                <a:ea typeface="+mn-ea"/>
+                <a:cs typeface="+mn-cs"/>
+              </a:rPr>
+              <a:t>HorizontalAlignment</a:t>
+            </a:r>
+            <a:r>
+              <a:rPr lang="en-US" altLang="ko-KR" sz="1200" b="0" i="0" kern="1200" dirty="0" smtClean="0">
+                <a:solidFill>
+                  <a:schemeClr val="tx1"/>
+                </a:solidFill>
+                <a:effectLst/>
+                <a:latin typeface="+mn-lt"/>
+                <a:ea typeface="+mn-ea"/>
+                <a:cs typeface="+mn-cs"/>
+              </a:rPr>
+              <a:t>}"</a:t>
+            </a:r>
+            <a:r>
+              <a:rPr lang="ko-KR" altLang="en-US" sz="1200" b="0" i="0" kern="1200" dirty="0" smtClean="0">
+                <a:solidFill>
+                  <a:schemeClr val="tx1"/>
+                </a:solidFill>
+                <a:effectLst/>
+                <a:latin typeface="+mn-lt"/>
+                <a:ea typeface="+mn-ea"/>
+                <a:cs typeface="+mn-cs"/>
+              </a:rPr>
+              <a:t>는 속성에서 지정해준 </a:t>
+            </a:r>
+            <a:r>
+              <a:rPr lang="en-US" altLang="ko-KR" sz="1200" kern="1200" dirty="0" err="1" smtClean="0">
+                <a:solidFill>
+                  <a:schemeClr val="tx1"/>
+                </a:solidFill>
+                <a:latin typeface="+mn-lt"/>
+                <a:ea typeface="+mn-ea"/>
+                <a:cs typeface="+mn-cs"/>
+              </a:rPr>
+              <a:t>HorizontalAlignment</a:t>
+            </a:r>
+            <a:r>
+              <a:rPr lang="en-US" altLang="ko-KR" sz="1200" b="0" i="0" kern="1200" dirty="0" smtClean="0">
+                <a:solidFill>
+                  <a:schemeClr val="tx1"/>
+                </a:solidFill>
+                <a:effectLst/>
+                <a:latin typeface="+mn-lt"/>
+                <a:ea typeface="+mn-ea"/>
+                <a:cs typeface="+mn-cs"/>
+              </a:rPr>
+              <a:t> </a:t>
+            </a:r>
+            <a:r>
+              <a:rPr lang="ko-KR" altLang="en-US" sz="1200" b="0" i="0" kern="1200" dirty="0" smtClean="0">
+                <a:solidFill>
+                  <a:schemeClr val="tx1"/>
+                </a:solidFill>
+                <a:effectLst/>
+                <a:latin typeface="+mn-lt"/>
+                <a:ea typeface="+mn-ea"/>
+                <a:cs typeface="+mn-cs"/>
+              </a:rPr>
+              <a:t>속성값을 사용하겠다는 뜻</a:t>
+            </a:r>
+            <a:r>
+              <a:rPr lang="ko-KR" altLang="en-US" dirty="0" smtClean="0"/>
+              <a:t/>
+            </a:r>
+            <a:br>
+              <a:rPr lang="ko-KR" altLang="en-US" dirty="0" smtClean="0"/>
+            </a:br>
+            <a:endParaRPr lang="en-US" altLang="ko-KR" dirty="0" smtClean="0"/>
+          </a:p>
+          <a:p>
+            <a:r>
+              <a:rPr lang="en-US" altLang="ko-KR" sz="1200" b="0" i="0" kern="1200" dirty="0" smtClean="0">
+                <a:solidFill>
+                  <a:schemeClr val="tx1"/>
+                </a:solidFill>
+                <a:effectLst/>
+                <a:latin typeface="+mn-lt"/>
+                <a:ea typeface="+mn-ea"/>
+                <a:cs typeface="+mn-cs"/>
+              </a:rPr>
+              <a:t>XAML Resource</a:t>
+            </a:r>
+            <a:r>
+              <a:rPr lang="ko-KR" altLang="en-US" sz="1200" b="0" i="0" kern="1200" dirty="0" smtClean="0">
+                <a:solidFill>
+                  <a:schemeClr val="tx1"/>
+                </a:solidFill>
+                <a:effectLst/>
+                <a:latin typeface="+mn-lt"/>
+                <a:ea typeface="+mn-ea"/>
+                <a:cs typeface="+mn-cs"/>
+              </a:rPr>
+              <a:t>란 </a:t>
+            </a:r>
+            <a:r>
+              <a:rPr lang="en-US" altLang="ko-KR" sz="1200" b="0" i="0" kern="1200" dirty="0" smtClean="0">
+                <a:solidFill>
+                  <a:schemeClr val="tx1"/>
+                </a:solidFill>
+                <a:effectLst/>
+                <a:latin typeface="+mn-lt"/>
+                <a:ea typeface="+mn-ea"/>
+                <a:cs typeface="+mn-cs"/>
+              </a:rPr>
+              <a:t>WPF </a:t>
+            </a:r>
+            <a:r>
+              <a:rPr lang="ko-KR" altLang="en-US" sz="1200" b="0" i="0" kern="1200" dirty="0" smtClean="0">
+                <a:solidFill>
+                  <a:schemeClr val="tx1"/>
+                </a:solidFill>
+                <a:effectLst/>
+                <a:latin typeface="+mn-lt"/>
+                <a:ea typeface="+mn-ea"/>
+                <a:cs typeface="+mn-cs"/>
+              </a:rPr>
+              <a:t>어플리케이션에서 재사용될 수 있는 </a:t>
+            </a:r>
+            <a:r>
+              <a:rPr lang="en-US" altLang="ko-KR" sz="1200" b="0" i="0" kern="1200" dirty="0" smtClean="0">
+                <a:solidFill>
+                  <a:schemeClr val="tx1"/>
+                </a:solidFill>
+                <a:effectLst/>
+                <a:latin typeface="+mn-lt"/>
+                <a:ea typeface="+mn-ea"/>
+                <a:cs typeface="+mn-cs"/>
+              </a:rPr>
+              <a:t>object(Brush, </a:t>
+            </a:r>
+            <a:r>
+              <a:rPr lang="en-US" altLang="ko-KR" sz="1200" b="0" i="0" kern="1200" dirty="0" err="1" smtClean="0">
+                <a:solidFill>
+                  <a:schemeClr val="tx1"/>
+                </a:solidFill>
+                <a:effectLst/>
+                <a:latin typeface="+mn-lt"/>
+                <a:ea typeface="+mn-ea"/>
+                <a:cs typeface="+mn-cs"/>
+              </a:rPr>
+              <a:t>FontSize</a:t>
+            </a:r>
+            <a:r>
+              <a:rPr lang="en-US" altLang="ko-KR" sz="1200" b="0" i="0" kern="1200" dirty="0" smtClean="0">
+                <a:solidFill>
+                  <a:schemeClr val="tx1"/>
+                </a:solidFill>
+                <a:effectLst/>
+                <a:latin typeface="+mn-lt"/>
+                <a:ea typeface="+mn-ea"/>
+                <a:cs typeface="+mn-cs"/>
+              </a:rPr>
+              <a:t>, Style </a:t>
+            </a:r>
+            <a:r>
+              <a:rPr lang="ko-KR" altLang="en-US" sz="1200" b="0" i="0" kern="1200" dirty="0" smtClean="0">
+                <a:solidFill>
+                  <a:schemeClr val="tx1"/>
+                </a:solidFill>
+                <a:effectLst/>
+                <a:latin typeface="+mn-lt"/>
+                <a:ea typeface="+mn-ea"/>
+                <a:cs typeface="+mn-cs"/>
+              </a:rPr>
+              <a:t>등</a:t>
+            </a:r>
+            <a:r>
+              <a:rPr lang="en-US" altLang="ko-KR" sz="1200" b="0" i="0" kern="1200" dirty="0" smtClean="0">
+                <a:solidFill>
+                  <a:schemeClr val="tx1"/>
+                </a:solidFill>
+                <a:effectLst/>
+                <a:latin typeface="+mn-lt"/>
+                <a:ea typeface="+mn-ea"/>
+                <a:cs typeface="+mn-cs"/>
+              </a:rPr>
+              <a:t>)</a:t>
+            </a:r>
+          </a:p>
+          <a:p>
+            <a:endParaRPr lang="en-US" altLang="ko-KR" sz="1200" b="0" i="0" kern="1200" dirty="0" smtClean="0">
+              <a:solidFill>
+                <a:schemeClr val="tx1"/>
+              </a:solidFill>
+              <a:effectLst/>
+              <a:latin typeface="+mn-lt"/>
+              <a:ea typeface="+mn-ea"/>
+              <a:cs typeface="+mn-cs"/>
+            </a:endParaRPr>
+          </a:p>
+          <a:p>
+            <a:r>
+              <a:rPr lang="en-US" altLang="ko-KR" sz="1200" b="0" i="0" kern="1200" dirty="0" smtClean="0">
+                <a:solidFill>
+                  <a:schemeClr val="tx1"/>
+                </a:solidFill>
+                <a:effectLst/>
+                <a:latin typeface="+mn-lt"/>
+                <a:ea typeface="+mn-ea"/>
+                <a:cs typeface="+mn-cs"/>
+              </a:rPr>
+              <a:t>Window Resources (Local Resources)</a:t>
+            </a:r>
+            <a:r>
+              <a:rPr lang="en-US" altLang="ko-KR" sz="1200" b="0" i="0" kern="1200" baseline="0" dirty="0" smtClean="0">
+                <a:solidFill>
+                  <a:schemeClr val="tx1"/>
+                </a:solidFill>
+                <a:effectLst/>
+                <a:latin typeface="+mn-lt"/>
+                <a:ea typeface="+mn-ea"/>
+                <a:cs typeface="+mn-cs"/>
+              </a:rPr>
+              <a:t> : </a:t>
+            </a:r>
+            <a:r>
+              <a:rPr lang="ko-KR" altLang="en-US" sz="1200" b="0" i="0" kern="1200" dirty="0" smtClean="0">
+                <a:solidFill>
+                  <a:schemeClr val="tx1"/>
+                </a:solidFill>
+                <a:effectLst/>
+                <a:latin typeface="+mn-lt"/>
+                <a:ea typeface="+mn-ea"/>
+                <a:cs typeface="+mn-cs"/>
+              </a:rPr>
+              <a:t>반복되는 배경색</a:t>
+            </a:r>
+            <a:r>
+              <a:rPr lang="en-US" altLang="ko-KR" sz="1200" b="0" i="0" kern="1200" dirty="0" smtClean="0">
+                <a:solidFill>
+                  <a:schemeClr val="tx1"/>
+                </a:solidFill>
+                <a:effectLst/>
+                <a:latin typeface="+mn-lt"/>
+                <a:ea typeface="+mn-ea"/>
+                <a:cs typeface="+mn-cs"/>
+              </a:rPr>
+              <a:t>, </a:t>
+            </a:r>
+            <a:r>
+              <a:rPr lang="ko-KR" altLang="en-US" sz="1200" b="0" i="0" kern="1200" dirty="0" err="1" smtClean="0">
+                <a:solidFill>
+                  <a:schemeClr val="tx1"/>
+                </a:solidFill>
+                <a:effectLst/>
+                <a:latin typeface="+mn-lt"/>
+                <a:ea typeface="+mn-ea"/>
+                <a:cs typeface="+mn-cs"/>
+              </a:rPr>
+              <a:t>글자색</a:t>
+            </a:r>
+            <a:r>
+              <a:rPr lang="en-US" altLang="ko-KR" sz="1200" b="0" i="0" kern="1200" dirty="0" smtClean="0">
+                <a:solidFill>
+                  <a:schemeClr val="tx1"/>
+                </a:solidFill>
+                <a:effectLst/>
+                <a:latin typeface="+mn-lt"/>
+                <a:ea typeface="+mn-ea"/>
+                <a:cs typeface="+mn-cs"/>
+              </a:rPr>
+              <a:t>, Margin</a:t>
+            </a:r>
+            <a:r>
+              <a:rPr lang="ko-KR" altLang="en-US" sz="1200" b="0" i="0" kern="1200" dirty="0" smtClean="0">
+                <a:solidFill>
+                  <a:schemeClr val="tx1"/>
+                </a:solidFill>
+                <a:effectLst/>
+                <a:latin typeface="+mn-lt"/>
+                <a:ea typeface="+mn-ea"/>
+                <a:cs typeface="+mn-cs"/>
+              </a:rPr>
+              <a:t>을 아래와 같이 </a:t>
+            </a:r>
+            <a:r>
+              <a:rPr lang="en-US" altLang="ko-KR" sz="1200" b="0" i="0" kern="1200" dirty="0" err="1" smtClean="0">
+                <a:solidFill>
+                  <a:schemeClr val="tx1"/>
+                </a:solidFill>
+                <a:effectLst/>
+                <a:latin typeface="+mn-lt"/>
+                <a:ea typeface="+mn-ea"/>
+                <a:cs typeface="+mn-cs"/>
+              </a:rPr>
+              <a:t>Window.Resource</a:t>
+            </a:r>
+            <a:r>
+              <a:rPr lang="ko-KR" altLang="en-US" sz="1200" b="0" i="0" kern="1200" dirty="0" smtClean="0">
+                <a:solidFill>
+                  <a:schemeClr val="tx1"/>
+                </a:solidFill>
+                <a:effectLst/>
+                <a:latin typeface="+mn-lt"/>
+                <a:ea typeface="+mn-ea"/>
+                <a:cs typeface="+mn-cs"/>
+              </a:rPr>
+              <a:t> 영역에 정의함</a:t>
+            </a:r>
+            <a:endParaRPr lang="en-US" altLang="ko-KR" sz="1200" b="0" i="0" kern="1200" dirty="0" smtClean="0">
+              <a:solidFill>
+                <a:schemeClr val="tx1"/>
+              </a:solidFill>
+              <a:effectLst/>
+              <a:latin typeface="+mn-lt"/>
+              <a:ea typeface="+mn-ea"/>
+              <a:cs typeface="+mn-cs"/>
+            </a:endParaRPr>
+          </a:p>
+          <a:p>
+            <a:r>
+              <a:rPr lang="en-US" altLang="ko-KR" sz="1200" b="0" i="0" kern="1200" dirty="0" smtClean="0">
+                <a:solidFill>
+                  <a:schemeClr val="tx1"/>
+                </a:solidFill>
+                <a:effectLst/>
+                <a:latin typeface="+mn-lt"/>
+                <a:ea typeface="+mn-ea"/>
+                <a:cs typeface="+mn-cs"/>
+              </a:rPr>
+              <a:t>Resource</a:t>
+            </a:r>
+            <a:r>
+              <a:rPr lang="ko-KR" altLang="en-US" sz="1200" b="0" i="0" kern="1200" dirty="0" smtClean="0">
+                <a:solidFill>
+                  <a:schemeClr val="tx1"/>
+                </a:solidFill>
+                <a:effectLst/>
+                <a:latin typeface="+mn-lt"/>
+                <a:ea typeface="+mn-ea"/>
+                <a:cs typeface="+mn-cs"/>
+              </a:rPr>
+              <a:t>를 정의할 때는 </a:t>
+            </a:r>
+            <a:r>
+              <a:rPr lang="en-US" altLang="ko-KR" sz="1200" b="0" i="0" kern="1200" dirty="0" smtClean="0">
+                <a:solidFill>
+                  <a:schemeClr val="tx1"/>
+                </a:solidFill>
+                <a:effectLst/>
+                <a:latin typeface="+mn-lt"/>
+                <a:ea typeface="+mn-ea"/>
+                <a:cs typeface="+mn-cs"/>
+              </a:rPr>
+              <a:t>x:Key</a:t>
+            </a:r>
+            <a:r>
+              <a:rPr lang="ko-KR" altLang="en-US" sz="1200" b="0" i="0" kern="1200" dirty="0" smtClean="0">
+                <a:solidFill>
+                  <a:schemeClr val="tx1"/>
+                </a:solidFill>
+                <a:effectLst/>
+                <a:latin typeface="+mn-lt"/>
+                <a:ea typeface="+mn-ea"/>
+                <a:cs typeface="+mn-cs"/>
+              </a:rPr>
+              <a:t> 속성에 고유한 이름을 입력하고</a:t>
+            </a:r>
+            <a:r>
+              <a:rPr lang="en-US" altLang="ko-KR" sz="1200" b="0" i="0" kern="1200" dirty="0" smtClean="0">
+                <a:solidFill>
+                  <a:schemeClr val="tx1"/>
+                </a:solidFill>
+                <a:effectLst/>
+                <a:latin typeface="+mn-lt"/>
+                <a:ea typeface="+mn-ea"/>
+                <a:cs typeface="+mn-cs"/>
+              </a:rPr>
+              <a:t>, </a:t>
+            </a:r>
+            <a:r>
+              <a:rPr lang="ko-KR" altLang="en-US" sz="1200" b="0" i="0" kern="1200" dirty="0" smtClean="0">
+                <a:solidFill>
+                  <a:schemeClr val="tx1"/>
+                </a:solidFill>
+                <a:effectLst/>
+                <a:latin typeface="+mn-lt"/>
+                <a:ea typeface="+mn-ea"/>
+                <a:cs typeface="+mn-cs"/>
+              </a:rPr>
+              <a:t>버튼에 </a:t>
+            </a:r>
+            <a:r>
+              <a:rPr lang="en-US" altLang="ko-KR" sz="1200" b="0" i="0" kern="1200" dirty="0" err="1" smtClean="0">
+                <a:solidFill>
+                  <a:schemeClr val="tx1"/>
+                </a:solidFill>
+                <a:effectLst/>
+                <a:latin typeface="+mn-lt"/>
+                <a:ea typeface="+mn-ea"/>
+                <a:cs typeface="+mn-cs"/>
+              </a:rPr>
+              <a:t>Resouce</a:t>
+            </a:r>
+            <a:r>
+              <a:rPr lang="ko-KR" altLang="en-US" sz="1200" b="0" i="0" kern="1200" dirty="0" smtClean="0">
+                <a:solidFill>
+                  <a:schemeClr val="tx1"/>
+                </a:solidFill>
+                <a:effectLst/>
+                <a:latin typeface="+mn-lt"/>
+                <a:ea typeface="+mn-ea"/>
+                <a:cs typeface="+mn-cs"/>
+              </a:rPr>
+              <a:t>를 적용할 때는 </a:t>
+            </a:r>
+            <a:r>
+              <a:rPr lang="en-US" altLang="ko-KR" sz="1200" b="0" i="0" kern="1200" dirty="0" err="1" smtClean="0">
+                <a:solidFill>
+                  <a:schemeClr val="tx1"/>
+                </a:solidFill>
+                <a:effectLst/>
+                <a:latin typeface="+mn-lt"/>
+                <a:ea typeface="+mn-ea"/>
+                <a:cs typeface="+mn-cs"/>
+              </a:rPr>
+              <a:t>StaticResource</a:t>
+            </a:r>
+            <a:r>
+              <a:rPr lang="en-US" altLang="ko-KR" sz="1200" b="0" i="0" kern="1200" dirty="0" smtClean="0">
+                <a:solidFill>
+                  <a:schemeClr val="tx1"/>
+                </a:solidFill>
+                <a:effectLst/>
+                <a:latin typeface="+mn-lt"/>
+                <a:ea typeface="+mn-ea"/>
+                <a:cs typeface="+mn-cs"/>
+              </a:rPr>
+              <a:t> </a:t>
+            </a:r>
+            <a:r>
+              <a:rPr lang="ko-KR" altLang="en-US" sz="1200" b="0" i="0" kern="1200" dirty="0" smtClean="0">
+                <a:solidFill>
+                  <a:schemeClr val="tx1"/>
+                </a:solidFill>
+                <a:effectLst/>
+                <a:latin typeface="+mn-lt"/>
+                <a:ea typeface="+mn-ea"/>
+                <a:cs typeface="+mn-cs"/>
+              </a:rPr>
+              <a:t>구문을 사용한다</a:t>
+            </a:r>
+            <a:r>
+              <a:rPr lang="en-US" altLang="ko-KR" sz="1200" b="0" i="0" kern="1200" dirty="0" smtClean="0">
+                <a:solidFill>
+                  <a:schemeClr val="tx1"/>
+                </a:solidFill>
+                <a:effectLst/>
+                <a:latin typeface="+mn-lt"/>
+                <a:ea typeface="+mn-ea"/>
+                <a:cs typeface="+mn-cs"/>
+              </a:rPr>
+              <a:t>.</a:t>
+            </a:r>
+          </a:p>
+          <a:p>
+            <a:endParaRPr lang="en-US" altLang="ko-KR" dirty="0" smtClean="0"/>
+          </a:p>
+          <a:p>
+            <a:r>
+              <a:rPr lang="ko-KR" altLang="en-US" sz="1200" b="0" i="0" kern="1200" dirty="0" smtClean="0">
+                <a:solidFill>
+                  <a:schemeClr val="tx1"/>
+                </a:solidFill>
+                <a:effectLst/>
+                <a:latin typeface="+mn-lt"/>
+                <a:ea typeface="+mn-ea"/>
+                <a:cs typeface="+mn-cs"/>
+              </a:rPr>
+              <a:t>실제 </a:t>
+            </a:r>
+            <a:r>
+              <a:rPr lang="en-US" altLang="ko-KR" sz="1200" b="0" i="0" kern="1200" dirty="0" smtClean="0">
+                <a:solidFill>
+                  <a:schemeClr val="tx1"/>
+                </a:solidFill>
+                <a:effectLst/>
+                <a:latin typeface="+mn-lt"/>
+                <a:ea typeface="+mn-ea"/>
+                <a:cs typeface="+mn-cs"/>
+              </a:rPr>
+              <a:t>Object</a:t>
+            </a:r>
+            <a:r>
+              <a:rPr lang="ko-KR" altLang="en-US" sz="1200" b="0" i="0" kern="1200" dirty="0" smtClean="0">
+                <a:solidFill>
+                  <a:schemeClr val="tx1"/>
+                </a:solidFill>
+                <a:effectLst/>
+                <a:latin typeface="+mn-lt"/>
+                <a:ea typeface="+mn-ea"/>
+                <a:cs typeface="+mn-cs"/>
+              </a:rPr>
+              <a:t>를 생성하는 것이 아니라 </a:t>
+            </a:r>
+            <a:r>
+              <a:rPr lang="en-US" altLang="ko-KR" sz="1200" b="0" i="0" kern="1200" dirty="0" err="1" smtClean="0">
+                <a:solidFill>
+                  <a:schemeClr val="tx1"/>
+                </a:solidFill>
+                <a:effectLst/>
+                <a:latin typeface="+mn-lt"/>
+                <a:ea typeface="+mn-ea"/>
+                <a:cs typeface="+mn-cs"/>
+              </a:rPr>
+              <a:t>FrameworkElementFactory</a:t>
+            </a:r>
+            <a:r>
+              <a:rPr lang="ko-KR" altLang="en-US" sz="1200" b="0" i="0" kern="1200" dirty="0" smtClean="0">
+                <a:solidFill>
+                  <a:schemeClr val="tx1"/>
+                </a:solidFill>
+                <a:effectLst/>
+                <a:latin typeface="+mn-lt"/>
+                <a:ea typeface="+mn-ea"/>
+                <a:cs typeface="+mn-cs"/>
+              </a:rPr>
+              <a:t>라는 녀석을 사용하고 있습니다</a:t>
+            </a:r>
+            <a:r>
+              <a:rPr lang="en-US" altLang="ko-KR" sz="1200" b="0" i="0" kern="1200" dirty="0" smtClean="0">
+                <a:solidFill>
+                  <a:schemeClr val="tx1"/>
+                </a:solidFill>
+                <a:effectLst/>
+                <a:latin typeface="+mn-lt"/>
+                <a:ea typeface="+mn-ea"/>
+                <a:cs typeface="+mn-cs"/>
+              </a:rPr>
+              <a:t>. </a:t>
+            </a:r>
+            <a:r>
+              <a:rPr lang="ko-KR" altLang="en-US" sz="1200" b="0" i="0" kern="1200" dirty="0" smtClean="0">
+                <a:solidFill>
+                  <a:schemeClr val="tx1"/>
+                </a:solidFill>
+                <a:effectLst/>
+                <a:latin typeface="+mn-lt"/>
+                <a:ea typeface="+mn-ea"/>
+                <a:cs typeface="+mn-cs"/>
+              </a:rPr>
+              <a:t>즉</a:t>
+            </a:r>
+            <a:r>
+              <a:rPr lang="en-US" altLang="ko-KR" sz="1200" b="0" i="0" kern="1200" dirty="0" smtClean="0">
+                <a:solidFill>
+                  <a:schemeClr val="tx1"/>
+                </a:solidFill>
+                <a:effectLst/>
+                <a:latin typeface="+mn-lt"/>
+                <a:ea typeface="+mn-ea"/>
+                <a:cs typeface="+mn-cs"/>
+              </a:rPr>
+              <a:t>, Template</a:t>
+            </a:r>
+            <a:r>
+              <a:rPr lang="ko-KR" altLang="en-US" sz="1200" b="0" i="0" kern="1200" dirty="0" smtClean="0">
+                <a:solidFill>
+                  <a:schemeClr val="tx1"/>
+                </a:solidFill>
+                <a:effectLst/>
+                <a:latin typeface="+mn-lt"/>
+                <a:ea typeface="+mn-ea"/>
+                <a:cs typeface="+mn-cs"/>
+              </a:rPr>
+              <a:t>는 이 녀석을 사용해서 자신의 ‘</a:t>
+            </a:r>
+            <a:r>
+              <a:rPr lang="ko-KR" altLang="en-US" sz="1200" b="0" i="0" kern="1200" dirty="0" err="1" smtClean="0">
+                <a:solidFill>
+                  <a:schemeClr val="tx1"/>
+                </a:solidFill>
+                <a:effectLst/>
+                <a:latin typeface="+mn-lt"/>
+                <a:ea typeface="+mn-ea"/>
+                <a:cs typeface="+mn-cs"/>
+              </a:rPr>
+              <a:t>틀’의</a:t>
+            </a:r>
+            <a:r>
+              <a:rPr lang="ko-KR" altLang="en-US" sz="1200" b="0" i="0" kern="1200" dirty="0" smtClean="0">
+                <a:solidFill>
+                  <a:schemeClr val="tx1"/>
+                </a:solidFill>
+                <a:effectLst/>
+                <a:latin typeface="+mn-lt"/>
+                <a:ea typeface="+mn-ea"/>
+                <a:cs typeface="+mn-cs"/>
+              </a:rPr>
+              <a:t> 모양을 구성하고 이 틀을 사용해서 자신의 틀과 일치하는 </a:t>
+            </a:r>
+            <a:r>
+              <a:rPr lang="en-US" altLang="ko-KR" sz="1200" b="0" i="0" kern="1200" dirty="0" smtClean="0">
+                <a:solidFill>
+                  <a:schemeClr val="tx1"/>
+                </a:solidFill>
+                <a:effectLst/>
+                <a:latin typeface="+mn-lt"/>
+                <a:ea typeface="+mn-ea"/>
+                <a:cs typeface="+mn-cs"/>
+              </a:rPr>
+              <a:t>Object Tree</a:t>
+            </a:r>
+            <a:r>
+              <a:rPr lang="ko-KR" altLang="en-US" sz="1200" b="0" i="0" kern="1200" dirty="0" smtClean="0">
+                <a:solidFill>
+                  <a:schemeClr val="tx1"/>
+                </a:solidFill>
+                <a:effectLst/>
+                <a:latin typeface="+mn-lt"/>
+                <a:ea typeface="+mn-ea"/>
+                <a:cs typeface="+mn-cs"/>
+              </a:rPr>
+              <a:t>을 마구 찍어 낼 수 있는 겁니다</a:t>
+            </a:r>
+            <a:r>
+              <a:rPr lang="en-US" altLang="ko-KR" sz="1200" b="0" i="0" kern="1200" dirty="0" smtClean="0">
+                <a:solidFill>
+                  <a:schemeClr val="tx1"/>
+                </a:solidFill>
+                <a:effectLst/>
+                <a:latin typeface="+mn-lt"/>
+                <a:ea typeface="+mn-ea"/>
+                <a:cs typeface="+mn-cs"/>
+              </a:rPr>
+              <a:t>.</a:t>
+            </a:r>
+            <a:endParaRPr lang="en-US" altLang="ko-KR" dirty="0" smtClean="0"/>
+          </a:p>
+          <a:p>
+            <a:endParaRPr lang="en-US" altLang="ko-KR" dirty="0" smtClean="0"/>
+          </a:p>
+          <a:p>
+            <a:r>
+              <a:rPr lang="ko-KR" altLang="en-US" sz="1200" b="0" i="0" kern="1200" dirty="0" smtClean="0">
+                <a:solidFill>
+                  <a:schemeClr val="tx1"/>
+                </a:solidFill>
+                <a:effectLst/>
+                <a:latin typeface="+mn-lt"/>
+                <a:ea typeface="+mn-ea"/>
+                <a:cs typeface="+mn-cs"/>
+              </a:rPr>
+              <a:t>그런데 이 </a:t>
+            </a:r>
+            <a:r>
+              <a:rPr lang="en-US" altLang="ko-KR" sz="1200" b="0" i="0" kern="1200" dirty="0" smtClean="0">
+                <a:solidFill>
+                  <a:schemeClr val="tx1"/>
+                </a:solidFill>
+                <a:effectLst/>
+                <a:latin typeface="+mn-lt"/>
+                <a:ea typeface="+mn-ea"/>
+                <a:cs typeface="+mn-cs"/>
+              </a:rPr>
+              <a:t>Content</a:t>
+            </a:r>
+            <a:r>
+              <a:rPr lang="ko-KR" altLang="en-US" sz="1200" b="0" i="0" kern="1200" dirty="0" smtClean="0">
+                <a:solidFill>
+                  <a:schemeClr val="tx1"/>
+                </a:solidFill>
+                <a:effectLst/>
+                <a:latin typeface="+mn-lt"/>
+                <a:ea typeface="+mn-ea"/>
+                <a:cs typeface="+mn-cs"/>
+              </a:rPr>
+              <a:t>가 여러 속성을 가진 일반 클래스 같은 것이라면 어떨까</a:t>
+            </a:r>
+            <a:r>
+              <a:rPr lang="en-US" altLang="ko-KR" sz="1200" b="0" i="0" kern="1200" dirty="0" smtClean="0">
+                <a:solidFill>
+                  <a:schemeClr val="tx1"/>
+                </a:solidFill>
+                <a:effectLst/>
+                <a:latin typeface="+mn-lt"/>
+                <a:ea typeface="+mn-ea"/>
+                <a:cs typeface="+mn-cs"/>
+              </a:rPr>
+              <a:t>? </a:t>
+            </a:r>
+            <a:r>
+              <a:rPr lang="ko-KR" altLang="en-US" sz="1200" b="0" i="0" kern="1200" dirty="0" smtClean="0">
+                <a:solidFill>
+                  <a:schemeClr val="tx1"/>
+                </a:solidFill>
+                <a:effectLst/>
+                <a:latin typeface="+mn-lt"/>
+                <a:ea typeface="+mn-ea"/>
+                <a:cs typeface="+mn-cs"/>
+              </a:rPr>
+              <a:t>그냥 단순히 그 클래스의 </a:t>
+            </a:r>
+            <a:r>
+              <a:rPr lang="en-US" altLang="ko-KR" sz="1200" b="0" i="0" kern="1200" dirty="0" err="1" smtClean="0">
+                <a:solidFill>
+                  <a:schemeClr val="tx1"/>
+                </a:solidFill>
+                <a:effectLst/>
+                <a:latin typeface="+mn-lt"/>
+                <a:ea typeface="+mn-ea"/>
+                <a:cs typeface="+mn-cs"/>
+              </a:rPr>
+              <a:t>ToString</a:t>
+            </a:r>
+            <a:r>
+              <a:rPr lang="ko-KR" altLang="en-US" sz="1200" b="0" i="0" kern="1200" dirty="0" smtClean="0">
+                <a:solidFill>
+                  <a:schemeClr val="tx1"/>
+                </a:solidFill>
+                <a:effectLst/>
+                <a:latin typeface="+mn-lt"/>
+                <a:ea typeface="+mn-ea"/>
+                <a:cs typeface="+mn-cs"/>
+              </a:rPr>
+              <a:t>을 통해서 나오는 </a:t>
+            </a:r>
+            <a:r>
+              <a:rPr lang="en-US" altLang="ko-KR" sz="1200" b="0" i="0" kern="1200" dirty="0" smtClean="0">
+                <a:solidFill>
+                  <a:schemeClr val="tx1"/>
+                </a:solidFill>
+                <a:effectLst/>
+                <a:latin typeface="+mn-lt"/>
+                <a:ea typeface="+mn-ea"/>
+                <a:cs typeface="+mn-cs"/>
+              </a:rPr>
+              <a:t>String</a:t>
+            </a:r>
+            <a:r>
+              <a:rPr lang="ko-KR" altLang="en-US" sz="1200" b="0" i="0" kern="1200" dirty="0" smtClean="0">
+                <a:solidFill>
+                  <a:schemeClr val="tx1"/>
+                </a:solidFill>
+                <a:effectLst/>
+                <a:latin typeface="+mn-lt"/>
+                <a:ea typeface="+mn-ea"/>
+                <a:cs typeface="+mn-cs"/>
+              </a:rPr>
+              <a:t>으로 출력해 버리면 안되고 적절히 속성같은 것들을 참조하도록 해야 할 것이다</a:t>
+            </a:r>
+            <a:r>
+              <a:rPr lang="en-US" altLang="ko-KR" sz="1200" b="0" i="0" kern="1200" dirty="0" smtClean="0">
+                <a:solidFill>
+                  <a:schemeClr val="tx1"/>
+                </a:solidFill>
+                <a:effectLst/>
+                <a:latin typeface="+mn-lt"/>
+                <a:ea typeface="+mn-ea"/>
+                <a:cs typeface="+mn-cs"/>
+              </a:rPr>
+              <a:t>.</a:t>
+            </a:r>
+          </a:p>
+          <a:p>
+            <a:r>
+              <a:rPr lang="ko-KR" altLang="en-US" sz="1200" b="0" i="0" kern="1200" dirty="0" smtClean="0">
+                <a:solidFill>
+                  <a:schemeClr val="tx1"/>
+                </a:solidFill>
+                <a:effectLst/>
+                <a:latin typeface="+mn-lt"/>
+                <a:ea typeface="+mn-ea"/>
+                <a:cs typeface="+mn-cs"/>
+              </a:rPr>
+              <a:t>다시 말해 이 </a:t>
+            </a:r>
+            <a:r>
+              <a:rPr lang="en-US" altLang="ko-KR" sz="1200" b="0" i="0" kern="1200" dirty="0" smtClean="0">
+                <a:solidFill>
+                  <a:schemeClr val="tx1"/>
+                </a:solidFill>
+                <a:effectLst/>
+                <a:latin typeface="+mn-lt"/>
+                <a:ea typeface="+mn-ea"/>
+                <a:cs typeface="+mn-cs"/>
+              </a:rPr>
+              <a:t>Content</a:t>
+            </a:r>
+            <a:r>
+              <a:rPr lang="ko-KR" altLang="en-US" sz="1200" b="0" i="0" kern="1200" dirty="0" smtClean="0">
+                <a:solidFill>
+                  <a:schemeClr val="tx1"/>
+                </a:solidFill>
+                <a:effectLst/>
+                <a:latin typeface="+mn-lt"/>
+                <a:ea typeface="+mn-ea"/>
+                <a:cs typeface="+mn-cs"/>
+              </a:rPr>
+              <a:t>를 출력하는 방식도 다르게 정할 수 있는 방법이 필요하다는 말이다</a:t>
+            </a:r>
+            <a:r>
+              <a:rPr lang="en-US" altLang="ko-KR" sz="1200" b="0" i="0" kern="1200" dirty="0" smtClean="0">
+                <a:solidFill>
+                  <a:schemeClr val="tx1"/>
+                </a:solidFill>
+                <a:effectLst/>
+                <a:latin typeface="+mn-lt"/>
+                <a:ea typeface="+mn-ea"/>
+                <a:cs typeface="+mn-cs"/>
+              </a:rPr>
+              <a:t>. </a:t>
+            </a:r>
+            <a:r>
+              <a:rPr lang="ko-KR" altLang="en-US" sz="1200" b="0" i="0" kern="1200" dirty="0" smtClean="0">
+                <a:solidFill>
+                  <a:schemeClr val="tx1"/>
+                </a:solidFill>
+                <a:effectLst/>
+                <a:latin typeface="+mn-lt"/>
+                <a:ea typeface="+mn-ea"/>
+                <a:cs typeface="+mn-cs"/>
+              </a:rPr>
+              <a:t>컨트롤의 전체적인 외형은 </a:t>
+            </a:r>
+            <a:r>
+              <a:rPr lang="en-US" altLang="ko-KR" sz="1200" b="0" i="0" kern="1200" dirty="0" err="1" smtClean="0">
+                <a:solidFill>
+                  <a:schemeClr val="tx1"/>
+                </a:solidFill>
+                <a:effectLst/>
+                <a:latin typeface="+mn-lt"/>
+                <a:ea typeface="+mn-ea"/>
+                <a:cs typeface="+mn-cs"/>
+              </a:rPr>
+              <a:t>ControlTemplate</a:t>
+            </a:r>
+            <a:r>
+              <a:rPr lang="ko-KR" altLang="en-US" sz="1200" b="0" i="0" kern="1200" dirty="0" smtClean="0">
+                <a:solidFill>
+                  <a:schemeClr val="tx1"/>
+                </a:solidFill>
+                <a:effectLst/>
+                <a:latin typeface="+mn-lt"/>
+                <a:ea typeface="+mn-ea"/>
+                <a:cs typeface="+mn-cs"/>
+              </a:rPr>
+              <a:t>를 통해 결정했지만</a:t>
+            </a:r>
+            <a:r>
+              <a:rPr lang="en-US" altLang="ko-KR" sz="1200" b="0" i="0" kern="1200" dirty="0" smtClean="0">
+                <a:solidFill>
+                  <a:schemeClr val="tx1"/>
+                </a:solidFill>
+                <a:effectLst/>
+                <a:latin typeface="+mn-lt"/>
+                <a:ea typeface="+mn-ea"/>
+                <a:cs typeface="+mn-cs"/>
+              </a:rPr>
+              <a:t>, Content</a:t>
+            </a:r>
+            <a:r>
+              <a:rPr lang="ko-KR" altLang="en-US" sz="1200" b="0" i="0" kern="1200" dirty="0" smtClean="0">
+                <a:solidFill>
+                  <a:schemeClr val="tx1"/>
+                </a:solidFill>
+                <a:effectLst/>
+                <a:latin typeface="+mn-lt"/>
+                <a:ea typeface="+mn-ea"/>
+                <a:cs typeface="+mn-cs"/>
+              </a:rPr>
+              <a:t>에 따라서 그 </a:t>
+            </a:r>
+            <a:r>
+              <a:rPr lang="en-US" altLang="ko-KR" sz="1200" b="0" i="0" kern="1200" dirty="0" smtClean="0">
+                <a:solidFill>
+                  <a:schemeClr val="tx1"/>
+                </a:solidFill>
+                <a:effectLst/>
+                <a:latin typeface="+mn-lt"/>
+                <a:ea typeface="+mn-ea"/>
+                <a:cs typeface="+mn-cs"/>
+              </a:rPr>
+              <a:t>Content</a:t>
+            </a:r>
+            <a:r>
+              <a:rPr lang="ko-KR" altLang="en-US" sz="1200" b="0" i="0" kern="1200" dirty="0" smtClean="0">
+                <a:solidFill>
+                  <a:schemeClr val="tx1"/>
+                </a:solidFill>
+                <a:effectLst/>
+                <a:latin typeface="+mn-lt"/>
+                <a:ea typeface="+mn-ea"/>
+                <a:cs typeface="+mn-cs"/>
+              </a:rPr>
+              <a:t>의 내용을 출력하는 외형을 결정할 수 있는 방법 말이다</a:t>
+            </a:r>
+            <a:r>
+              <a:rPr lang="en-US" altLang="ko-KR" sz="1200" b="0" i="0" kern="1200" dirty="0" smtClean="0">
+                <a:solidFill>
+                  <a:schemeClr val="tx1"/>
+                </a:solidFill>
+                <a:effectLst/>
+                <a:latin typeface="+mn-lt"/>
+                <a:ea typeface="+mn-ea"/>
+                <a:cs typeface="+mn-cs"/>
+              </a:rPr>
+              <a:t>.</a:t>
+            </a:r>
+          </a:p>
+          <a:p>
+            <a:endParaRPr lang="en-US" altLang="ko-KR" dirty="0" smtClean="0"/>
+          </a:p>
+          <a:p>
+            <a:r>
+              <a:rPr lang="ko-KR" altLang="en-US" sz="1200" b="0" i="0" kern="1200" dirty="0" err="1" smtClean="0">
+                <a:solidFill>
+                  <a:schemeClr val="tx1"/>
+                </a:solidFill>
+                <a:effectLst/>
+                <a:latin typeface="+mn-lt"/>
+                <a:ea typeface="+mn-ea"/>
+                <a:cs typeface="+mn-cs"/>
+              </a:rPr>
+              <a:t>실절적으로</a:t>
+            </a:r>
+            <a:r>
+              <a:rPr lang="ko-KR" altLang="en-US" sz="1200" b="0" i="0" kern="1200" dirty="0" smtClean="0">
+                <a:solidFill>
+                  <a:schemeClr val="tx1"/>
+                </a:solidFill>
+                <a:effectLst/>
+                <a:latin typeface="+mn-lt"/>
+                <a:ea typeface="+mn-ea"/>
+                <a:cs typeface="+mn-cs"/>
+              </a:rPr>
+              <a:t> 이 </a:t>
+            </a:r>
+            <a:r>
+              <a:rPr lang="en-US" altLang="ko-KR" sz="1200" b="0" i="0" kern="1200" dirty="0" err="1" smtClean="0">
+                <a:solidFill>
+                  <a:schemeClr val="tx1"/>
+                </a:solidFill>
+                <a:effectLst/>
+                <a:latin typeface="+mn-lt"/>
+                <a:ea typeface="+mn-ea"/>
+                <a:cs typeface="+mn-cs"/>
+              </a:rPr>
+              <a:t>DataTemplate</a:t>
+            </a:r>
+            <a:r>
+              <a:rPr lang="ko-KR" altLang="en-US" sz="1200" b="0" i="0" kern="1200" dirty="0" smtClean="0">
+                <a:solidFill>
+                  <a:schemeClr val="tx1"/>
+                </a:solidFill>
+                <a:effectLst/>
+                <a:latin typeface="+mn-lt"/>
+                <a:ea typeface="+mn-ea"/>
+                <a:cs typeface="+mn-cs"/>
+              </a:rPr>
+              <a:t>의 주 용도는 바로 이 </a:t>
+            </a:r>
+            <a:r>
+              <a:rPr lang="en-US" altLang="ko-KR" sz="1200" b="0" i="0" kern="1200" dirty="0" err="1" smtClean="0">
+                <a:solidFill>
+                  <a:schemeClr val="tx1"/>
+                </a:solidFill>
+                <a:effectLst/>
+                <a:latin typeface="+mn-lt"/>
+                <a:ea typeface="+mn-ea"/>
+                <a:cs typeface="+mn-cs"/>
+              </a:rPr>
+              <a:t>ItemTemplate</a:t>
+            </a:r>
+            <a:r>
+              <a:rPr lang="ko-KR" altLang="en-US" sz="1200" b="0" i="0" kern="1200" dirty="0" smtClean="0">
+                <a:solidFill>
+                  <a:schemeClr val="tx1"/>
+                </a:solidFill>
+                <a:effectLst/>
+                <a:latin typeface="+mn-lt"/>
+                <a:ea typeface="+mn-ea"/>
+                <a:cs typeface="+mn-cs"/>
+              </a:rPr>
+              <a:t>라는 것을 알 수 있는데</a:t>
+            </a:r>
+            <a:r>
+              <a:rPr lang="en-US" altLang="ko-KR" sz="1200" b="0" i="0" kern="1200" dirty="0" smtClean="0">
+                <a:solidFill>
+                  <a:schemeClr val="tx1"/>
+                </a:solidFill>
+                <a:effectLst/>
+                <a:latin typeface="+mn-lt"/>
+                <a:ea typeface="+mn-ea"/>
+                <a:cs typeface="+mn-cs"/>
+              </a:rPr>
+              <a:t>, </a:t>
+            </a:r>
+            <a:r>
+              <a:rPr lang="ko-KR" altLang="en-US" sz="1200" b="0" i="0" kern="1200" dirty="0" smtClean="0">
+                <a:solidFill>
+                  <a:schemeClr val="tx1"/>
+                </a:solidFill>
+                <a:effectLst/>
+                <a:latin typeface="+mn-lt"/>
+                <a:ea typeface="+mn-ea"/>
+                <a:cs typeface="+mn-cs"/>
+              </a:rPr>
+              <a:t>리스트나 트리 같이 반복적으로 데이터를 표시하는 컨트롤에서 데이터 표시하는 방법을 </a:t>
+            </a:r>
+            <a:r>
+              <a:rPr lang="ko-KR" altLang="en-US" sz="1200" b="0" i="0" kern="1200" dirty="0" err="1" smtClean="0">
+                <a:solidFill>
+                  <a:schemeClr val="tx1"/>
+                </a:solidFill>
+                <a:effectLst/>
+                <a:latin typeface="+mn-lt"/>
+                <a:ea typeface="+mn-ea"/>
+                <a:cs typeface="+mn-cs"/>
+              </a:rPr>
+              <a:t>커스터</a:t>
+            </a:r>
+            <a:r>
+              <a:rPr lang="ko-KR" altLang="en-US" sz="1200" b="0" i="0" kern="1200" dirty="0" smtClean="0">
+                <a:solidFill>
+                  <a:schemeClr val="tx1"/>
+                </a:solidFill>
+                <a:effectLst/>
+                <a:latin typeface="+mn-lt"/>
+                <a:ea typeface="+mn-ea"/>
+                <a:cs typeface="+mn-cs"/>
+              </a:rPr>
+              <a:t> </a:t>
+            </a:r>
+            <a:r>
+              <a:rPr lang="ko-KR" altLang="en-US" sz="1200" b="0" i="0" kern="1200" dirty="0" err="1" smtClean="0">
+                <a:solidFill>
+                  <a:schemeClr val="tx1"/>
+                </a:solidFill>
+                <a:effectLst/>
+                <a:latin typeface="+mn-lt"/>
+                <a:ea typeface="+mn-ea"/>
+                <a:cs typeface="+mn-cs"/>
+              </a:rPr>
+              <a:t>마이징</a:t>
+            </a:r>
+            <a:r>
+              <a:rPr lang="ko-KR" altLang="en-US" sz="1200" b="0" i="0" kern="1200" dirty="0" smtClean="0">
+                <a:solidFill>
+                  <a:schemeClr val="tx1"/>
+                </a:solidFill>
+                <a:effectLst/>
+                <a:latin typeface="+mn-lt"/>
+                <a:ea typeface="+mn-ea"/>
+                <a:cs typeface="+mn-cs"/>
+              </a:rPr>
+              <a:t> 할 수 있는 중요한 도구가 바로 이 </a:t>
+            </a:r>
+            <a:r>
+              <a:rPr lang="en-US" altLang="ko-KR" sz="1200" b="0" i="0" kern="1200" dirty="0" err="1" smtClean="0">
+                <a:solidFill>
+                  <a:schemeClr val="tx1"/>
+                </a:solidFill>
+                <a:effectLst/>
+                <a:latin typeface="+mn-lt"/>
+                <a:ea typeface="+mn-ea"/>
+                <a:cs typeface="+mn-cs"/>
+              </a:rPr>
+              <a:t>DataTemplate</a:t>
+            </a:r>
+            <a:r>
+              <a:rPr lang="ko-KR" altLang="en-US" sz="1200" b="0" i="0" kern="1200" dirty="0" smtClean="0">
+                <a:solidFill>
+                  <a:schemeClr val="tx1"/>
+                </a:solidFill>
+                <a:effectLst/>
+                <a:latin typeface="+mn-lt"/>
+                <a:ea typeface="+mn-ea"/>
+                <a:cs typeface="+mn-cs"/>
+              </a:rPr>
+              <a:t>이기 때문이다</a:t>
+            </a:r>
+            <a:r>
+              <a:rPr lang="en-US" altLang="ko-KR" sz="1200" b="0" i="0" kern="1200" dirty="0" smtClean="0">
+                <a:solidFill>
+                  <a:schemeClr val="tx1"/>
+                </a:solidFill>
+                <a:effectLst/>
+                <a:latin typeface="+mn-lt"/>
+                <a:ea typeface="+mn-ea"/>
+                <a:cs typeface="+mn-cs"/>
+              </a:rPr>
+              <a:t>.</a:t>
+            </a:r>
+            <a:endParaRPr lang="ko-KR" altLang="en-US" dirty="0" smtClean="0"/>
+          </a:p>
+          <a:p>
+            <a:endParaRPr lang="ko-KR" altLang="en-US" dirty="0"/>
+          </a:p>
+        </p:txBody>
+      </p:sp>
+      <p:sp>
+        <p:nvSpPr>
+          <p:cNvPr id="4" name="슬라이드 번호 개체 틀 3"/>
+          <p:cNvSpPr>
+            <a:spLocks noGrp="1"/>
+          </p:cNvSpPr>
+          <p:nvPr>
+            <p:ph type="sldNum" sz="quarter" idx="10"/>
+          </p:nvPr>
+        </p:nvSpPr>
+        <p:spPr/>
+        <p:txBody>
+          <a:bodyPr/>
+          <a:lstStyle/>
+          <a:p>
+            <a:fld id="{6B53E939-A9C4-4AA6-BEDC-846384ED43E4}" type="slidenum">
+              <a:rPr lang="ko-KR" altLang="en-US" smtClean="0"/>
+              <a:t>7</a:t>
+            </a:fld>
+            <a:endParaRPr lang="ko-KR" altLang="en-US"/>
+          </a:p>
+        </p:txBody>
+      </p:sp>
+    </p:spTree>
+    <p:extLst>
+      <p:ext uri="{BB962C8B-B14F-4D97-AF65-F5344CB8AC3E}">
+        <p14:creationId xmlns:p14="http://schemas.microsoft.com/office/powerpoint/2010/main" val="3843141800"/>
+      </p:ext>
+    </p:extLst>
+  </p:cSld>
+  <p:clrMapOvr>
+    <a:masterClrMapping/>
+  </p:clrMapOvr>
+</p:notes>
+</file>
+
+<file path=ppt/notesSlides/notesSlide6.xml><?xml version="1.0" encoding="utf-8"?>
+<p:notes xmlns:a="http://schemas.openxmlformats.org/drawingml/2006/main" xmlns:r="http://schemas.openxmlformats.org/officeDocument/2006/relationships" xmlns:p="http://schemas.openxmlformats.org/presentationml/2006/main">
+  <p:cSld>
+    <p:spTree>
+      <p:nvGrpSpPr>
+        <p:cNvPr id="1" name=""/>
+        <p:cNvGrpSpPr/>
+        <p:nvPr/>
+      </p:nvGrpSpPr>
+      <p:grpSpPr>
+        <a:xfrm>
+          <a:off x="0" y="0"/>
+          <a:ext cx="0" cy="0"/>
+          <a:chOff x="0" y="0"/>
+          <a:chExt cx="0" cy="0"/>
+        </a:xfrm>
+      </p:grpSpPr>
+      <p:sp>
+        <p:nvSpPr>
+          <p:cNvPr id="2" name="슬라이드 이미지 개체 틀 1"/>
+          <p:cNvSpPr>
+            <a:spLocks noGrp="1" noRot="1" noChangeAspect="1"/>
+          </p:cNvSpPr>
+          <p:nvPr>
+            <p:ph type="sldImg"/>
+          </p:nvPr>
+        </p:nvSpPr>
+        <p:spPr/>
+      </p:sp>
+      <p:sp>
+        <p:nvSpPr>
+          <p:cNvPr id="3" name="슬라이드 노트 개체 틀 2"/>
+          <p:cNvSpPr>
+            <a:spLocks noGrp="1"/>
+          </p:cNvSpPr>
+          <p:nvPr>
+            <p:ph type="body" idx="1"/>
+          </p:nvPr>
+        </p:nvSpPr>
+        <p:spPr/>
+        <p:txBody>
+          <a:bodyPr/>
+          <a:lstStyle/>
+          <a:p>
+            <a:pPr marL="0" marR="0" indent="0" algn="l" defTabSz="914400" rtl="0" eaLnBrk="1" fontAlgn="auto" latinLnBrk="1" hangingPunct="1">
+              <a:lnSpc>
+                <a:spcPct val="100000"/>
+              </a:lnSpc>
+              <a:spcBef>
+                <a:spcPts val="0"/>
+              </a:spcBef>
+              <a:spcAft>
+                <a:spcPts val="0"/>
+              </a:spcAft>
+              <a:buClrTx/>
+              <a:buSzTx/>
+              <a:buFontTx/>
+              <a:buNone/>
+              <a:tabLst/>
+              <a:defRPr/>
+            </a:pPr>
+            <a:r>
+              <a:rPr lang="en-US" altLang="ko-KR" sz="1200" b="0" i="0" kern="1200" dirty="0" smtClean="0">
+                <a:solidFill>
+                  <a:schemeClr val="tx1"/>
+                </a:solidFill>
+                <a:effectLst/>
+                <a:latin typeface="+mn-lt"/>
+                <a:ea typeface="+mn-ea"/>
+                <a:cs typeface="+mn-cs"/>
+              </a:rPr>
+              <a:t>XAML Resource</a:t>
+            </a:r>
+            <a:r>
+              <a:rPr lang="ko-KR" altLang="en-US" sz="1200" b="0" i="0" kern="1200" dirty="0" smtClean="0">
+                <a:solidFill>
+                  <a:schemeClr val="tx1"/>
+                </a:solidFill>
+                <a:effectLst/>
+                <a:latin typeface="+mn-lt"/>
+                <a:ea typeface="+mn-ea"/>
+                <a:cs typeface="+mn-cs"/>
+              </a:rPr>
+              <a:t>란 </a:t>
+            </a:r>
+            <a:r>
+              <a:rPr lang="en-US" altLang="ko-KR" sz="1200" b="0" i="0" kern="1200" dirty="0" smtClean="0">
+                <a:solidFill>
+                  <a:schemeClr val="tx1"/>
+                </a:solidFill>
+                <a:effectLst/>
+                <a:latin typeface="+mn-lt"/>
+                <a:ea typeface="+mn-ea"/>
+                <a:cs typeface="+mn-cs"/>
+              </a:rPr>
+              <a:t>WPF </a:t>
+            </a:r>
+            <a:r>
+              <a:rPr lang="ko-KR" altLang="en-US" sz="1200" b="0" i="0" kern="1200" dirty="0" smtClean="0">
+                <a:solidFill>
+                  <a:schemeClr val="tx1"/>
+                </a:solidFill>
+                <a:effectLst/>
+                <a:latin typeface="+mn-lt"/>
+                <a:ea typeface="+mn-ea"/>
+                <a:cs typeface="+mn-cs"/>
+              </a:rPr>
+              <a:t>어플리케이션에서 재사용될 수 있는 </a:t>
+            </a:r>
+            <a:r>
+              <a:rPr lang="en-US" altLang="ko-KR" sz="1200" b="0" i="0" kern="1200" dirty="0" smtClean="0">
+                <a:solidFill>
+                  <a:schemeClr val="tx1"/>
+                </a:solidFill>
+                <a:effectLst/>
+                <a:latin typeface="+mn-lt"/>
+                <a:ea typeface="+mn-ea"/>
+                <a:cs typeface="+mn-cs"/>
+              </a:rPr>
+              <a:t>object(Brush, </a:t>
+            </a:r>
+            <a:r>
+              <a:rPr lang="en-US" altLang="ko-KR" sz="1200" b="0" i="0" kern="1200" dirty="0" err="1" smtClean="0">
+                <a:solidFill>
+                  <a:schemeClr val="tx1"/>
+                </a:solidFill>
+                <a:effectLst/>
+                <a:latin typeface="+mn-lt"/>
+                <a:ea typeface="+mn-ea"/>
+                <a:cs typeface="+mn-cs"/>
+              </a:rPr>
+              <a:t>FontSize</a:t>
+            </a:r>
+            <a:r>
+              <a:rPr lang="en-US" altLang="ko-KR" sz="1200" b="0" i="0" kern="1200" dirty="0" smtClean="0">
+                <a:solidFill>
+                  <a:schemeClr val="tx1"/>
+                </a:solidFill>
+                <a:effectLst/>
+                <a:latin typeface="+mn-lt"/>
+                <a:ea typeface="+mn-ea"/>
+                <a:cs typeface="+mn-cs"/>
+              </a:rPr>
+              <a:t>, Style </a:t>
+            </a:r>
+            <a:r>
+              <a:rPr lang="ko-KR" altLang="en-US" sz="1200" b="0" i="0" kern="1200" dirty="0" smtClean="0">
+                <a:solidFill>
+                  <a:schemeClr val="tx1"/>
+                </a:solidFill>
+                <a:effectLst/>
+                <a:latin typeface="+mn-lt"/>
+                <a:ea typeface="+mn-ea"/>
+                <a:cs typeface="+mn-cs"/>
+              </a:rPr>
+              <a:t>등</a:t>
+            </a:r>
+            <a:r>
+              <a:rPr lang="en-US" altLang="ko-KR" sz="1200" b="0" i="0" kern="1200" dirty="0" smtClean="0">
+                <a:solidFill>
+                  <a:schemeClr val="tx1"/>
+                </a:solidFill>
+                <a:effectLst/>
+                <a:latin typeface="+mn-lt"/>
+                <a:ea typeface="+mn-ea"/>
+                <a:cs typeface="+mn-cs"/>
+              </a:rPr>
+              <a:t>)</a:t>
+            </a:r>
+          </a:p>
+          <a:p>
+            <a:endParaRPr lang="en-US" altLang="ko-KR" sz="1200" b="0" i="0" kern="1200" dirty="0" smtClean="0">
+              <a:solidFill>
+                <a:schemeClr val="tx1"/>
+              </a:solidFill>
+              <a:effectLst/>
+              <a:latin typeface="+mn-lt"/>
+              <a:ea typeface="+mn-ea"/>
+              <a:cs typeface="+mn-cs"/>
+            </a:endParaRPr>
+          </a:p>
+          <a:p>
+            <a:r>
+              <a:rPr lang="en-US" altLang="ko-KR" sz="1200" b="0" i="0" kern="1200" dirty="0" err="1" smtClean="0">
+                <a:solidFill>
+                  <a:schemeClr val="tx1"/>
+                </a:solidFill>
+                <a:effectLst/>
+                <a:latin typeface="+mn-lt"/>
+                <a:ea typeface="+mn-ea"/>
+                <a:cs typeface="+mn-cs"/>
+              </a:rPr>
+              <a:t>DynamicResource</a:t>
+            </a:r>
+            <a:r>
+              <a:rPr lang="ko-KR" altLang="en-US" sz="1200" b="0" i="0" kern="1200" dirty="0" smtClean="0">
+                <a:solidFill>
+                  <a:schemeClr val="tx1"/>
+                </a:solidFill>
+                <a:effectLst/>
+                <a:latin typeface="+mn-lt"/>
+                <a:ea typeface="+mn-ea"/>
+                <a:cs typeface="+mn-cs"/>
+              </a:rPr>
+              <a:t>는 </a:t>
+            </a:r>
+            <a:r>
+              <a:rPr lang="ko-KR" altLang="en-US" sz="1200" b="0" i="0" kern="1200" dirty="0" err="1" smtClean="0">
+                <a:solidFill>
+                  <a:schemeClr val="tx1"/>
+                </a:solidFill>
+                <a:effectLst/>
+                <a:latin typeface="+mn-lt"/>
+                <a:ea typeface="+mn-ea"/>
+                <a:cs typeface="+mn-cs"/>
+              </a:rPr>
+              <a:t>런타임시에</a:t>
+            </a:r>
+            <a:r>
+              <a:rPr lang="ko-KR" altLang="en-US" sz="1200" b="0" i="0" kern="1200" dirty="0" smtClean="0">
+                <a:solidFill>
+                  <a:schemeClr val="tx1"/>
+                </a:solidFill>
+                <a:effectLst/>
+                <a:latin typeface="+mn-lt"/>
+                <a:ea typeface="+mn-ea"/>
+                <a:cs typeface="+mn-cs"/>
+              </a:rPr>
+              <a:t> </a:t>
+            </a:r>
+            <a:r>
+              <a:rPr lang="en-US" altLang="ko-KR" sz="1200" b="0" i="0" kern="1200" dirty="0" smtClean="0">
+                <a:solidFill>
+                  <a:schemeClr val="tx1"/>
+                </a:solidFill>
+                <a:effectLst/>
+                <a:latin typeface="+mn-lt"/>
+                <a:ea typeface="+mn-ea"/>
+                <a:cs typeface="+mn-cs"/>
+              </a:rPr>
+              <a:t>'</a:t>
+            </a:r>
+            <a:r>
+              <a:rPr lang="ko-KR" altLang="en-US" sz="1200" b="0" i="0" kern="1200" dirty="0" smtClean="0">
+                <a:solidFill>
+                  <a:schemeClr val="tx1"/>
+                </a:solidFill>
+                <a:effectLst/>
+                <a:latin typeface="+mn-lt"/>
+                <a:ea typeface="+mn-ea"/>
+                <a:cs typeface="+mn-cs"/>
+              </a:rPr>
+              <a:t>결정</a:t>
+            </a:r>
+            <a:r>
+              <a:rPr lang="en-US" altLang="ko-KR" sz="1200" b="0" i="0" kern="1200" dirty="0" smtClean="0">
+                <a:solidFill>
+                  <a:schemeClr val="tx1"/>
+                </a:solidFill>
+                <a:effectLst/>
+                <a:latin typeface="+mn-lt"/>
+                <a:ea typeface="+mn-ea"/>
+                <a:cs typeface="+mn-cs"/>
+              </a:rPr>
+              <a:t>'</a:t>
+            </a:r>
+            <a:r>
+              <a:rPr lang="ko-KR" altLang="en-US" sz="1200" b="0" i="0" kern="1200" dirty="0" smtClean="0">
+                <a:solidFill>
+                  <a:schemeClr val="tx1"/>
+                </a:solidFill>
+                <a:effectLst/>
+                <a:latin typeface="+mn-lt"/>
+                <a:ea typeface="+mn-ea"/>
+                <a:cs typeface="+mn-cs"/>
+              </a:rPr>
+              <a:t>되거나 </a:t>
+            </a:r>
+            <a:r>
+              <a:rPr lang="en-US" altLang="ko-KR" sz="1200" b="0" i="0" kern="1200" dirty="0" smtClean="0">
+                <a:solidFill>
+                  <a:schemeClr val="tx1"/>
+                </a:solidFill>
+                <a:effectLst/>
+                <a:latin typeface="+mn-lt"/>
+                <a:ea typeface="+mn-ea"/>
+                <a:cs typeface="+mn-cs"/>
+              </a:rPr>
+              <a:t>'</a:t>
+            </a:r>
+            <a:r>
+              <a:rPr lang="ko-KR" altLang="en-US" sz="1200" b="0" i="0" kern="1200" dirty="0" smtClean="0">
+                <a:solidFill>
+                  <a:schemeClr val="tx1"/>
+                </a:solidFill>
+                <a:effectLst/>
+                <a:latin typeface="+mn-lt"/>
+                <a:ea typeface="+mn-ea"/>
+                <a:cs typeface="+mn-cs"/>
+              </a:rPr>
+              <a:t>변경</a:t>
+            </a:r>
+            <a:r>
+              <a:rPr lang="en-US" altLang="ko-KR" sz="1200" b="0" i="0" kern="1200" dirty="0" smtClean="0">
+                <a:solidFill>
+                  <a:schemeClr val="tx1"/>
+                </a:solidFill>
+                <a:effectLst/>
+                <a:latin typeface="+mn-lt"/>
+                <a:ea typeface="+mn-ea"/>
+                <a:cs typeface="+mn-cs"/>
+              </a:rPr>
+              <a:t>'</a:t>
+            </a:r>
+            <a:r>
+              <a:rPr lang="ko-KR" altLang="en-US" sz="1200" b="0" i="0" kern="1200" dirty="0" smtClean="0">
+                <a:solidFill>
+                  <a:schemeClr val="tx1"/>
+                </a:solidFill>
+                <a:effectLst/>
+                <a:latin typeface="+mn-lt"/>
+                <a:ea typeface="+mn-ea"/>
+                <a:cs typeface="+mn-cs"/>
+              </a:rPr>
+              <a:t>될 수 있으며 리소스가 참조될 때마다 리소스를 다시 </a:t>
+            </a:r>
+            <a:r>
+              <a:rPr lang="ko-KR" altLang="en-US" sz="1200" b="0" i="0" kern="1200" dirty="0" err="1" smtClean="0">
+                <a:solidFill>
+                  <a:schemeClr val="tx1"/>
+                </a:solidFill>
+                <a:effectLst/>
+                <a:latin typeface="+mn-lt"/>
+                <a:ea typeface="+mn-ea"/>
+                <a:cs typeface="+mn-cs"/>
+              </a:rPr>
+              <a:t>읽어오기</a:t>
+            </a:r>
+            <a:r>
+              <a:rPr lang="ko-KR" altLang="en-US" sz="1200" b="0" i="0" kern="1200" dirty="0" smtClean="0">
+                <a:solidFill>
+                  <a:schemeClr val="tx1"/>
+                </a:solidFill>
+                <a:effectLst/>
+                <a:latin typeface="+mn-lt"/>
+                <a:ea typeface="+mn-ea"/>
+                <a:cs typeface="+mn-cs"/>
+              </a:rPr>
+              <a:t> 때문에 </a:t>
+            </a:r>
+            <a:r>
+              <a:rPr lang="en-US" altLang="ko-KR" sz="1200" b="0" i="0" kern="1200" dirty="0" err="1" smtClean="0">
+                <a:solidFill>
+                  <a:schemeClr val="tx1"/>
+                </a:solidFill>
+                <a:effectLst/>
+                <a:latin typeface="+mn-lt"/>
+                <a:ea typeface="+mn-ea"/>
+                <a:cs typeface="+mn-cs"/>
+              </a:rPr>
+              <a:t>StaticResource</a:t>
+            </a:r>
+            <a:r>
+              <a:rPr lang="ko-KR" altLang="en-US" sz="1200" b="0" i="0" kern="1200" dirty="0" smtClean="0">
+                <a:solidFill>
+                  <a:schemeClr val="tx1"/>
+                </a:solidFill>
+                <a:effectLst/>
+                <a:latin typeface="+mn-lt"/>
+                <a:ea typeface="+mn-ea"/>
+                <a:cs typeface="+mn-cs"/>
+              </a:rPr>
+              <a:t>에 비해 약간의 성능 저하가 발생할 수 있다 코드의 리소스를 동적으로 변경하려는 특별한 이유가 없는 한 정적 리소스를 사용하는 것</a:t>
+            </a:r>
+            <a:endParaRPr lang="en-US" altLang="ko-KR" sz="1200" b="0" i="0" kern="1200" dirty="0" smtClean="0">
+              <a:solidFill>
+                <a:schemeClr val="tx1"/>
+              </a:solidFill>
+              <a:effectLst/>
+              <a:latin typeface="+mn-lt"/>
+              <a:ea typeface="+mn-ea"/>
+              <a:cs typeface="+mn-cs"/>
+            </a:endParaRPr>
+          </a:p>
+          <a:p>
+            <a:r>
+              <a:rPr lang="ko-KR" altLang="en-US" sz="1200" b="0" i="0" kern="1200" dirty="0" smtClean="0">
+                <a:solidFill>
+                  <a:schemeClr val="tx1"/>
+                </a:solidFill>
+                <a:effectLst/>
+                <a:latin typeface="+mn-lt"/>
+                <a:ea typeface="+mn-ea"/>
+                <a:cs typeface="+mn-cs"/>
+              </a:rPr>
+              <a:t>정적 참조 된 리소스는 리소스를 한 번만 평가 한 후 리소스가 변경되면 변경 내용이 바인딩에 반영되지 않습니다</a:t>
+            </a:r>
+            <a:r>
+              <a:rPr lang="en-US" altLang="ko-KR" sz="1200" b="0" i="0" kern="1200" dirty="0" smtClean="0">
+                <a:solidFill>
+                  <a:schemeClr val="tx1"/>
+                </a:solidFill>
+                <a:effectLst/>
+                <a:latin typeface="+mn-lt"/>
+                <a:ea typeface="+mn-ea"/>
+                <a:cs typeface="+mn-cs"/>
+              </a:rPr>
+              <a:t>. </a:t>
+            </a:r>
+          </a:p>
+          <a:p>
+            <a:r>
+              <a:rPr lang="en-US" altLang="ko-KR" sz="1200" b="0" i="0" kern="1200" dirty="0" err="1" smtClean="0">
+                <a:solidFill>
+                  <a:schemeClr val="tx1"/>
+                </a:solidFill>
+                <a:effectLst/>
+                <a:latin typeface="+mn-lt"/>
+                <a:ea typeface="+mn-ea"/>
+                <a:cs typeface="+mn-cs"/>
+              </a:rPr>
+              <a:t>taticResource</a:t>
+            </a:r>
+            <a:r>
+              <a:rPr lang="ko-KR" altLang="en-US" sz="1200" b="0" i="0" kern="1200" dirty="0" smtClean="0">
+                <a:solidFill>
+                  <a:schemeClr val="tx1"/>
+                </a:solidFill>
+                <a:effectLst/>
+                <a:latin typeface="+mn-lt"/>
+                <a:ea typeface="+mn-ea"/>
+                <a:cs typeface="+mn-cs"/>
+              </a:rPr>
+              <a:t>는 이미 정의된 리소스의 값을 대체하여 </a:t>
+            </a:r>
+            <a:r>
+              <a:rPr lang="en-US" altLang="ko-KR" sz="1200" b="0" i="0" kern="1200" dirty="0" smtClean="0">
+                <a:solidFill>
+                  <a:schemeClr val="tx1"/>
+                </a:solidFill>
+                <a:effectLst/>
+                <a:latin typeface="+mn-lt"/>
+                <a:ea typeface="+mn-ea"/>
+                <a:cs typeface="+mn-cs"/>
+              </a:rPr>
+              <a:t>XAML </a:t>
+            </a:r>
+            <a:r>
+              <a:rPr lang="ko-KR" altLang="en-US" sz="1200" b="0" i="0" kern="1200" dirty="0" smtClean="0">
+                <a:solidFill>
+                  <a:schemeClr val="tx1"/>
+                </a:solidFill>
+                <a:effectLst/>
+                <a:latin typeface="+mn-lt"/>
+                <a:ea typeface="+mn-ea"/>
+                <a:cs typeface="+mn-cs"/>
+              </a:rPr>
+              <a:t>속성의 값을 제공합니다</a:t>
+            </a:r>
+            <a:r>
+              <a:rPr lang="en-US" altLang="ko-KR" sz="1200" b="0" i="0" kern="1200" dirty="0" smtClean="0">
+                <a:solidFill>
+                  <a:schemeClr val="tx1"/>
+                </a:solidFill>
+                <a:effectLst/>
+                <a:latin typeface="+mn-lt"/>
+                <a:ea typeface="+mn-ea"/>
+                <a:cs typeface="+mn-cs"/>
+              </a:rPr>
+              <a:t>.</a:t>
+            </a:r>
+            <a:r>
+              <a:rPr lang="en-US" altLang="ko-KR" sz="1200" b="0" i="0" kern="1200" dirty="0" err="1" smtClean="0">
+                <a:solidFill>
+                  <a:schemeClr val="tx1"/>
+                </a:solidFill>
+                <a:effectLst/>
+                <a:latin typeface="+mn-lt"/>
+                <a:ea typeface="+mn-ea"/>
+                <a:cs typeface="+mn-cs"/>
+              </a:rPr>
+              <a:t>StaticResource</a:t>
+            </a:r>
+            <a:r>
+              <a:rPr lang="en-US" altLang="ko-KR" sz="1200" b="0" i="0" kern="1200" dirty="0" smtClean="0">
+                <a:solidFill>
+                  <a:schemeClr val="tx1"/>
+                </a:solidFill>
+                <a:effectLst/>
+                <a:latin typeface="+mn-lt"/>
+                <a:ea typeface="+mn-ea"/>
+                <a:cs typeface="+mn-cs"/>
+              </a:rPr>
+              <a:t> </a:t>
+            </a:r>
+            <a:r>
+              <a:rPr lang="ko-KR" altLang="en-US" sz="1200" b="0" i="0" kern="1200" dirty="0" smtClean="0">
+                <a:solidFill>
+                  <a:schemeClr val="tx1"/>
+                </a:solidFill>
+                <a:effectLst/>
+                <a:latin typeface="+mn-lt"/>
+                <a:ea typeface="+mn-ea"/>
+                <a:cs typeface="+mn-cs"/>
+              </a:rPr>
+              <a:t>평가는 궁극적으로 </a:t>
+            </a:r>
+            <a:r>
+              <a:rPr lang="en-US" altLang="ko-KR" sz="1200" b="0" i="0" kern="1200" dirty="0" smtClean="0">
+                <a:solidFill>
+                  <a:schemeClr val="tx1"/>
+                </a:solidFill>
+                <a:effectLst/>
+                <a:latin typeface="+mn-lt"/>
+                <a:ea typeface="+mn-ea"/>
+                <a:cs typeface="+mn-cs"/>
+              </a:rPr>
+              <a:t>XAML </a:t>
+            </a:r>
+            <a:r>
+              <a:rPr lang="ko-KR" altLang="en-US" sz="1200" b="0" i="0" kern="1200" dirty="0" smtClean="0">
+                <a:solidFill>
+                  <a:schemeClr val="tx1"/>
+                </a:solidFill>
+                <a:effectLst/>
+                <a:latin typeface="+mn-lt"/>
+                <a:ea typeface="+mn-ea"/>
+                <a:cs typeface="+mn-cs"/>
+              </a:rPr>
+              <a:t>로드 시간에 수행되고 실제 런타임에는 개체 그래프에 액세스하지 못합니다</a:t>
+            </a:r>
+            <a:endParaRPr lang="en-US" altLang="ko-KR" sz="1200" b="0" i="0" kern="1200" dirty="0" smtClean="0">
+              <a:solidFill>
+                <a:schemeClr val="tx1"/>
+              </a:solidFill>
+              <a:effectLst/>
+              <a:latin typeface="+mn-lt"/>
+              <a:ea typeface="+mn-ea"/>
+              <a:cs typeface="+mn-cs"/>
+            </a:endParaRPr>
+          </a:p>
+          <a:p>
+            <a:r>
+              <a:rPr lang="ko-KR" altLang="en-US" dirty="0" smtClean="0"/>
+              <a:t/>
+            </a:r>
+            <a:br>
+              <a:rPr lang="ko-KR" altLang="en-US" dirty="0" smtClean="0"/>
+            </a:br>
+            <a:r>
+              <a:rPr lang="en-US" altLang="ko-KR" sz="1200" b="0" i="0" kern="1200" dirty="0" err="1" smtClean="0">
+                <a:solidFill>
+                  <a:schemeClr val="tx1"/>
+                </a:solidFill>
+                <a:effectLst/>
+                <a:latin typeface="+mn-lt"/>
+                <a:ea typeface="+mn-ea"/>
+                <a:cs typeface="+mn-cs"/>
+              </a:rPr>
+              <a:t>DynamicResource</a:t>
+            </a:r>
+            <a:r>
+              <a:rPr lang="ko-KR" altLang="en-US" sz="1200" b="0" i="0" kern="1200" dirty="0" smtClean="0">
+                <a:solidFill>
+                  <a:schemeClr val="tx1"/>
+                </a:solidFill>
+                <a:effectLst/>
+                <a:latin typeface="+mn-lt"/>
+                <a:ea typeface="+mn-ea"/>
+                <a:cs typeface="+mn-cs"/>
+              </a:rPr>
+              <a:t>는 값이 리소스에 대한 런타임 참조가 되도록 지연하여 </a:t>
+            </a:r>
+            <a:r>
+              <a:rPr lang="en-US" altLang="ko-KR" sz="1200" b="0" i="0" kern="1200" dirty="0" smtClean="0">
+                <a:solidFill>
+                  <a:schemeClr val="tx1"/>
+                </a:solidFill>
+                <a:effectLst/>
+                <a:latin typeface="+mn-lt"/>
+                <a:ea typeface="+mn-ea"/>
+                <a:cs typeface="+mn-cs"/>
+              </a:rPr>
+              <a:t>XAML </a:t>
+            </a:r>
+            <a:r>
+              <a:rPr lang="ko-KR" altLang="en-US" sz="1200" b="0" i="0" kern="1200" dirty="0" smtClean="0">
+                <a:solidFill>
+                  <a:schemeClr val="tx1"/>
+                </a:solidFill>
+                <a:effectLst/>
+                <a:latin typeface="+mn-lt"/>
+                <a:ea typeface="+mn-ea"/>
+                <a:cs typeface="+mn-cs"/>
+              </a:rPr>
+              <a:t>속성의 값을 제공합니다</a:t>
+            </a:r>
+            <a:r>
+              <a:rPr lang="en-US" altLang="ko-KR" sz="1200" b="0" i="0" kern="1200" dirty="0" smtClean="0">
+                <a:solidFill>
+                  <a:schemeClr val="tx1"/>
+                </a:solidFill>
+                <a:effectLst/>
+                <a:latin typeface="+mn-lt"/>
+                <a:ea typeface="+mn-ea"/>
+                <a:cs typeface="+mn-cs"/>
+              </a:rPr>
+              <a:t>.</a:t>
+            </a:r>
+            <a:r>
+              <a:rPr lang="ko-KR" altLang="en-US" sz="1200" b="0" i="0" kern="1200" dirty="0" smtClean="0">
+                <a:solidFill>
+                  <a:schemeClr val="tx1"/>
+                </a:solidFill>
+                <a:effectLst/>
+                <a:latin typeface="+mn-lt"/>
+                <a:ea typeface="+mn-ea"/>
+                <a:cs typeface="+mn-cs"/>
+              </a:rPr>
+              <a:t>동적 리소스 참조는 리소스가 </a:t>
+            </a:r>
+            <a:r>
+              <a:rPr lang="ko-KR" altLang="en-US" sz="1200" b="0" i="0" kern="1200" dirty="0" err="1" smtClean="0">
+                <a:solidFill>
+                  <a:schemeClr val="tx1"/>
+                </a:solidFill>
+                <a:effectLst/>
+                <a:latin typeface="+mn-lt"/>
+                <a:ea typeface="+mn-ea"/>
+                <a:cs typeface="+mn-cs"/>
+              </a:rPr>
+              <a:t>액세스될</a:t>
+            </a:r>
+            <a:r>
+              <a:rPr lang="ko-KR" altLang="en-US" sz="1200" b="0" i="0" kern="1200" dirty="0" smtClean="0">
+                <a:solidFill>
+                  <a:schemeClr val="tx1"/>
+                </a:solidFill>
+                <a:effectLst/>
+                <a:latin typeface="+mn-lt"/>
+                <a:ea typeface="+mn-ea"/>
+                <a:cs typeface="+mn-cs"/>
+              </a:rPr>
+              <a:t> 때마다 새로 조회하도록 하고 런타임에 개체 그래프에 액세스합니다</a:t>
+            </a:r>
+            <a:r>
+              <a:rPr lang="en-US" altLang="ko-KR" sz="1200" b="0" i="0" kern="1200" dirty="0" smtClean="0">
+                <a:solidFill>
+                  <a:schemeClr val="tx1"/>
+                </a:solidFill>
+                <a:effectLst/>
+                <a:latin typeface="+mn-lt"/>
+                <a:ea typeface="+mn-ea"/>
+                <a:cs typeface="+mn-cs"/>
+              </a:rPr>
+              <a:t>.</a:t>
+            </a:r>
+            <a:r>
+              <a:rPr lang="ko-KR" altLang="en-US" dirty="0" smtClean="0"/>
+              <a:t/>
+            </a:r>
+            <a:br>
+              <a:rPr lang="ko-KR" altLang="en-US" dirty="0" smtClean="0"/>
+            </a:br>
+            <a:endParaRPr lang="ko-KR" altLang="en-US" dirty="0"/>
+          </a:p>
+        </p:txBody>
+      </p:sp>
+      <p:sp>
+        <p:nvSpPr>
+          <p:cNvPr id="4" name="슬라이드 번호 개체 틀 3"/>
+          <p:cNvSpPr>
+            <a:spLocks noGrp="1"/>
+          </p:cNvSpPr>
+          <p:nvPr>
+            <p:ph type="sldNum" sz="quarter" idx="10"/>
+          </p:nvPr>
+        </p:nvSpPr>
+        <p:spPr/>
+        <p:txBody>
+          <a:bodyPr/>
+          <a:lstStyle/>
+          <a:p>
+            <a:fld id="{6B53E939-A9C4-4AA6-BEDC-846384ED43E4}" type="slidenum">
+              <a:rPr lang="ko-KR" altLang="en-US" smtClean="0"/>
+              <a:t>8</a:t>
             </a:fld>
             <a:endParaRPr lang="ko-KR" altLang="en-US"/>
           </a:p>
@@ -1739,7 +4475,7 @@
           <a:p>
             <a:fld id="{27D0E98D-1616-4021-AA7E-E920AE6116A0}" type="datetimeFigureOut">
               <a:rPr lang="ko-KR" altLang="en-US" smtClean="0"/>
-              <a:t>2019-03-04</a:t>
+              <a:t>2019-03-06</a:t>
             </a:fld>
             <a:endParaRPr lang="ko-KR" altLang="en-US"/>
           </a:p>
@@ -1909,7 +4645,7 @@
           <a:p>
             <a:fld id="{27D0E98D-1616-4021-AA7E-E920AE6116A0}" type="datetimeFigureOut">
               <a:rPr lang="ko-KR" altLang="en-US" smtClean="0"/>
-              <a:t>2019-03-04</a:t>
+              <a:t>2019-03-06</a:t>
             </a:fld>
             <a:endParaRPr lang="ko-KR" altLang="en-US"/>
           </a:p>
@@ -2089,7 +4825,7 @@
           <a:p>
             <a:fld id="{27D0E98D-1616-4021-AA7E-E920AE6116A0}" type="datetimeFigureOut">
               <a:rPr lang="ko-KR" altLang="en-US" smtClean="0"/>
-              <a:t>2019-03-04</a:t>
+              <a:t>2019-03-06</a:t>
             </a:fld>
             <a:endParaRPr lang="ko-KR" altLang="en-US"/>
           </a:p>
@@ -2259,7 +4995,7 @@
           <a:p>
             <a:fld id="{27D0E98D-1616-4021-AA7E-E920AE6116A0}" type="datetimeFigureOut">
               <a:rPr lang="ko-KR" altLang="en-US" smtClean="0"/>
-              <a:t>2019-03-04</a:t>
+              <a:t>2019-03-06</a:t>
             </a:fld>
             <a:endParaRPr lang="ko-KR" altLang="en-US"/>
           </a:p>
@@ -2505,7 +5241,7 @@
           <a:p>
             <a:fld id="{27D0E98D-1616-4021-AA7E-E920AE6116A0}" type="datetimeFigureOut">
               <a:rPr lang="ko-KR" altLang="en-US" smtClean="0"/>
-              <a:t>2019-03-04</a:t>
+              <a:t>2019-03-06</a:t>
             </a:fld>
             <a:endParaRPr lang="ko-KR" altLang="en-US"/>
           </a:p>
@@ -2737,7 +5473,7 @@
           <a:p>
             <a:fld id="{27D0E98D-1616-4021-AA7E-E920AE6116A0}" type="datetimeFigureOut">
               <a:rPr lang="ko-KR" altLang="en-US" smtClean="0"/>
-              <a:t>2019-03-04</a:t>
+              <a:t>2019-03-06</a:t>
             </a:fld>
             <a:endParaRPr lang="ko-KR" altLang="en-US"/>
           </a:p>
@@ -3104,7 +5840,7 @@
           <a:p>
             <a:fld id="{27D0E98D-1616-4021-AA7E-E920AE6116A0}" type="datetimeFigureOut">
               <a:rPr lang="ko-KR" altLang="en-US" smtClean="0"/>
-              <a:t>2019-03-04</a:t>
+              <a:t>2019-03-06</a:t>
             </a:fld>
             <a:endParaRPr lang="ko-KR" altLang="en-US"/>
           </a:p>
@@ -3222,7 +5958,7 @@
           <a:p>
             <a:fld id="{27D0E98D-1616-4021-AA7E-E920AE6116A0}" type="datetimeFigureOut">
               <a:rPr lang="ko-KR" altLang="en-US" smtClean="0"/>
-              <a:t>2019-03-04</a:t>
+              <a:t>2019-03-06</a:t>
             </a:fld>
             <a:endParaRPr lang="ko-KR" altLang="en-US"/>
           </a:p>
@@ -3317,7 +6053,7 @@
           <a:p>
             <a:fld id="{27D0E98D-1616-4021-AA7E-E920AE6116A0}" type="datetimeFigureOut">
               <a:rPr lang="ko-KR" altLang="en-US" smtClean="0"/>
-              <a:t>2019-03-04</a:t>
+              <a:t>2019-03-06</a:t>
             </a:fld>
             <a:endParaRPr lang="ko-KR" altLang="en-US"/>
           </a:p>
@@ -3594,7 +6330,7 @@
           <a:p>
             <a:fld id="{27D0E98D-1616-4021-AA7E-E920AE6116A0}" type="datetimeFigureOut">
               <a:rPr lang="ko-KR" altLang="en-US" smtClean="0"/>
-              <a:t>2019-03-04</a:t>
+              <a:t>2019-03-06</a:t>
             </a:fld>
             <a:endParaRPr lang="ko-KR" altLang="en-US"/>
           </a:p>
@@ -3847,7 +6583,7 @@
           <a:p>
             <a:fld id="{27D0E98D-1616-4021-AA7E-E920AE6116A0}" type="datetimeFigureOut">
               <a:rPr lang="ko-KR" altLang="en-US" smtClean="0"/>
-              <a:t>2019-03-04</a:t>
+              <a:t>2019-03-06</a:t>
             </a:fld>
             <a:endParaRPr lang="ko-KR" altLang="en-US"/>
           </a:p>
@@ -4060,7 +6796,7 @@
           <a:p>
             <a:fld id="{27D0E98D-1616-4021-AA7E-E920AE6116A0}" type="datetimeFigureOut">
               <a:rPr lang="ko-KR" altLang="en-US" smtClean="0"/>
-              <a:t>2019-03-04</a:t>
+              <a:t>2019-03-06</a:t>
             </a:fld>
             <a:endParaRPr lang="ko-KR" altLang="en-US"/>
           </a:p>
@@ -4879,6 +7615,265 @@
   <p:clrMapOvr>
     <a:masterClrMapping/>
   </p:clrMapOvr>
+  <p:timing>
+    <p:tnLst>
+      <p:par>
+        <p:cTn id="1" dur="indefinite" restart="never" nodeType="tmRoot"/>
+      </p:par>
+    </p:tnLst>
+  </p:timing>
+</p:sld>
+</file>
+
+<file path=ppt/slides/slide10.xml><?xml version="1.0" encoding="utf-8"?>
+<p:sld xmlns:a="http://schemas.openxmlformats.org/drawingml/2006/main" xmlns:r="http://schemas.openxmlformats.org/officeDocument/2006/relationships" xmlns:p="http://schemas.openxmlformats.org/presentationml/2006/main">
+  <p:cSld>
+    <p:spTree>
+      <p:nvGrpSpPr>
+        <p:cNvPr id="1" name=""/>
+        <p:cNvGrpSpPr/>
+        <p:nvPr/>
+      </p:nvGrpSpPr>
+      <p:grpSpPr>
+        <a:xfrm>
+          <a:off x="0" y="0"/>
+          <a:ext cx="0" cy="0"/>
+          <a:chOff x="0" y="0"/>
+          <a:chExt cx="0" cy="0"/>
+        </a:xfrm>
+      </p:grpSpPr>
+      <p:sp>
+        <p:nvSpPr>
+          <p:cNvPr id="4" name="TextBox 3"/>
+          <p:cNvSpPr txBox="1"/>
+          <p:nvPr/>
+        </p:nvSpPr>
+        <p:spPr>
+          <a:xfrm>
+            <a:off x="291469" y="128898"/>
+            <a:ext cx="5800057" cy="8217634"/>
+          </a:xfrm>
+          <a:prstGeom prst="rect">
+            <a:avLst/>
+          </a:prstGeom>
+          <a:noFill/>
+        </p:spPr>
+        <p:txBody>
+          <a:bodyPr wrap="square" rtlCol="0">
+            <a:spAutoFit/>
+          </a:bodyPr>
+          <a:lstStyle/>
+          <a:p>
+            <a:r>
+              <a:rPr lang="ko-KR" altLang="en-US" sz="2400" b="1" dirty="0" smtClean="0"/>
+              <a:t>참고 </a:t>
+            </a:r>
+            <a:r>
+              <a:rPr lang="ko-KR" altLang="en-US" sz="2400" b="1" dirty="0" smtClean="0"/>
+              <a:t>자료</a:t>
+            </a:r>
+            <a:endParaRPr lang="en-US" altLang="ko-KR" dirty="0"/>
+          </a:p>
+          <a:p>
+            <a:r>
+              <a:rPr lang="en-US" altLang="ko-KR" dirty="0" err="1" smtClean="0"/>
+              <a:t>Backgroundworker</a:t>
+            </a:r>
+            <a:endParaRPr lang="en-US" altLang="ko-KR" dirty="0" smtClean="0"/>
+          </a:p>
+          <a:p>
+            <a:r>
+              <a:rPr lang="en-US" altLang="ko-KR" dirty="0">
+                <a:hlinkClick r:id="rId2"/>
+              </a:rPr>
+              <a:t>http://</a:t>
+            </a:r>
+            <a:r>
+              <a:rPr lang="en-US" altLang="ko-KR" dirty="0" smtClean="0">
+                <a:hlinkClick r:id="rId2"/>
+              </a:rPr>
+              <a:t>www.csharpstudy.com/WinForms/WinForms-backgroundworker.aspx</a:t>
+            </a:r>
+            <a:endParaRPr lang="en-US" altLang="ko-KR" dirty="0"/>
+          </a:p>
+          <a:p>
+            <a:endParaRPr lang="en-US" altLang="ko-KR" dirty="0" smtClean="0"/>
+          </a:p>
+          <a:p>
+            <a:r>
+              <a:rPr lang="en-US" altLang="ko-KR" dirty="0" err="1" smtClean="0"/>
+              <a:t>ContentRender</a:t>
+            </a:r>
+            <a:endParaRPr lang="en-US" altLang="ko-KR" dirty="0" smtClean="0"/>
+          </a:p>
+          <a:p>
+            <a:r>
+              <a:rPr lang="en-US" altLang="ko-KR" dirty="0"/>
+              <a:t>https://</a:t>
+            </a:r>
+            <a:r>
+              <a:rPr lang="en-US" altLang="ko-KR" dirty="0" smtClean="0"/>
+              <a:t>stackoverflow.com/questions/18452756/whats-the-difference-between-the-window-loaded-and-window-contentrendered-event</a:t>
+            </a:r>
+          </a:p>
+          <a:p>
+            <a:endParaRPr lang="en-US" altLang="ko-KR" dirty="0" smtClean="0"/>
+          </a:p>
+          <a:p>
+            <a:r>
+              <a:rPr lang="en-US" altLang="ko-KR" dirty="0" err="1" smtClean="0"/>
+              <a:t>ContentTemplate</a:t>
+            </a:r>
+            <a:endParaRPr lang="en-US" altLang="ko-KR" dirty="0" smtClean="0"/>
+          </a:p>
+          <a:p>
+            <a:r>
+              <a:rPr lang="en-US" altLang="ko-KR" dirty="0">
+                <a:hlinkClick r:id="rId3"/>
+              </a:rPr>
+              <a:t>https://</a:t>
+            </a:r>
+            <a:r>
+              <a:rPr lang="en-US" altLang="ko-KR" dirty="0" smtClean="0">
+                <a:hlinkClick r:id="rId3"/>
+              </a:rPr>
+              <a:t>m.blog.naver.com/PostView.nhn?blogId=jjoommnn&amp;logNo=130123233071&amp;proxyReferer=https%3A%2F%2Fwww.google.com%2F</a:t>
+            </a:r>
+            <a:endParaRPr lang="en-US" altLang="ko-KR" dirty="0" smtClean="0"/>
+          </a:p>
+          <a:p>
+            <a:endParaRPr lang="en-US" altLang="ko-KR" dirty="0"/>
+          </a:p>
+          <a:p>
+            <a:r>
+              <a:rPr lang="en-US" altLang="ko-KR" dirty="0" smtClean="0">
+                <a:hlinkClick r:id="rId4"/>
+              </a:rPr>
+              <a:t>https</a:t>
+            </a:r>
+            <a:r>
+              <a:rPr lang="en-US" altLang="ko-KR" dirty="0">
+                <a:hlinkClick r:id="rId4"/>
+              </a:rPr>
+              <a:t>://jjomin.tistory.com/80</a:t>
+            </a:r>
+            <a:r>
+              <a:rPr lang="ko-KR" altLang="en-US" dirty="0"/>
+              <a:t> </a:t>
+            </a:r>
+            <a:endParaRPr lang="en-US" altLang="ko-KR" dirty="0" smtClean="0"/>
+          </a:p>
+          <a:p>
+            <a:endParaRPr lang="en-US" altLang="ko-KR" dirty="0" smtClean="0"/>
+          </a:p>
+          <a:p>
+            <a:r>
+              <a:rPr lang="en-US" altLang="ko-KR" dirty="0" err="1" smtClean="0"/>
+              <a:t>StaticResource</a:t>
+            </a:r>
+            <a:r>
+              <a:rPr lang="en-US" altLang="ko-KR" dirty="0" smtClean="0"/>
+              <a:t> VS </a:t>
+            </a:r>
+            <a:r>
+              <a:rPr lang="en-US" altLang="ko-KR" dirty="0" err="1" smtClean="0"/>
+              <a:t>DynamicResource</a:t>
+            </a:r>
+            <a:endParaRPr lang="en-US" altLang="ko-KR" dirty="0" smtClean="0"/>
+          </a:p>
+          <a:p>
+            <a:r>
+              <a:rPr lang="en-US" altLang="ko-KR" dirty="0" smtClean="0">
+                <a:hlinkClick r:id="rId5"/>
+              </a:rPr>
+              <a:t>https</a:t>
+            </a:r>
+            <a:r>
+              <a:rPr lang="en-US" altLang="ko-KR" dirty="0">
+                <a:hlinkClick r:id="rId5"/>
+              </a:rPr>
+              <a:t>://</a:t>
+            </a:r>
+            <a:r>
+              <a:rPr lang="en-US" altLang="ko-KR" dirty="0" smtClean="0">
+                <a:hlinkClick r:id="rId5"/>
+              </a:rPr>
+              <a:t>stackoverflow.com/questions/200839/whats-the-difference-between-staticresource-and-dynamicresource-in-wpf</a:t>
+            </a:r>
+            <a:endParaRPr lang="en-US" altLang="ko-KR" dirty="0" smtClean="0"/>
+          </a:p>
+          <a:p>
+            <a:endParaRPr lang="en-US" altLang="ko-KR" dirty="0" smtClean="0">
+              <a:hlinkClick r:id="rId6"/>
+            </a:endParaRPr>
+          </a:p>
+          <a:p>
+            <a:r>
+              <a:rPr lang="en-US" altLang="ko-KR" dirty="0" smtClean="0">
+                <a:hlinkClick r:id="rId6"/>
+              </a:rPr>
+              <a:t>https</a:t>
+            </a:r>
+            <a:r>
+              <a:rPr lang="en-US" altLang="ko-KR" dirty="0">
+                <a:hlinkClick r:id="rId6"/>
+              </a:rPr>
+              <a:t>://</a:t>
+            </a:r>
+            <a:r>
+              <a:rPr lang="en-US" altLang="ko-KR" dirty="0" smtClean="0">
+                <a:hlinkClick r:id="rId6"/>
+              </a:rPr>
+              <a:t>kojaedoo.tistory.com/535</a:t>
+            </a:r>
+            <a:endParaRPr lang="en-US" altLang="ko-KR" dirty="0" smtClean="0"/>
+          </a:p>
+          <a:p>
+            <a:endParaRPr lang="en-US" altLang="ko-KR" dirty="0"/>
+          </a:p>
+          <a:p>
+            <a:r>
+              <a:rPr lang="en-US" altLang="ko-KR" dirty="0">
+                <a:hlinkClick r:id="rId7"/>
+              </a:rPr>
+              <a:t>https://</a:t>
+            </a:r>
+            <a:r>
+              <a:rPr lang="en-US" altLang="ko-KR" dirty="0" smtClean="0">
+                <a:hlinkClick r:id="rId7"/>
+              </a:rPr>
+              <a:t>www.codeproject.com/Articles/393086/WPF-StaticResource-vs-DynamicResource</a:t>
+            </a:r>
+            <a:endParaRPr lang="en-US" altLang="ko-KR" dirty="0" smtClean="0"/>
+          </a:p>
+          <a:p>
+            <a:endParaRPr lang="en-US" altLang="ko-KR" dirty="0"/>
+          </a:p>
+          <a:p>
+            <a:endParaRPr lang="en-US" altLang="ko-KR" dirty="0" smtClean="0"/>
+          </a:p>
+          <a:p>
+            <a:endParaRPr lang="ko-KR" altLang="en-US" dirty="0"/>
+          </a:p>
+        </p:txBody>
+      </p:sp>
+    </p:spTree>
+    <p:extLst>
+      <p:ext uri="{BB962C8B-B14F-4D97-AF65-F5344CB8AC3E}">
+        <p14:creationId xmlns:p14="http://schemas.microsoft.com/office/powerpoint/2010/main" val="3452092911"/>
+      </p:ext>
+    </p:extLst>
+  </p:cSld>
+  <p:clrMapOvr>
+    <a:masterClrMapping/>
+  </p:clrMapOvr>
+  <p:timing>
+    <p:tnLst>
+      <p:par>
+        <p:cTn id="1" dur="indefinite" restart="never" nodeType="tmRoot"/>
+      </p:par>
+    </p:tnLst>
+  </p:timing>
 </p:sld>
 </file>
 
@@ -5307,7 +8302,11 @@
           <a:p>
             <a:r>
               <a:rPr lang="ko-KR" altLang="en-US" sz="2000" b="1" dirty="0" smtClean="0"/>
-              <a:t>그 외</a:t>
+              <a:t>그 </a:t>
+            </a:r>
+            <a:r>
+              <a:rPr lang="ko-KR" altLang="en-US" sz="2000" b="1" dirty="0" smtClean="0"/>
+              <a:t>외 기타 등등</a:t>
             </a:r>
             <a:endParaRPr lang="ko-KR" altLang="en-US" sz="2000" b="1" dirty="0"/>
           </a:p>
@@ -5323,6 +8322,13 @@
   <p:clrMapOvr>
     <a:masterClrMapping/>
   </p:clrMapOvr>
+  <p:timing>
+    <p:tnLst>
+      <p:par>
+        <p:cTn id="1" dur="indefinite" restart="never" nodeType="tmRoot"/>
+      </p:par>
+    </p:tnLst>
+  </p:timing>
 </p:sld>
 </file>
 
@@ -5525,7 +8531,7 @@
         </p:nvSpPr>
         <p:spPr>
           <a:xfrm>
-            <a:off x="1577898" y="2899436"/>
+            <a:off x="1577898" y="2692950"/>
             <a:ext cx="9400478" cy="369332"/>
           </a:xfrm>
           <a:prstGeom prst="rect">
@@ -5545,7 +8551,15 @@
             </a:r>
             <a:r>
               <a:rPr lang="en-US" altLang="ko-KR" dirty="0" smtClean="0"/>
-              <a:t>corners – Control</a:t>
+              <a:t>corners </a:t>
+            </a:r>
+            <a:r>
+              <a:rPr lang="ko-KR" altLang="en-US" dirty="0" smtClean="0"/>
+              <a:t>속성을 통해서 </a:t>
+            </a:r>
+            <a:r>
+              <a:rPr lang="en-US" altLang="ko-KR" dirty="0" smtClean="0"/>
+              <a:t>– Control</a:t>
             </a:r>
             <a:r>
               <a:rPr lang="ko-KR" altLang="en-US" dirty="0" smtClean="0"/>
@@ -5611,7 +8625,7 @@
         </p:nvSpPr>
         <p:spPr>
           <a:xfrm>
-            <a:off x="1246566" y="2977435"/>
+            <a:off x="1246566" y="2770949"/>
             <a:ext cx="198032" cy="198031"/>
           </a:xfrm>
           <a:prstGeom prst="ellipse">
@@ -5648,6 +8662,66 @@
               <a:cs typeface="Arial"/>
               <a:sym typeface="Arial"/>
             </a:endParaRPr>
+          </a:p>
+        </p:txBody>
+      </p:sp>
+      <p:sp>
+        <p:nvSpPr>
+          <p:cNvPr id="11" name="TextBox 10"/>
+          <p:cNvSpPr txBox="1"/>
+          <p:nvPr/>
+        </p:nvSpPr>
+        <p:spPr>
+          <a:xfrm>
+            <a:off x="1349298" y="4100052"/>
+            <a:ext cx="3709399" cy="369332"/>
+          </a:xfrm>
+          <a:prstGeom prst="rect">
+            <a:avLst/>
+          </a:prstGeom>
+          <a:noFill/>
+        </p:spPr>
+        <p:txBody>
+          <a:bodyPr wrap="square" rtlCol="0">
+            <a:spAutoFit/>
+          </a:bodyPr>
+          <a:lstStyle/>
+          <a:p>
+            <a:r>
+              <a:rPr lang="en-US" altLang="ko-KR" dirty="0" err="1" smtClean="0"/>
+              <a:t>DataStoreProgram</a:t>
+            </a:r>
+            <a:endParaRPr lang="ko-KR" altLang="en-US" dirty="0"/>
+          </a:p>
+        </p:txBody>
+      </p:sp>
+      <p:sp>
+        <p:nvSpPr>
+          <p:cNvPr id="12" name="TextBox 11"/>
+          <p:cNvSpPr txBox="1"/>
+          <p:nvPr/>
+        </p:nvSpPr>
+        <p:spPr>
+          <a:xfrm>
+            <a:off x="6452239" y="4096949"/>
+            <a:ext cx="3709399" cy="369332"/>
+          </a:xfrm>
+          <a:prstGeom prst="rect">
+            <a:avLst/>
+          </a:prstGeom>
+          <a:noFill/>
+        </p:spPr>
+        <p:txBody>
+          <a:bodyPr wrap="square" rtlCol="0">
+            <a:spAutoFit/>
+          </a:bodyPr>
+          <a:lstStyle/>
+          <a:p>
+            <a:r>
+              <a:rPr lang="ko-KR" altLang="en-US" dirty="0" smtClean="0"/>
+              <a:t>임무계획생성</a:t>
+            </a:r>
+            <a:endParaRPr lang="ko-KR" altLang="en-US" dirty="0"/>
           </a:p>
         </p:txBody>
       </p:sp>
@@ -5946,202 +9020,14 @@
       </p:sp>
       <p:sp>
         <p:nvSpPr>
-          <p:cNvPr id="12" name="모서리가 둥근 직사각형 11"/>
-          <p:cNvSpPr/>
+          <p:cNvPr id="23" name="TextBox 22"/>
+          <p:cNvSpPr txBox="1"/>
           <p:nvPr/>
         </p:nvSpPr>
         <p:spPr>
           <a:xfrm>
-            <a:off x="2291514" y="1904706"/>
-            <a:ext cx="2160270" cy="571500"/>
-          </a:xfrm>
-          <a:prstGeom prst="roundRect">
-            <a:avLst/>
-          </a:prstGeom>
-          <a:solidFill>
-            <a:schemeClr val="accent4"/>
-          </a:solidFill>
-          <a:ln>
-            <a:noFill/>
-          </a:ln>
-        </p:spPr>
-        <p:style>
-          <a:lnRef idx="2">
-            <a:schemeClr val="accent1">
-              <a:shade val="50000"/>
-            </a:schemeClr>
-          </a:lnRef>
-          <a:fillRef idx="1">
-            <a:schemeClr val="accent1"/>
-          </a:fillRef>
-          <a:effectRef idx="0">
-            <a:schemeClr val="accent1"/>
-          </a:effectRef>
-          <a:fontRef idx="minor">
-            <a:schemeClr val="lt1"/>
-          </a:fontRef>
-        </p:style>
-        <p:txBody>
-          <a:bodyPr rtlCol="0" anchor="ctr"/>
-          <a:lstStyle/>
-          <a:p>
-            <a:pPr algn="ctr"/>
-            <a:r>
-              <a:rPr lang="en-US" altLang="ko-KR" dirty="0" smtClean="0">
-                <a:solidFill>
-                  <a:schemeClr val="tx1"/>
-                </a:solidFill>
-              </a:rPr>
-              <a:t>TCP Server</a:t>
-            </a:r>
-            <a:endParaRPr lang="ko-KR" altLang="en-US" dirty="0">
-              <a:solidFill>
-                <a:schemeClr val="tx1"/>
-              </a:solidFill>
-            </a:endParaRPr>
-          </a:p>
-        </p:txBody>
-      </p:sp>
-      <p:sp>
-        <p:nvSpPr>
-          <p:cNvPr id="13" name="모서리가 둥근 직사각형 12"/>
-          <p:cNvSpPr/>
-          <p:nvPr/>
-        </p:nvSpPr>
-        <p:spPr>
-          <a:xfrm>
-            <a:off x="6607123" y="1856065"/>
-            <a:ext cx="2160270" cy="571500"/>
-          </a:xfrm>
-          <a:prstGeom prst="roundRect">
-            <a:avLst/>
-          </a:prstGeom>
-          <a:solidFill>
-            <a:schemeClr val="accent4"/>
-          </a:solidFill>
-          <a:ln>
-            <a:noFill/>
-          </a:ln>
-        </p:spPr>
-        <p:style>
-          <a:lnRef idx="2">
-            <a:schemeClr val="accent1">
-              <a:shade val="50000"/>
-            </a:schemeClr>
-          </a:lnRef>
-          <a:fillRef idx="1">
-            <a:schemeClr val="accent1"/>
-          </a:fillRef>
-          <a:effectRef idx="0">
-            <a:schemeClr val="accent1"/>
-          </a:effectRef>
-          <a:fontRef idx="minor">
-            <a:schemeClr val="lt1"/>
-          </a:fontRef>
-        </p:style>
-        <p:txBody>
-          <a:bodyPr rtlCol="0" anchor="ctr"/>
-          <a:lstStyle/>
-          <a:p>
-            <a:pPr algn="ctr"/>
-            <a:r>
-              <a:rPr lang="en-US" altLang="ko-KR" dirty="0" smtClean="0">
-                <a:solidFill>
-                  <a:schemeClr val="tx1"/>
-                </a:solidFill>
-              </a:rPr>
-              <a:t>TCP Client</a:t>
-            </a:r>
-            <a:endParaRPr lang="ko-KR" altLang="en-US" dirty="0">
-              <a:solidFill>
-                <a:schemeClr val="tx1"/>
-              </a:solidFill>
-            </a:endParaRPr>
-          </a:p>
-        </p:txBody>
-      </p:sp>
-      <p:cxnSp>
-        <p:nvCxnSpPr>
-          <p:cNvPr id="14" name="직선 연결선 13"/>
-          <p:cNvCxnSpPr>
-            <a:stCxn id="12" idx="2"/>
-          </p:cNvCxnSpPr>
-          <p:nvPr/>
-        </p:nvCxnSpPr>
-        <p:spPr>
-          <a:xfrm flipH="1">
-            <a:off x="3356517" y="2476206"/>
-            <a:ext cx="15132" cy="3913443"/>
-          </a:xfrm>
-          <a:prstGeom prst="line">
-            <a:avLst/>
-          </a:prstGeom>
-          <a:ln>
-            <a:solidFill>
-              <a:schemeClr val="accent4"/>
-            </a:solidFill>
-          </a:ln>
-        </p:spPr>
-        <p:style>
-          <a:lnRef idx="1">
-            <a:schemeClr val="accent1"/>
-          </a:lnRef>
-          <a:fillRef idx="0">
-            <a:schemeClr val="accent1"/>
-          </a:fillRef>
-          <a:effectRef idx="0">
-            <a:schemeClr val="accent1"/>
-          </a:effectRef>
-          <a:fontRef idx="minor">
-            <a:schemeClr val="tx1"/>
-          </a:fontRef>
-        </p:style>
-      </p:cxnSp>
-      <p:cxnSp>
-        <p:nvCxnSpPr>
-          <p:cNvPr id="15" name="직선 연결선 14"/>
-          <p:cNvCxnSpPr/>
-          <p:nvPr/>
-        </p:nvCxnSpPr>
-        <p:spPr>
-          <a:xfrm>
-            <a:off x="7657170" y="2293749"/>
-            <a:ext cx="0" cy="3962085"/>
-          </a:xfrm>
-          <a:prstGeom prst="line">
-            <a:avLst/>
-          </a:prstGeom>
-          <a:ln>
-            <a:solidFill>
-              <a:schemeClr val="accent4"/>
-            </a:solidFill>
-          </a:ln>
-        </p:spPr>
-        <p:style>
-          <a:lnRef idx="1">
-            <a:schemeClr val="accent1"/>
-          </a:lnRef>
-          <a:fillRef idx="0">
-            <a:schemeClr val="accent1"/>
-          </a:fillRef>
-          <a:effectRef idx="0">
-            <a:schemeClr val="accent1"/>
-          </a:effectRef>
-          <a:fontRef idx="minor">
-            <a:schemeClr val="tx1"/>
-          </a:fontRef>
-        </p:style>
-      </p:cxnSp>
-      <p:sp>
-        <p:nvSpPr>
-          <p:cNvPr id="11" name="TextBox 10"/>
-          <p:cNvSpPr txBox="1"/>
-          <p:nvPr/>
-        </p:nvSpPr>
-        <p:spPr>
-          <a:xfrm>
-            <a:off x="3371648" y="2670755"/>
-            <a:ext cx="2920663" cy="369332"/>
+            <a:off x="1577897" y="1978729"/>
+            <a:ext cx="8583741" cy="369332"/>
           </a:xfrm>
           <a:prstGeom prst="rect">
             <a:avLst/>
@@ -6156,15 +9042,23 @@
           <a:p>
             <a:r>
               <a:rPr lang="en-US" altLang="ko-KR" dirty="0" smtClean="0"/>
-              <a:t>1 : </a:t>
-            </a:r>
-            <a:r>
-              <a:rPr lang="en-US" altLang="ko-KR" dirty="0" err="1" smtClean="0"/>
-              <a:t>server.Start</a:t>
+              <a:t>Slider Control : Tick(</a:t>
+            </a:r>
+            <a:r>
+              <a:rPr lang="ko-KR" altLang="en-US" dirty="0" smtClean="0"/>
+              <a:t>눈금</a:t>
             </a:r>
             <a:r>
               <a:rPr lang="en-US" altLang="ko-KR" dirty="0" smtClean="0"/>
-              <a:t>();</a:t>
+              <a:t>)</a:t>
+            </a:r>
+            <a:r>
+              <a:rPr lang="ko-KR" altLang="en-US" dirty="0" smtClean="0"/>
+              <a:t>을 이용하여 값을 편리하게 변경할 수 있는 도구</a:t>
+            </a:r>
+            <a:r>
+              <a:rPr lang="en-US" altLang="ko-KR" dirty="0" smtClean="0"/>
+              <a:t> </a:t>
             </a:r>
             <a:endParaRPr lang="ko-KR" altLang="en-US" dirty="0"/>
           </a:p>
@@ -6172,14 +9066,14 @@
       </p:sp>
       <p:sp>
         <p:nvSpPr>
-          <p:cNvPr id="16" name="TextBox 15"/>
+          <p:cNvPr id="28" name="TextBox 27"/>
           <p:cNvSpPr txBox="1"/>
           <p:nvPr/>
         </p:nvSpPr>
         <p:spPr>
           <a:xfrm>
-            <a:off x="7696225" y="3040087"/>
-            <a:ext cx="3617538" cy="369332"/>
+            <a:off x="1577898" y="2692950"/>
+            <a:ext cx="9400478" cy="369332"/>
           </a:xfrm>
           <a:prstGeom prst="rect">
             <a:avLst/>
@@ -6194,717 +9088,32 @@
           <a:p>
             <a:r>
               <a:rPr lang="en-US" altLang="ko-KR" dirty="0" smtClean="0"/>
-              <a:t>2 : </a:t>
-            </a:r>
-            <a:r>
-              <a:rPr lang="en-US" altLang="ko-KR" dirty="0" err="1"/>
-              <a:t>client.Connect</a:t>
-            </a:r>
-            <a:r>
-              <a:rPr lang="en-US" altLang="ko-KR" dirty="0"/>
-              <a:t>(</a:t>
-            </a:r>
-            <a:r>
-              <a:rPr lang="en-US" altLang="ko-KR" dirty="0" err="1"/>
-              <a:t>serverAddress</a:t>
-            </a:r>
-            <a:r>
-              <a:rPr lang="en-US" altLang="ko-KR" dirty="0"/>
-              <a:t>)</a:t>
-            </a:r>
-            <a:endParaRPr lang="ko-KR" altLang="en-US" dirty="0"/>
-          </a:p>
-        </p:txBody>
-      </p:sp>
-      <p:sp>
-        <p:nvSpPr>
-          <p:cNvPr id="17" name="TextBox 16"/>
-          <p:cNvSpPr txBox="1"/>
+              <a:t>Progress Bar : </a:t>
+            </a:r>
+            <a:r>
+              <a:rPr lang="ko-KR" altLang="en-US" dirty="0" smtClean="0"/>
+              <a:t>작업의 진행사항을 한눈에 보기 위해서</a:t>
+            </a:r>
+            <a:endParaRPr lang="en-US" altLang="ko-KR" dirty="0"/>
+          </a:p>
+        </p:txBody>
+      </p:sp>
+      <p:sp>
+        <p:nvSpPr>
+          <p:cNvPr id="29" name="Google Shape;136;p17"/>
+          <p:cNvSpPr/>
           <p:nvPr/>
         </p:nvSpPr>
         <p:spPr>
           <a:xfrm>
-            <a:off x="3395572" y="3409419"/>
-            <a:ext cx="3516672" cy="369332"/>
-          </a:xfrm>
-          <a:prstGeom prst="rect">
-            <a:avLst/>
-          </a:prstGeom>
-          <a:noFill/>
-        </p:spPr>
-        <p:txBody>
-          <a:bodyPr wrap="square" rtlCol="0">
-            <a:spAutoFit/>
-          </a:bodyPr>
-          <a:lstStyle/>
-          <a:p>
-            <a:r>
-              <a:rPr lang="en-US" altLang="ko-KR" dirty="0"/>
-              <a:t>3</a:t>
-            </a:r>
-            <a:r>
-              <a:rPr lang="en-US" altLang="ko-KR" dirty="0" smtClean="0"/>
-              <a:t> : </a:t>
-            </a:r>
-            <a:r>
-              <a:rPr lang="en-US" altLang="ko-KR" dirty="0" err="1"/>
-              <a:t>server.AcceptTcpClient</a:t>
-            </a:r>
-            <a:r>
-              <a:rPr lang="en-US" altLang="ko-KR" dirty="0"/>
-              <a:t>();</a:t>
-            </a:r>
-            <a:endParaRPr lang="ko-KR" altLang="en-US" dirty="0"/>
-          </a:p>
-        </p:txBody>
-      </p:sp>
-      <p:sp>
-        <p:nvSpPr>
-          <p:cNvPr id="18" name="TextBox 17"/>
-          <p:cNvSpPr txBox="1"/>
-          <p:nvPr/>
-        </p:nvSpPr>
-        <p:spPr>
-          <a:xfrm>
-            <a:off x="7696223" y="4031117"/>
-            <a:ext cx="4246467" cy="369332"/>
-          </a:xfrm>
-          <a:prstGeom prst="rect">
-            <a:avLst/>
-          </a:prstGeom>
-          <a:noFill/>
-        </p:spPr>
-        <p:txBody>
-          <a:bodyPr wrap="square" rtlCol="0">
-            <a:spAutoFit/>
-          </a:bodyPr>
-          <a:lstStyle/>
-          <a:p>
-            <a:r>
-              <a:rPr lang="en-US" altLang="ko-KR" dirty="0" smtClean="0"/>
-              <a:t>4 : stream</a:t>
-            </a:r>
-            <a:r>
-              <a:rPr lang="ko-KR" altLang="en-US" dirty="0" smtClean="0"/>
-              <a:t>을 통한 데이터 전송</a:t>
-            </a:r>
-            <a:endParaRPr lang="ko-KR" altLang="en-US" dirty="0"/>
-          </a:p>
-        </p:txBody>
-      </p:sp>
-      <p:sp>
-        <p:nvSpPr>
-          <p:cNvPr id="19" name="TextBox 18"/>
-          <p:cNvSpPr txBox="1"/>
-          <p:nvPr/>
-        </p:nvSpPr>
-        <p:spPr>
-          <a:xfrm>
-            <a:off x="3401146" y="4148083"/>
-            <a:ext cx="2105697" cy="369332"/>
-          </a:xfrm>
-          <a:prstGeom prst="rect">
-            <a:avLst/>
-          </a:prstGeom>
-          <a:noFill/>
-        </p:spPr>
-        <p:txBody>
-          <a:bodyPr wrap="square" rtlCol="0">
-            <a:spAutoFit/>
-          </a:bodyPr>
-          <a:lstStyle/>
-          <a:p>
-            <a:r>
-              <a:rPr lang="en-US" altLang="ko-KR" dirty="0" smtClean="0"/>
-              <a:t>5 : stream </a:t>
-            </a:r>
-            <a:r>
-              <a:rPr lang="ko-KR" altLang="en-US" dirty="0" smtClean="0"/>
-              <a:t>받기</a:t>
-            </a:r>
-            <a:endParaRPr lang="ko-KR" altLang="en-US" dirty="0"/>
-          </a:p>
-        </p:txBody>
-      </p:sp>
-      <p:sp>
-        <p:nvSpPr>
-          <p:cNvPr id="20" name="TextBox 19"/>
-          <p:cNvSpPr txBox="1"/>
-          <p:nvPr/>
-        </p:nvSpPr>
-        <p:spPr>
-          <a:xfrm>
-            <a:off x="7714544" y="4913736"/>
-            <a:ext cx="2105697" cy="369332"/>
-          </a:xfrm>
-          <a:prstGeom prst="rect">
-            <a:avLst/>
-          </a:prstGeom>
-          <a:noFill/>
-        </p:spPr>
-        <p:txBody>
-          <a:bodyPr wrap="square" rtlCol="0">
-            <a:spAutoFit/>
-          </a:bodyPr>
-          <a:lstStyle/>
-          <a:p>
-            <a:r>
-              <a:rPr lang="en-US" altLang="ko-KR" dirty="0" smtClean="0"/>
-              <a:t>7 : </a:t>
-            </a:r>
-            <a:r>
-              <a:rPr lang="ko-KR" altLang="en-US" dirty="0" smtClean="0"/>
-              <a:t>연결 종료</a:t>
-            </a:r>
-            <a:endParaRPr lang="ko-KR" altLang="en-US" dirty="0"/>
-          </a:p>
-        </p:txBody>
-      </p:sp>
-      <p:sp>
-        <p:nvSpPr>
-          <p:cNvPr id="21" name="TextBox 20"/>
-          <p:cNvSpPr txBox="1"/>
-          <p:nvPr/>
-        </p:nvSpPr>
-        <p:spPr>
-          <a:xfrm>
-            <a:off x="3408712" y="5637286"/>
-            <a:ext cx="3153367" cy="369332"/>
-          </a:xfrm>
-          <a:prstGeom prst="rect">
-            <a:avLst/>
-          </a:prstGeom>
-          <a:noFill/>
-        </p:spPr>
-        <p:txBody>
-          <a:bodyPr wrap="square" rtlCol="0">
-            <a:spAutoFit/>
-          </a:bodyPr>
-          <a:lstStyle/>
-          <a:p>
-            <a:r>
-              <a:rPr lang="en-US" altLang="ko-KR" dirty="0" smtClean="0"/>
-              <a:t>8 : </a:t>
-            </a:r>
-            <a:r>
-              <a:rPr lang="ko-KR" altLang="en-US" dirty="0" smtClean="0"/>
-              <a:t>연결 및 서버 종료</a:t>
-            </a:r>
-            <a:endParaRPr lang="ko-KR" altLang="en-US" dirty="0"/>
-          </a:p>
-        </p:txBody>
-      </p:sp>
-      <p:sp>
-        <p:nvSpPr>
-          <p:cNvPr id="22" name="TextBox 21"/>
-          <p:cNvSpPr txBox="1"/>
-          <p:nvPr/>
-        </p:nvSpPr>
-        <p:spPr>
-          <a:xfrm>
-            <a:off x="3408712" y="4483794"/>
-            <a:ext cx="2105697" cy="369332"/>
-          </a:xfrm>
-          <a:prstGeom prst="rect">
-            <a:avLst/>
-          </a:prstGeom>
-          <a:noFill/>
-        </p:spPr>
-        <p:txBody>
-          <a:bodyPr wrap="square" rtlCol="0">
-            <a:spAutoFit/>
-          </a:bodyPr>
-          <a:lstStyle/>
-          <a:p>
-            <a:r>
-              <a:rPr lang="en-US" altLang="ko-KR" dirty="0"/>
-              <a:t>6</a:t>
-            </a:r>
-            <a:r>
-              <a:rPr lang="en-US" altLang="ko-KR" dirty="0" smtClean="0"/>
-              <a:t> : </a:t>
-            </a:r>
-            <a:r>
-              <a:rPr lang="ko-KR" altLang="en-US" dirty="0" smtClean="0"/>
-              <a:t>데이터 저장</a:t>
-            </a:r>
-            <a:endParaRPr lang="ko-KR" altLang="en-US" dirty="0"/>
-          </a:p>
-        </p:txBody>
-      </p:sp>
-      <p:cxnSp>
-        <p:nvCxnSpPr>
-          <p:cNvPr id="24" name="직선 화살표 연결선 23"/>
-          <p:cNvCxnSpPr/>
-          <p:nvPr/>
-        </p:nvCxnSpPr>
-        <p:spPr>
-          <a:xfrm flipH="1">
-            <a:off x="3371649" y="3224753"/>
-            <a:ext cx="4324576" cy="4102"/>
-          </a:xfrm>
-          <a:prstGeom prst="straightConnector1">
-            <a:avLst/>
-          </a:prstGeom>
-          <a:ln w="12700">
-            <a:solidFill>
-              <a:schemeClr val="tx1">
-                <a:lumMod val="85000"/>
-                <a:lumOff val="15000"/>
-              </a:schemeClr>
-            </a:solidFill>
-            <a:tailEnd type="triangle"/>
-          </a:ln>
-        </p:spPr>
-        <p:style>
-          <a:lnRef idx="1">
-            <a:schemeClr val="accent1"/>
-          </a:lnRef>
-          <a:fillRef idx="0">
-            <a:schemeClr val="accent1"/>
-          </a:fillRef>
-          <a:effectRef idx="0">
-            <a:schemeClr val="accent1"/>
-          </a:effectRef>
-          <a:fontRef idx="minor">
-            <a:schemeClr val="tx1"/>
-          </a:fontRef>
-        </p:style>
-      </p:cxnSp>
-      <p:cxnSp>
-        <p:nvCxnSpPr>
-          <p:cNvPr id="25" name="직선 화살표 연결선 24"/>
-          <p:cNvCxnSpPr/>
-          <p:nvPr/>
-        </p:nvCxnSpPr>
-        <p:spPr>
-          <a:xfrm flipH="1">
-            <a:off x="3371649" y="3901475"/>
-            <a:ext cx="4324576" cy="4102"/>
-          </a:xfrm>
-          <a:prstGeom prst="straightConnector1">
-            <a:avLst/>
-          </a:prstGeom>
-          <a:ln w="12700">
-            <a:solidFill>
-              <a:schemeClr val="tx1">
-                <a:lumMod val="85000"/>
-                <a:lumOff val="15000"/>
-              </a:schemeClr>
-            </a:solidFill>
-            <a:tailEnd type="triangle"/>
-          </a:ln>
-        </p:spPr>
-        <p:style>
-          <a:lnRef idx="1">
-            <a:schemeClr val="accent1"/>
-          </a:lnRef>
-          <a:fillRef idx="0">
-            <a:schemeClr val="accent1"/>
-          </a:fillRef>
-          <a:effectRef idx="0">
-            <a:schemeClr val="accent1"/>
-          </a:effectRef>
-          <a:fontRef idx="minor">
-            <a:schemeClr val="tx1"/>
-          </a:fontRef>
-        </p:style>
-      </p:cxnSp>
-      <p:cxnSp>
-        <p:nvCxnSpPr>
-          <p:cNvPr id="26" name="직선 화살표 연결선 25"/>
-          <p:cNvCxnSpPr/>
-          <p:nvPr/>
-        </p:nvCxnSpPr>
-        <p:spPr>
-          <a:xfrm>
-            <a:off x="3371649" y="4517415"/>
-            <a:ext cx="4285521" cy="0"/>
-          </a:xfrm>
-          <a:prstGeom prst="straightConnector1">
-            <a:avLst/>
-          </a:prstGeom>
-          <a:ln w="12700">
-            <a:solidFill>
-              <a:schemeClr val="tx1">
-                <a:lumMod val="85000"/>
-                <a:lumOff val="15000"/>
-              </a:schemeClr>
-            </a:solidFill>
-            <a:tailEnd type="triangle"/>
-          </a:ln>
-        </p:spPr>
-        <p:style>
-          <a:lnRef idx="1">
-            <a:schemeClr val="accent1"/>
-          </a:lnRef>
-          <a:fillRef idx="0">
-            <a:schemeClr val="accent1"/>
-          </a:fillRef>
-          <a:effectRef idx="0">
-            <a:schemeClr val="accent1"/>
-          </a:effectRef>
-          <a:fontRef idx="minor">
-            <a:schemeClr val="tx1"/>
-          </a:fontRef>
-        </p:style>
-      </p:cxnSp>
-      <p:cxnSp>
-        <p:nvCxnSpPr>
-          <p:cNvPr id="27" name="직선 화살표 연결선 26"/>
-          <p:cNvCxnSpPr/>
-          <p:nvPr/>
-        </p:nvCxnSpPr>
-        <p:spPr>
-          <a:xfrm flipH="1">
-            <a:off x="3362218" y="4147028"/>
-            <a:ext cx="4324576" cy="4102"/>
-          </a:xfrm>
-          <a:prstGeom prst="straightConnector1">
-            <a:avLst/>
-          </a:prstGeom>
-          <a:ln w="12700">
-            <a:solidFill>
-              <a:schemeClr val="tx1">
-                <a:lumMod val="85000"/>
-                <a:lumOff val="15000"/>
-              </a:schemeClr>
-            </a:solidFill>
-            <a:tailEnd type="triangle"/>
-          </a:ln>
-        </p:spPr>
-        <p:style>
-          <a:lnRef idx="1">
-            <a:schemeClr val="accent1"/>
-          </a:lnRef>
-          <a:fillRef idx="0">
-            <a:schemeClr val="accent1"/>
-          </a:fillRef>
-          <a:effectRef idx="0">
-            <a:schemeClr val="accent1"/>
-          </a:effectRef>
-          <a:fontRef idx="minor">
-            <a:schemeClr val="tx1"/>
-          </a:fontRef>
-        </p:style>
-      </p:cxnSp>
-    </p:spTree>
-    <p:extLst>
-      <p:ext uri="{BB962C8B-B14F-4D97-AF65-F5344CB8AC3E}">
-        <p14:creationId xmlns:p14="http://schemas.microsoft.com/office/powerpoint/2010/main" val="451028596"/>
-      </p:ext>
-    </p:extLst>
-  </p:cSld>
-  <p:clrMapOvr>
-    <a:masterClrMapping/>
-  </p:clrMapOvr>
-  <p:timing>
-    <p:tnLst>
-      <p:par>
-        <p:cTn id="1" dur="indefinite" restart="never" nodeType="tmRoot"/>
-      </p:par>
-    </p:tnLst>
-  </p:timing>
-</p:sld>
-</file>
-
-<file path=ppt/slides/slide5.xml><?xml version="1.0" encoding="utf-8"?>
-<p:sld xmlns:a="http://schemas.openxmlformats.org/drawingml/2006/main" xmlns:r="http://schemas.openxmlformats.org/officeDocument/2006/relationships" xmlns:p="http://schemas.openxmlformats.org/presentationml/2006/main">
-  <p:cSld>
-    <p:spTree>
-      <p:nvGrpSpPr>
-        <p:cNvPr id="1" name=""/>
-        <p:cNvGrpSpPr/>
-        <p:nvPr/>
-      </p:nvGrpSpPr>
-      <p:grpSpPr>
-        <a:xfrm>
-          <a:off x="0" y="0"/>
-          <a:ext cx="0" cy="0"/>
-          <a:chOff x="0" y="0"/>
-          <a:chExt cx="0" cy="0"/>
-        </a:xfrm>
-      </p:grpSpPr>
-      <p:sp>
-        <p:nvSpPr>
-          <p:cNvPr id="4" name="TextBox 3"/>
-          <p:cNvSpPr txBox="1"/>
-          <p:nvPr/>
-        </p:nvSpPr>
-        <p:spPr>
-          <a:xfrm>
-            <a:off x="1111776" y="992832"/>
-            <a:ext cx="7582829" cy="461665"/>
-          </a:xfrm>
-          <a:prstGeom prst="rect">
-            <a:avLst/>
-          </a:prstGeom>
-          <a:noFill/>
-        </p:spPr>
-        <p:txBody>
-          <a:bodyPr wrap="square" rtlCol="0">
-            <a:spAutoFit/>
-          </a:bodyPr>
-          <a:lstStyle/>
-          <a:p>
-            <a:r>
-              <a:rPr lang="en-US" altLang="ko-KR" sz="2400" b="1" dirty="0" smtClean="0"/>
-              <a:t> </a:t>
-            </a:r>
-            <a:r>
-              <a:rPr lang="en-US" altLang="ko-KR" sz="2400" b="1" dirty="0" err="1" smtClean="0"/>
-              <a:t>WindowsFormsHost</a:t>
-            </a:r>
-            <a:r>
-              <a:rPr lang="en-US" altLang="ko-KR" sz="2400" b="1" dirty="0" smtClean="0"/>
-              <a:t> </a:t>
-            </a:r>
-            <a:r>
-              <a:rPr lang="en-US" altLang="ko-KR" sz="2400" b="1" dirty="0"/>
-              <a:t>Control</a:t>
-            </a:r>
-            <a:endParaRPr lang="ko-KR" altLang="en-US" sz="2400" b="1" dirty="0"/>
-          </a:p>
-        </p:txBody>
-      </p:sp>
-      <p:sp>
-        <p:nvSpPr>
-          <p:cNvPr id="3" name="TextBox 2"/>
-          <p:cNvSpPr txBox="1"/>
-          <p:nvPr/>
-        </p:nvSpPr>
-        <p:spPr>
-          <a:xfrm>
-            <a:off x="1494262" y="1862254"/>
-            <a:ext cx="7634239" cy="369332"/>
-          </a:xfrm>
-          <a:prstGeom prst="rect">
-            <a:avLst/>
-          </a:prstGeom>
-          <a:noFill/>
-        </p:spPr>
-        <p:txBody>
-          <a:bodyPr wrap="square" rtlCol="0">
-            <a:spAutoFit/>
-          </a:bodyPr>
-          <a:lstStyle/>
-          <a:p>
-            <a:r>
-              <a:rPr lang="ko-KR" altLang="en-US" dirty="0" smtClean="0"/>
-              <a:t>프로토콜 </a:t>
-            </a:r>
-            <a:r>
-              <a:rPr lang="en-US" altLang="ko-KR" dirty="0" smtClean="0"/>
-              <a:t>: </a:t>
-            </a:r>
-            <a:r>
-              <a:rPr lang="ko-KR" altLang="en-US" dirty="0" smtClean="0"/>
-              <a:t>상호간의</a:t>
-            </a:r>
-            <a:r>
-              <a:rPr lang="en-US" altLang="ko-KR" dirty="0" smtClean="0"/>
-              <a:t>(</a:t>
-            </a:r>
-            <a:r>
-              <a:rPr lang="ko-KR" altLang="en-US" dirty="0" smtClean="0"/>
-              <a:t>수신자</a:t>
-            </a:r>
-            <a:r>
-              <a:rPr lang="en-US" altLang="ko-KR" dirty="0" smtClean="0"/>
-              <a:t>-</a:t>
-            </a:r>
-            <a:r>
-              <a:rPr lang="ko-KR" altLang="en-US" dirty="0" smtClean="0"/>
-              <a:t>송신자</a:t>
-            </a:r>
-            <a:r>
-              <a:rPr lang="en-US" altLang="ko-KR" dirty="0" smtClean="0"/>
-              <a:t>) </a:t>
-            </a:r>
-            <a:r>
-              <a:rPr lang="ko-KR" altLang="en-US" dirty="0" smtClean="0"/>
-              <a:t>약속된 데이터 구조를 설계</a:t>
-            </a:r>
-            <a:endParaRPr lang="en-US" altLang="ko-KR" dirty="0" smtClean="0"/>
-          </a:p>
-        </p:txBody>
-      </p:sp>
-      <p:sp>
-        <p:nvSpPr>
-          <p:cNvPr id="5" name="TextBox 4"/>
-          <p:cNvSpPr txBox="1"/>
-          <p:nvPr/>
-        </p:nvSpPr>
-        <p:spPr>
-          <a:xfrm>
-            <a:off x="1494263" y="2546266"/>
-            <a:ext cx="6612674" cy="369332"/>
-          </a:xfrm>
-          <a:prstGeom prst="rect">
-            <a:avLst/>
-          </a:prstGeom>
-          <a:noFill/>
-        </p:spPr>
-        <p:txBody>
-          <a:bodyPr wrap="square" rtlCol="0">
-            <a:spAutoFit/>
-          </a:bodyPr>
-          <a:lstStyle/>
-          <a:p>
-            <a:r>
-              <a:rPr lang="en-US" altLang="ko-KR" dirty="0" smtClean="0"/>
-              <a:t>P. 743~p.760 (</a:t>
-            </a:r>
-            <a:r>
-              <a:rPr lang="ko-KR" altLang="en-US" dirty="0" smtClean="0"/>
-              <a:t>코드</a:t>
-            </a:r>
-            <a:r>
-              <a:rPr lang="en-US" altLang="ko-KR" dirty="0" smtClean="0"/>
-              <a:t>)</a:t>
-            </a:r>
-          </a:p>
-        </p:txBody>
-      </p:sp>
-      <p:sp>
-        <p:nvSpPr>
-          <p:cNvPr id="7" name="Google Shape;107;p15"/>
-          <p:cNvSpPr/>
-          <p:nvPr/>
-        </p:nvSpPr>
-        <p:spPr>
-          <a:xfrm>
-            <a:off x="546409" y="882922"/>
-            <a:ext cx="640080" cy="640080"/>
-          </a:xfrm>
-          <a:prstGeom prst="roundRect">
-            <a:avLst>
-              <a:gd name="adj" fmla="val 29384"/>
-            </a:avLst>
-          </a:prstGeom>
-          <a:solidFill>
-            <a:schemeClr val="accent5">
-              <a:lumMod val="60000"/>
-              <a:lumOff val="40000"/>
-            </a:schemeClr>
-          </a:solidFill>
-          <a:ln>
-            <a:noFill/>
-          </a:ln>
-        </p:spPr>
-        <p:txBody>
-          <a:bodyPr spcFirstLastPara="1" wrap="square" lIns="0" tIns="45700" rIns="0" bIns="45700" anchor="ctr" anchorCtr="0">
-            <a:noAutofit/>
-          </a:bodyPr>
-          <a:lstStyle/>
-          <a:p>
-            <a:pPr marL="0" marR="0" lvl="0" indent="0" algn="ctr" rtl="0">
-              <a:spcBef>
-                <a:spcPts val="0"/>
-              </a:spcBef>
-              <a:spcAft>
-                <a:spcPts val="0"/>
-              </a:spcAft>
-              <a:buNone/>
-            </a:pPr>
-            <a:r>
-              <a:rPr lang="ko-KR" sz="2800" b="1" dirty="0">
-                <a:solidFill>
-                  <a:schemeClr val="lt1"/>
-                </a:solidFill>
-                <a:latin typeface="Arial"/>
-                <a:ea typeface="Arial"/>
-                <a:cs typeface="Arial"/>
-                <a:sym typeface="Arial"/>
-              </a:rPr>
-              <a:t>3</a:t>
-            </a:r>
-            <a:endParaRPr sz="2800" b="1" dirty="0">
-              <a:solidFill>
-                <a:schemeClr val="lt1"/>
-              </a:solidFill>
-              <a:latin typeface="Arial"/>
-              <a:ea typeface="Arial"/>
-              <a:cs typeface="Arial"/>
-              <a:sym typeface="Arial"/>
-            </a:endParaRPr>
-          </a:p>
-        </p:txBody>
-      </p:sp>
-      <p:sp>
-        <p:nvSpPr>
-          <p:cNvPr id="8" name="Google Shape;113;p16"/>
-          <p:cNvSpPr/>
-          <p:nvPr/>
-        </p:nvSpPr>
-        <p:spPr>
-          <a:xfrm>
-            <a:off x="136175" y="174812"/>
-            <a:ext cx="11806517" cy="6535270"/>
-          </a:xfrm>
-          <a:prstGeom prst="rect">
-            <a:avLst/>
-          </a:prstGeom>
-          <a:noFill/>
-          <a:ln w="12700" cap="flat" cmpd="sng">
-            <a:solidFill>
-              <a:schemeClr val="accent5">
-                <a:lumMod val="60000"/>
-                <a:lumOff val="40000"/>
-              </a:schemeClr>
-            </a:solidFill>
-            <a:prstDash val="solid"/>
-            <a:miter lim="8000"/>
-            <a:headEnd type="none" w="sm" len="sm"/>
-            <a:tailEnd type="none" w="sm" len="sm"/>
-          </a:ln>
-        </p:spPr>
-        <p:txBody>
-          <a:bodyPr spcFirstLastPara="1" wrap="square" lIns="91425" tIns="45700" rIns="91425" bIns="45700" anchor="ctr" anchorCtr="0">
-            <a:noAutofit/>
-          </a:bodyPr>
-          <a:lstStyle/>
-          <a:p>
-            <a:pPr marL="0" marR="0" lvl="0" indent="0" algn="ctr" rtl="0">
-              <a:spcBef>
-                <a:spcPts val="0"/>
-              </a:spcBef>
-              <a:spcAft>
-                <a:spcPts val="0"/>
-              </a:spcAft>
-              <a:buNone/>
-            </a:pPr>
-            <a:endParaRPr sz="1800">
-              <a:solidFill>
-                <a:schemeClr val="accent4"/>
-              </a:solidFill>
-              <a:latin typeface="Arial"/>
-              <a:ea typeface="Arial"/>
-              <a:cs typeface="Arial"/>
-              <a:sym typeface="Arial"/>
-            </a:endParaRPr>
-          </a:p>
-        </p:txBody>
-      </p:sp>
-      <p:sp>
-        <p:nvSpPr>
-          <p:cNvPr id="9" name="Google Shape;136;p17"/>
-          <p:cNvSpPr/>
-          <p:nvPr/>
-        </p:nvSpPr>
-        <p:spPr>
-          <a:xfrm>
-            <a:off x="1296231" y="1947905"/>
+            <a:off x="1246566" y="2059523"/>
             <a:ext cx="198032" cy="198031"/>
           </a:xfrm>
           <a:prstGeom prst="ellipse">
             <a:avLst/>
           </a:prstGeom>
           <a:solidFill>
-            <a:schemeClr val="accent5">
-              <a:lumMod val="60000"/>
-              <a:lumOff val="40000"/>
-            </a:schemeClr>
+            <a:schemeClr val="accent4"/>
           </a:solidFill>
           <a:ln>
             <a:noFill/>
@@ -6939,23 +9148,20 @@
       </p:sp>
       <p:sp>
         <p:nvSpPr>
-          <p:cNvPr id="10" name="Google Shape;136;p17"/>
+          <p:cNvPr id="30" name="Google Shape;136;p17"/>
           <p:cNvSpPr/>
           <p:nvPr/>
         </p:nvSpPr>
         <p:spPr>
           <a:xfrm>
-            <a:off x="1296231" y="2644862"/>
+            <a:off x="1246566" y="2770949"/>
             <a:ext cx="198032" cy="198031"/>
           </a:xfrm>
           <a:prstGeom prst="ellipse">
             <a:avLst/>
           </a:prstGeom>
           <a:solidFill>
-            <a:schemeClr val="accent5">
-              <a:lumMod val="60000"/>
-              <a:lumOff val="40000"/>
-            </a:schemeClr>
+            <a:schemeClr val="accent4"/>
           </a:solidFill>
           <a:ln>
             <a:noFill/>
@@ -6990,20 +9196,189 @@
       </p:sp>
       <p:sp>
         <p:nvSpPr>
-          <p:cNvPr id="2" name="직사각형 1"/>
-          <p:cNvSpPr/>
+          <p:cNvPr id="31" name="TextBox 30"/>
+          <p:cNvSpPr txBox="1"/>
           <p:nvPr/>
         </p:nvSpPr>
         <p:spPr>
           <a:xfrm>
-            <a:off x="4909783" y="3437497"/>
-            <a:ext cx="2364816" cy="666980"/>
+            <a:off x="1444598" y="3222505"/>
+            <a:ext cx="9400478" cy="369332"/>
           </a:xfrm>
           <a:prstGeom prst="rect">
             <a:avLst/>
           </a:prstGeom>
+          <a:noFill/>
+        </p:spPr>
+        <p:txBody>
+          <a:bodyPr wrap="square" rtlCol="0">
+            <a:spAutoFit/>
+          </a:bodyPr>
+          <a:lstStyle/>
+          <a:p>
+            <a:r>
+              <a:rPr lang="ko-KR" altLang="en-US" dirty="0" smtClean="0"/>
+              <a:t>별도의 </a:t>
+            </a:r>
+            <a:r>
+              <a:rPr lang="en-US" altLang="ko-KR" dirty="0" smtClean="0"/>
+              <a:t>UI Thread</a:t>
+            </a:r>
+            <a:r>
+              <a:rPr lang="ko-KR" altLang="en-US" dirty="0" smtClean="0"/>
+              <a:t>를 만들거나</a:t>
+            </a:r>
+            <a:r>
+              <a:rPr lang="en-US" altLang="ko-KR" dirty="0" smtClean="0"/>
+              <a:t>, </a:t>
+            </a:r>
+            <a:r>
+              <a:rPr lang="en-US" altLang="ko-KR" u="sng" dirty="0" err="1" smtClean="0"/>
+              <a:t>BackGroundWorker</a:t>
+            </a:r>
+            <a:r>
+              <a:rPr lang="en-US" altLang="ko-KR" u="sng" dirty="0" smtClean="0"/>
+              <a:t> </a:t>
+            </a:r>
+            <a:r>
+              <a:rPr lang="ko-KR" altLang="en-US" u="sng" dirty="0" smtClean="0"/>
+              <a:t>를 이용함</a:t>
+            </a:r>
+            <a:endParaRPr lang="en-US" altLang="ko-KR" u="sng" dirty="0"/>
+          </a:p>
+        </p:txBody>
+      </p:sp>
+      <p:sp>
+        <p:nvSpPr>
+          <p:cNvPr id="36" name="TextBox 35"/>
+          <p:cNvSpPr txBox="1"/>
+          <p:nvPr/>
+        </p:nvSpPr>
+        <p:spPr>
+          <a:xfrm>
+            <a:off x="1991407" y="3845362"/>
+            <a:ext cx="9400478" cy="923330"/>
+          </a:xfrm>
+          <a:prstGeom prst="rect">
+            <a:avLst/>
+          </a:prstGeom>
+          <a:noFill/>
+        </p:spPr>
+        <p:txBody>
+          <a:bodyPr wrap="square" rtlCol="0">
+            <a:spAutoFit/>
+          </a:bodyPr>
+          <a:lstStyle/>
+          <a:p>
+            <a:r>
+              <a:rPr lang="en-US" altLang="ko-KR" b="1" dirty="0" err="1" smtClean="0"/>
+              <a:t>DoWork</a:t>
+            </a:r>
+            <a:r>
+              <a:rPr lang="en-US" altLang="ko-KR" b="1" dirty="0" smtClean="0"/>
+              <a:t> </a:t>
+            </a:r>
+            <a:r>
+              <a:rPr lang="ko-KR" altLang="en-US" dirty="0" smtClean="0"/>
+              <a:t>이벤트 </a:t>
+            </a:r>
+            <a:r>
+              <a:rPr lang="ko-KR" altLang="en-US" dirty="0" err="1"/>
+              <a:t>핸들러를</a:t>
+            </a:r>
+            <a:r>
+              <a:rPr lang="ko-KR" altLang="en-US" dirty="0"/>
+              <a:t> 통해 실제 작업할 내용을 </a:t>
+            </a:r>
+            <a:r>
+              <a:rPr lang="ko-KR" altLang="en-US" dirty="0" smtClean="0"/>
+              <a:t>지정 </a:t>
+            </a:r>
+            <a:r>
+              <a:rPr lang="en-US" altLang="ko-KR" dirty="0" smtClean="0"/>
+              <a:t>=&gt; </a:t>
+            </a:r>
+            <a:r>
+              <a:rPr lang="en-US" altLang="ko-KR" dirty="0"/>
+              <a:t>Worker Thread</a:t>
+            </a:r>
+            <a:endParaRPr lang="en-US" altLang="ko-KR" dirty="0" smtClean="0"/>
+          </a:p>
+          <a:p>
+            <a:r>
+              <a:rPr lang="en-US" altLang="ko-KR" b="1" dirty="0" err="1" smtClean="0"/>
+              <a:t>ProgressChanged</a:t>
+            </a:r>
+            <a:r>
+              <a:rPr lang="en-US" altLang="ko-KR" dirty="0" smtClean="0"/>
+              <a:t> </a:t>
+            </a:r>
+            <a:r>
+              <a:rPr lang="ko-KR" altLang="en-US" dirty="0" smtClean="0"/>
+              <a:t>이벤트를 </a:t>
+            </a:r>
+            <a:r>
+              <a:rPr lang="ko-KR" altLang="en-US" dirty="0"/>
+              <a:t>통해 진척 사항을 </a:t>
+            </a:r>
+            <a:r>
+              <a:rPr lang="ko-KR" altLang="en-US" dirty="0" smtClean="0"/>
+              <a:t>전달하며 </a:t>
+            </a:r>
+            <a:r>
+              <a:rPr lang="en-US" altLang="ko-KR" dirty="0" smtClean="0"/>
+              <a:t>=&gt; </a:t>
+            </a:r>
+            <a:r>
+              <a:rPr lang="en-US" altLang="ko-KR" dirty="0"/>
+              <a:t>UI Thread</a:t>
+            </a:r>
+          </a:p>
+          <a:p>
+            <a:r>
+              <a:rPr lang="en-US" altLang="ko-KR" b="1" dirty="0" err="1" smtClean="0"/>
+              <a:t>RunWorkerCompleted</a:t>
+            </a:r>
+            <a:r>
+              <a:rPr lang="en-US" altLang="ko-KR" dirty="0" smtClean="0"/>
+              <a:t> </a:t>
+            </a:r>
+            <a:r>
+              <a:rPr lang="ko-KR" altLang="en-US" dirty="0"/>
+              <a:t>이벤트를 통해 완료 후 실행될 작업을 </a:t>
+            </a:r>
+            <a:r>
+              <a:rPr lang="ko-KR" altLang="en-US" dirty="0" smtClean="0"/>
+              <a:t>지정 </a:t>
+            </a:r>
+            <a:r>
+              <a:rPr lang="en-US" altLang="ko-KR" dirty="0" smtClean="0"/>
+              <a:t>=&gt; </a:t>
+            </a:r>
+            <a:r>
+              <a:rPr lang="en-US" altLang="ko-KR" dirty="0"/>
+              <a:t>UI Thread</a:t>
+            </a:r>
+            <a:endParaRPr lang="en-US" altLang="ko-KR" u="sng" dirty="0"/>
+          </a:p>
+        </p:txBody>
+      </p:sp>
+      <p:sp>
+        <p:nvSpPr>
+          <p:cNvPr id="5" name="오른쪽 화살표 4"/>
+          <p:cNvSpPr/>
+          <p:nvPr/>
+        </p:nvSpPr>
+        <p:spPr>
+          <a:xfrm>
+            <a:off x="1400172" y="4012051"/>
+            <a:ext cx="562301" cy="589951"/>
+          </a:xfrm>
+          <a:prstGeom prst="rightArrow">
+            <a:avLst/>
+          </a:prstGeom>
           <a:solidFill>
-            <a:schemeClr val="accent5">
+            <a:schemeClr val="accent4">
               <a:lumMod val="60000"/>
               <a:lumOff val="40000"/>
             </a:schemeClr>
@@ -7033,24 +9408,171 @@
           <a:lstStyle/>
           <a:p>
             <a:pPr algn="ctr"/>
-            <a:r>
-              <a:rPr lang="en-US" altLang="ko-KR" b="1" dirty="0" smtClean="0"/>
-              <a:t>File Upload Protocol</a:t>
-            </a:r>
-            <a:endParaRPr lang="ko-KR" altLang="en-US" b="1" dirty="0"/>
-          </a:p>
-        </p:txBody>
-      </p:sp>
-      <p:sp>
-        <p:nvSpPr>
-          <p:cNvPr id="12" name="TextBox 11"/>
+            <a:endParaRPr lang="ko-KR" altLang="en-US"/>
+          </a:p>
+        </p:txBody>
+      </p:sp>
+    </p:spTree>
+    <p:extLst>
+      <p:ext uri="{BB962C8B-B14F-4D97-AF65-F5344CB8AC3E}">
+        <p14:creationId xmlns:p14="http://schemas.microsoft.com/office/powerpoint/2010/main" val="451028596"/>
+      </p:ext>
+    </p:extLst>
+  </p:cSld>
+  <p:clrMapOvr>
+    <a:masterClrMapping/>
+  </p:clrMapOvr>
+  <p:timing>
+    <p:tnLst>
+      <p:par>
+        <p:cTn id="1" dur="indefinite" restart="never" nodeType="tmRoot">
+          <p:childTnLst>
+            <p:seq concurrent="1" nextAc="seek">
+              <p:cTn id="2" dur="indefinite" nodeType="mainSeq">
+                <p:childTnLst>
+                  <p:par>
+                    <p:cTn id="3" fill="hold">
+                      <p:stCondLst>
+                        <p:cond delay="indefinite"/>
+                        <p:cond evt="onBegin" delay="0">
+                          <p:tn val="2"/>
+                        </p:cond>
+                      </p:stCondLst>
+                      <p:childTnLst>
+                        <p:par>
+                          <p:cTn id="4" fill="hold">
+                            <p:stCondLst>
+                              <p:cond delay="0"/>
+                            </p:stCondLst>
+                            <p:childTnLst>
+                              <p:par>
+                                <p:cTn id="5" presetID="10" presetClass="entr" presetSubtype="0" fill="hold" nodeType="withEffect">
+                                  <p:stCondLst>
+                                    <p:cond delay="0"/>
+                                  </p:stCondLst>
+                                  <p:childTnLst>
+                                    <p:set>
+                                      <p:cBhvr>
+                                        <p:cTn id="6" dur="1" fill="hold">
+                                          <p:stCondLst>
+                                            <p:cond delay="0"/>
+                                          </p:stCondLst>
+                                        </p:cTn>
+                                        <p:tgtEl>
+                                          <p:spTgt spid="29"/>
+                                        </p:tgtEl>
+                                        <p:attrNameLst>
+                                          <p:attrName>style.visibility</p:attrName>
+                                        </p:attrNameLst>
+                                      </p:cBhvr>
+                                      <p:to>
+                                        <p:strVal val="visible"/>
+                                      </p:to>
+                                    </p:set>
+                                    <p:animEffect transition="in" filter="fade">
+                                      <p:cBhvr>
+                                        <p:cTn id="7" dur="1000"/>
+                                        <p:tgtEl>
+                                          <p:spTgt spid="29"/>
+                                        </p:tgtEl>
+                                      </p:cBhvr>
+                                    </p:animEffect>
+                                  </p:childTnLst>
+                                </p:cTn>
+                              </p:par>
+                              <p:par>
+                                <p:cTn id="8" presetID="10" presetClass="entr" presetSubtype="0" fill="hold" nodeType="withEffect">
+                                  <p:stCondLst>
+                                    <p:cond delay="0"/>
+                                  </p:stCondLst>
+                                  <p:childTnLst>
+                                    <p:set>
+                                      <p:cBhvr>
+                                        <p:cTn id="9" dur="1" fill="hold">
+                                          <p:stCondLst>
+                                            <p:cond delay="0"/>
+                                          </p:stCondLst>
+                                        </p:cTn>
+                                        <p:tgtEl>
+                                          <p:spTgt spid="30"/>
+                                        </p:tgtEl>
+                                        <p:attrNameLst>
+                                          <p:attrName>style.visibility</p:attrName>
+                                        </p:attrNameLst>
+                                      </p:cBhvr>
+                                      <p:to>
+                                        <p:strVal val="visible"/>
+                                      </p:to>
+                                    </p:set>
+                                    <p:animEffect transition="in" filter="fade">
+                                      <p:cBhvr>
+                                        <p:cTn id="10" dur="1000"/>
+                                        <p:tgtEl>
+                                          <p:spTgt spid="30"/>
+                                        </p:tgtEl>
+                                      </p:cBhvr>
+                                    </p:animEffect>
+                                  </p:childTnLst>
+                                </p:cTn>
+                              </p:par>
+                            </p:childTnLst>
+                          </p:cTn>
+                        </p:par>
+                      </p:childTnLst>
+                    </p:cTn>
+                  </p:par>
+                </p:childTnLst>
+              </p:cTn>
+              <p:prevCondLst>
+                <p:cond evt="onPrev" delay="0">
+                  <p:tgtEl>
+                    <p:sldTgt/>
+                  </p:tgtEl>
+                </p:cond>
+              </p:prevCondLst>
+              <p:nextCondLst>
+                <p:cond evt="onNext" delay="0">
+                  <p:tgtEl>
+                    <p:sldTgt/>
+                  </p:tgtEl>
+                </p:cond>
+              </p:nextCondLst>
+            </p:seq>
+          </p:childTnLst>
+        </p:cTn>
+      </p:par>
+    </p:tnLst>
+  </p:timing>
+</p:sld>
+</file>
+
+<file path=ppt/slides/slide5.xml><?xml version="1.0" encoding="utf-8"?>
+<p:sld xmlns:a="http://schemas.openxmlformats.org/drawingml/2006/main" xmlns:r="http://schemas.openxmlformats.org/officeDocument/2006/relationships" xmlns:p="http://schemas.openxmlformats.org/presentationml/2006/main">
+  <p:cSld>
+    <p:spTree>
+      <p:nvGrpSpPr>
+        <p:cNvPr id="1" name=""/>
+        <p:cNvGrpSpPr/>
+        <p:nvPr/>
+      </p:nvGrpSpPr>
+      <p:grpSpPr>
+        <a:xfrm>
+          <a:off x="0" y="0"/>
+          <a:ext cx="0" cy="0"/>
+          <a:chOff x="0" y="0"/>
+          <a:chExt cx="0" cy="0"/>
+        </a:xfrm>
+      </p:grpSpPr>
+      <p:sp>
+        <p:nvSpPr>
+          <p:cNvPr id="4" name="TextBox 3"/>
           <p:cNvSpPr txBox="1"/>
           <p:nvPr/>
         </p:nvSpPr>
         <p:spPr>
           <a:xfrm>
-            <a:off x="5721496" y="2949765"/>
-            <a:ext cx="760947" cy="430887"/>
+            <a:off x="1111776" y="992832"/>
+            <a:ext cx="7582829" cy="461665"/>
           </a:xfrm>
           <a:prstGeom prst="rect">
             <a:avLst/>
@@ -7064,23 +9586,130 @@
           <a:lstStyle/>
           <a:p>
             <a:r>
-              <a:rPr lang="en-US" altLang="ko-KR" sz="2200" dirty="0" smtClean="0"/>
-              <a:t>DLL</a:t>
-            </a:r>
-            <a:endParaRPr lang="ko-KR" altLang="en-US" sz="2200" dirty="0"/>
-          </a:p>
-        </p:txBody>
-      </p:sp>
-      <p:sp>
-        <p:nvSpPr>
-          <p:cNvPr id="14" name="Google Shape;107;p15"/>
+              <a:rPr lang="en-US" altLang="ko-KR" sz="2400" b="1" dirty="0" smtClean="0"/>
+              <a:t> </a:t>
+            </a:r>
+            <a:r>
+              <a:rPr lang="en-US" altLang="ko-KR" sz="2400" b="1" dirty="0" err="1" smtClean="0"/>
+              <a:t>WindowsFormsHost</a:t>
+            </a:r>
+            <a:r>
+              <a:rPr lang="en-US" altLang="ko-KR" sz="2400" b="1" dirty="0" smtClean="0"/>
+              <a:t> </a:t>
+            </a:r>
+            <a:r>
+              <a:rPr lang="en-US" altLang="ko-KR" sz="2400" b="1" dirty="0"/>
+              <a:t>Control</a:t>
+            </a:r>
+            <a:endParaRPr lang="ko-KR" altLang="en-US" sz="2400" b="1" dirty="0"/>
+          </a:p>
+        </p:txBody>
+      </p:sp>
+      <p:sp>
+        <p:nvSpPr>
+          <p:cNvPr id="3" name="TextBox 2"/>
+          <p:cNvSpPr txBox="1"/>
+          <p:nvPr/>
+        </p:nvSpPr>
+        <p:spPr>
+          <a:xfrm>
+            <a:off x="1494262" y="1862254"/>
+            <a:ext cx="7634239" cy="369332"/>
+          </a:xfrm>
+          <a:prstGeom prst="rect">
+            <a:avLst/>
+          </a:prstGeom>
+          <a:noFill/>
+        </p:spPr>
+        <p:txBody>
+          <a:bodyPr wrap="square" rtlCol="0">
+            <a:spAutoFit/>
+          </a:bodyPr>
+          <a:lstStyle/>
+          <a:p>
+            <a:r>
+              <a:rPr lang="en-US" altLang="ko-KR" dirty="0" smtClean="0"/>
+              <a:t> </a:t>
+            </a:r>
+            <a:r>
+              <a:rPr lang="en-US" altLang="ko-KR" dirty="0" err="1" smtClean="0"/>
+              <a:t>WinForm</a:t>
+            </a:r>
+            <a:r>
+              <a:rPr lang="ko-KR" altLang="en-US" dirty="0" smtClean="0"/>
+              <a:t>에서 사용하는 </a:t>
+            </a:r>
+            <a:r>
+              <a:rPr lang="en-US" altLang="ko-KR" dirty="0" smtClean="0"/>
+              <a:t>Control</a:t>
+            </a:r>
+            <a:r>
+              <a:rPr lang="ko-KR" altLang="en-US" dirty="0" smtClean="0"/>
+              <a:t>들을</a:t>
+            </a:r>
+            <a:r>
+              <a:rPr lang="en-US" altLang="ko-KR" dirty="0"/>
+              <a:t> </a:t>
+            </a:r>
+            <a:r>
+              <a:rPr lang="en-US" altLang="ko-KR" dirty="0" smtClean="0"/>
+              <a:t>WPF</a:t>
+            </a:r>
+            <a:r>
+              <a:rPr lang="ko-KR" altLang="en-US" dirty="0" smtClean="0"/>
+              <a:t>에서 사용할 수 있도록 하기 </a:t>
+            </a:r>
+            <a:endParaRPr lang="en-US" altLang="ko-KR" dirty="0" smtClean="0"/>
+          </a:p>
+        </p:txBody>
+      </p:sp>
+      <p:sp>
+        <p:nvSpPr>
+          <p:cNvPr id="5" name="TextBox 4"/>
+          <p:cNvSpPr txBox="1"/>
+          <p:nvPr/>
+        </p:nvSpPr>
+        <p:spPr>
+          <a:xfrm>
+            <a:off x="1494263" y="2680717"/>
+            <a:ext cx="6612674" cy="369332"/>
+          </a:xfrm>
+          <a:prstGeom prst="rect">
+            <a:avLst/>
+          </a:prstGeom>
+          <a:noFill/>
+        </p:spPr>
+        <p:txBody>
+          <a:bodyPr wrap="square" rtlCol="0">
+            <a:spAutoFit/>
+          </a:bodyPr>
+          <a:lstStyle/>
+          <a:p>
+            <a:r>
+              <a:rPr lang="en-US" altLang="ko-KR" dirty="0" smtClean="0"/>
+              <a:t> EX) NXDL</a:t>
+            </a:r>
+            <a:r>
+              <a:rPr lang="ko-KR" altLang="en-US" dirty="0" smtClean="0"/>
+              <a:t>엔진</a:t>
+            </a:r>
+            <a:r>
+              <a:rPr lang="en-US" altLang="ko-KR" dirty="0" smtClean="0"/>
+              <a:t>, Web Browser Example</a:t>
+            </a:r>
+          </a:p>
+        </p:txBody>
+      </p:sp>
+      <p:sp>
+        <p:nvSpPr>
+          <p:cNvPr id="7" name="Google Shape;107;p15"/>
           <p:cNvSpPr/>
           <p:nvPr/>
         </p:nvSpPr>
         <p:spPr>
           <a:xfrm>
-            <a:off x="1721697" y="4104477"/>
-            <a:ext cx="2155080" cy="640080"/>
+            <a:off x="546409" y="882922"/>
+            <a:ext cx="640080" cy="640080"/>
           </a:xfrm>
           <a:prstGeom prst="roundRect">
             <a:avLst>
@@ -7113,7 +9742,7 @@
               <a:buNone/>
             </a:pPr>
             <a:r>
-              <a:rPr lang="en-US" altLang="ko-KR" b="1" dirty="0" smtClean="0">
+              <a:rPr lang="ko-KR" sz="2800" b="1" dirty="0">
                 <a:solidFill>
                   <a:schemeClr val="lt1"/>
                 </a:solidFill>
@@ -7122,9 +9751,9 @@
                 <a:cs typeface="Arial"/>
                 <a:sym typeface="Arial"/>
               </a:rPr>
-              <a:t>Sender</a:t>
-            </a:r>
-            <a:endParaRPr b="1" dirty="0">
+              <a:t>3</a:t>
+            </a:r>
+            <a:endParaRPr sz="2800" b="1" dirty="0">
               <a:solidFill>
                 <a:schemeClr val="lt1"/>
               </a:solidFill>
@@ -7138,19 +9767,72 @@
       </p:sp>
       <p:sp>
         <p:nvSpPr>
-          <p:cNvPr id="15" name="Google Shape;107;p15"/>
+          <p:cNvPr id="8" name="Google Shape;113;p16"/>
           <p:cNvSpPr/>
           <p:nvPr/>
         </p:nvSpPr>
         <p:spPr>
           <a:xfrm>
-            <a:off x="8531105" y="4104477"/>
-            <a:ext cx="2155080" cy="640080"/>
+            <a:off x="136175" y="174812"/>
+            <a:ext cx="11806517" cy="6535270"/>
           </a:xfrm>
-          <a:prstGeom prst="roundRect">
-            <a:avLst>
-              <a:gd name="adj" fmla="val 29384"/>
-            </a:avLst>
+          <a:prstGeom prst="rect">
+            <a:avLst/>
+          </a:prstGeom>
+          <a:noFill/>
+          <a:ln w="12700" cap="flat" cmpd="sng">
+            <a:solidFill>
+              <a:schemeClr val="accent5">
+                <a:lumMod val="60000"/>
+                <a:lumOff val="40000"/>
+              </a:schemeClr>
+            </a:solidFill>
+            <a:prstDash val="solid"/>
+            <a:miter lim="8000"/>
+            <a:headEnd type="none" w="sm" len="sm"/>
+            <a:tailEnd type="none" w="sm" len="sm"/>
+          </a:ln>
+        </p:spPr>
+        <p:txBody>
+          <a:bodyPr spcFirstLastPara="1" wrap="square" lIns="91425" tIns="45700" rIns="91425" bIns="45700" anchor="ctr" anchorCtr="0">
+            <a:noAutofit/>
+          </a:bodyPr>
+          <a:lstStyle/>
+          <a:p>
+            <a:pPr marL="0" marR="0" lvl="0" indent="0" algn="ctr" rtl="0">
+              <a:spcBef>
+                <a:spcPts val="0"/>
+              </a:spcBef>
+              <a:spcAft>
+                <a:spcPts val="0"/>
+              </a:spcAft>
+              <a:buNone/>
+            </a:pPr>
+            <a:endParaRPr sz="1800">
+              <a:solidFill>
+                <a:schemeClr val="accent4"/>
+              </a:solidFill>
+              <a:latin typeface="Arial"/>
+              <a:ea typeface="Arial"/>
+              <a:cs typeface="Arial"/>
+              <a:sym typeface="Arial"/>
+            </a:endParaRPr>
+          </a:p>
+        </p:txBody>
+      </p:sp>
+      <p:sp>
+        <p:nvSpPr>
+          <p:cNvPr id="9" name="Google Shape;136;p17"/>
+          <p:cNvSpPr/>
+          <p:nvPr/>
+        </p:nvSpPr>
+        <p:spPr>
+          <a:xfrm>
+            <a:off x="1296231" y="1947905"/>
+            <a:ext cx="198032" cy="198031"/>
+          </a:xfrm>
+          <a:prstGeom prst="ellipse">
+            <a:avLst/>
           </a:prstGeom>
           <a:solidFill>
             <a:schemeClr val="accent5">
@@ -7163,7 +9845,7 @@
           </a:ln>
         </p:spPr>
         <p:txBody>
-          <a:bodyPr spcFirstLastPara="1" wrap="square" lIns="0" tIns="45700" rIns="0" bIns="45700" anchor="ctr" anchorCtr="0">
+          <a:bodyPr spcFirstLastPara="1" wrap="square" lIns="91425" tIns="45700" rIns="91425" bIns="45700" anchor="ctr" anchorCtr="0">
             <a:noAutofit/>
           </a:bodyPr>
           <a:lstStyle/>
@@ -7177,19 +9859,7 @@
               </a:spcAft>
               <a:buNone/>
             </a:pPr>
-            <a:r>
-              <a:rPr lang="en-US" altLang="ko-KR" b="1" dirty="0" smtClean="0">
-                <a:solidFill>
-                  <a:schemeClr val="lt1"/>
-                </a:solidFill>
-                <a:latin typeface="Arial"/>
-                <a:ea typeface="Arial"/>
-                <a:cs typeface="Arial"/>
-                <a:sym typeface="Arial"/>
-              </a:rPr>
-              <a:t>Receiver</a:t>
-            </a:r>
-            <a:endParaRPr b="1" dirty="0">
+            <a:endParaRPr sz="1800">
               <a:solidFill>
                 <a:schemeClr val="lt1"/>
               </a:solidFill>
@@ -7203,327 +9873,52 @@
       </p:sp>
       <p:sp>
         <p:nvSpPr>
-          <p:cNvPr id="16" name="TextBox 15"/>
-          <p:cNvSpPr txBox="1"/>
+          <p:cNvPr id="18" name="Google Shape;136;p17"/>
+          <p:cNvSpPr/>
           <p:nvPr/>
         </p:nvSpPr>
         <p:spPr>
           <a:xfrm>
-            <a:off x="2372269" y="3676836"/>
-            <a:ext cx="975366" cy="430887"/>
+            <a:off x="1296231" y="2736969"/>
+            <a:ext cx="198032" cy="198031"/>
           </a:xfrm>
-          <a:prstGeom prst="rect">
+          <a:prstGeom prst="ellipse">
             <a:avLst/>
           </a:prstGeom>
-          <a:noFill/>
-        </p:spPr>
-        <p:txBody>
-          <a:bodyPr wrap="square" rtlCol="0">
-            <a:spAutoFit/>
-          </a:bodyPr>
-          <a:lstStyle/>
-          <a:p>
-            <a:r>
-              <a:rPr lang="en-US" altLang="ko-KR" sz="2200" dirty="0" smtClean="0"/>
-              <a:t>Client</a:t>
-            </a:r>
-            <a:endParaRPr lang="ko-KR" altLang="en-US" sz="2200" dirty="0"/>
-          </a:p>
-        </p:txBody>
-      </p:sp>
-      <p:sp>
-        <p:nvSpPr>
-          <p:cNvPr id="17" name="TextBox 16"/>
-          <p:cNvSpPr txBox="1"/>
-          <p:nvPr/>
-        </p:nvSpPr>
-        <p:spPr>
-          <a:xfrm>
-            <a:off x="9167457" y="3691786"/>
-            <a:ext cx="1138915" cy="430887"/>
-          </a:xfrm>
-          <a:prstGeom prst="rect">
-            <a:avLst/>
-          </a:prstGeom>
-          <a:noFill/>
-        </p:spPr>
-        <p:txBody>
-          <a:bodyPr wrap="square" rtlCol="0">
-            <a:spAutoFit/>
-          </a:bodyPr>
-          <a:lstStyle/>
-          <a:p>
-            <a:r>
-              <a:rPr lang="en-US" altLang="ko-KR" sz="2200" dirty="0" smtClean="0"/>
-              <a:t>Server</a:t>
-            </a:r>
-            <a:endParaRPr lang="ko-KR" altLang="en-US" sz="2200" dirty="0"/>
-          </a:p>
-        </p:txBody>
-      </p:sp>
-      <p:graphicFrame>
-        <p:nvGraphicFramePr>
-          <p:cNvPr id="22" name="표 21"/>
-          <p:cNvGraphicFramePr>
-            <a:graphicFrameLocks noGrp="1"/>
-          </p:cNvGraphicFramePr>
-          <p:nvPr>
-            <p:extLst>
-              <p:ext uri="{D42A27DB-BD31-4B8C-83A1-F6EECF244321}">
-                <p14:modId xmlns:p14="http://schemas.microsoft.com/office/powerpoint/2010/main" val="986097099"/>
-              </p:ext>
-            </p:extLst>
-          </p:nvPr>
-        </p:nvGraphicFramePr>
-        <p:xfrm>
-          <a:off x="4273978" y="4395446"/>
-          <a:ext cx="3628874" cy="1338927"/>
-        </p:xfrm>
-        <a:graphic>
-          <a:graphicData uri="http://schemas.openxmlformats.org/drawingml/2006/table">
-            <a:tbl>
-              <a:tblPr firstRow="1" bandRow="1">
-                <a:tableStyleId>{5C22544A-7EE6-4342-B048-85BDC9FD1C3A}</a:tableStyleId>
-              </a:tblPr>
-              <a:tblGrid>
-                <a:gridCol w="1986053">
-                  <a:extLst>
-                    <a:ext uri="{9D8B030D-6E8A-4147-A177-3AD203B41FA5}">
-                      <a16:colId xmlns:a16="http://schemas.microsoft.com/office/drawing/2014/main" val="4086623308"/>
-                    </a:ext>
-                  </a:extLst>
-                </a:gridCol>
-                <a:gridCol w="1642821">
-                  <a:extLst>
-                    <a:ext uri="{9D8B030D-6E8A-4147-A177-3AD203B41FA5}">
-                      <a16:colId xmlns:a16="http://schemas.microsoft.com/office/drawing/2014/main" val="4122721712"/>
-                    </a:ext>
-                  </a:extLst>
-                </a:gridCol>
-              </a:tblGrid>
-              <a:tr h="424527">
-                <a:tc>
-                  <a:txBody>
-                    <a:bodyPr/>
-                    <a:lstStyle/>
-                    <a:p>
-                      <a:pPr marL="0" marR="0" indent="0" algn="l" defTabSz="914400" rtl="0" eaLnBrk="1" fontAlgn="auto" latinLnBrk="1" hangingPunct="1">
-                        <a:lnSpc>
-                          <a:spcPct val="100000"/>
-                        </a:lnSpc>
-                        <a:spcBef>
-                          <a:spcPts val="0"/>
-                        </a:spcBef>
-                        <a:spcAft>
-                          <a:spcPts val="0"/>
-                        </a:spcAft>
-                        <a:buClrTx/>
-                        <a:buSzTx/>
-                        <a:buFontTx/>
-                        <a:buNone/>
-                        <a:tabLst/>
-                        <a:defRPr/>
-                      </a:pPr>
-                      <a:r>
-                        <a:rPr lang="en-US" altLang="ko-KR" dirty="0" smtClean="0"/>
-                        <a:t>Header</a:t>
-                      </a:r>
-                      <a:endParaRPr lang="ko-KR" altLang="en-US" dirty="0"/>
-                    </a:p>
-                  </a:txBody>
-                  <a:tcPr/>
-                </a:tc>
-                <a:tc>
-                  <a:txBody>
-                    <a:bodyPr/>
-                    <a:lstStyle/>
-                    <a:p>
-                      <a:pPr marL="0" marR="0" indent="0" algn="l" defTabSz="914400" rtl="0" eaLnBrk="1" fontAlgn="auto" latinLnBrk="1" hangingPunct="1">
-                        <a:lnSpc>
-                          <a:spcPct val="100000"/>
-                        </a:lnSpc>
-                        <a:spcBef>
-                          <a:spcPts val="0"/>
-                        </a:spcBef>
-                        <a:spcAft>
-                          <a:spcPts val="0"/>
-                        </a:spcAft>
-                        <a:buClrTx/>
-                        <a:buSzTx/>
-                        <a:buFontTx/>
-                        <a:buNone/>
-                        <a:tabLst/>
-                        <a:defRPr/>
-                      </a:pPr>
-                      <a:r>
-                        <a:rPr lang="en-US" altLang="ko-KR" dirty="0" smtClean="0"/>
-                        <a:t>Body</a:t>
-                      </a:r>
-                      <a:endParaRPr lang="ko-KR" altLang="en-US" dirty="0"/>
-                    </a:p>
-                  </a:txBody>
-                  <a:tcPr/>
-                </a:tc>
-                <a:extLst>
-                  <a:ext uri="{0D108BD9-81ED-4DB2-BD59-A6C34878D82A}">
-                    <a16:rowId xmlns:a16="http://schemas.microsoft.com/office/drawing/2014/main" val="2739594157"/>
-                  </a:ext>
-                </a:extLst>
-              </a:tr>
-              <a:tr h="571294">
-                <a:tc>
-                  <a:txBody>
-                    <a:bodyPr/>
-                    <a:lstStyle/>
-                    <a:p>
-                      <a:pPr latinLnBrk="1"/>
-                      <a:r>
-                        <a:rPr lang="en-US" altLang="ko-KR" dirty="0" err="1" smtClean="0"/>
-                        <a:t>MessageType</a:t>
-                      </a:r>
-                      <a:endParaRPr lang="en-US" altLang="ko-KR" dirty="0" smtClean="0"/>
-                    </a:p>
-                    <a:p>
-                      <a:pPr latinLnBrk="1"/>
-                      <a:r>
-                        <a:rPr lang="en-US" altLang="ko-KR" dirty="0" smtClean="0"/>
-                        <a:t>Body</a:t>
-                      </a:r>
-                      <a:r>
-                        <a:rPr lang="en-US" altLang="ko-KR" baseline="0" dirty="0" smtClean="0"/>
-                        <a:t> Length</a:t>
-                      </a:r>
-                      <a:r>
-                        <a:rPr lang="ko-KR" altLang="en-US" baseline="0" dirty="0" smtClean="0"/>
-                        <a:t> 등</a:t>
-                      </a:r>
-                      <a:endParaRPr lang="en-US" altLang="ko-KR" baseline="0" dirty="0" smtClean="0"/>
-                    </a:p>
-                  </a:txBody>
-                  <a:tcPr/>
-                </a:tc>
-                <a:tc>
-                  <a:txBody>
-                    <a:bodyPr/>
-                    <a:lstStyle/>
-                    <a:p>
-                      <a:pPr latinLnBrk="1"/>
-                      <a:r>
-                        <a:rPr lang="en-US" altLang="ko-KR" dirty="0" err="1" smtClean="0"/>
-                        <a:t>FileName</a:t>
-                      </a:r>
-                      <a:endParaRPr lang="en-US" altLang="ko-KR" dirty="0" smtClean="0"/>
-                    </a:p>
-                    <a:p>
-                      <a:pPr latinLnBrk="1"/>
-                      <a:r>
-                        <a:rPr lang="en-US" altLang="ko-KR" dirty="0" smtClean="0"/>
-                        <a:t>Response</a:t>
-                      </a:r>
-                    </a:p>
-                    <a:p>
-                      <a:pPr latinLnBrk="1"/>
-                      <a:r>
-                        <a:rPr lang="en-US" altLang="ko-KR" dirty="0" smtClean="0"/>
-                        <a:t>Data</a:t>
-                      </a:r>
-                      <a:r>
-                        <a:rPr lang="en-US" altLang="ko-KR" baseline="0" dirty="0" smtClean="0"/>
-                        <a:t> </a:t>
-                      </a:r>
-                      <a:r>
-                        <a:rPr lang="ko-KR" altLang="en-US" baseline="0" dirty="0" smtClean="0"/>
-                        <a:t>등등</a:t>
-                      </a:r>
-                      <a:endParaRPr lang="ko-KR" altLang="en-US" dirty="0"/>
-                    </a:p>
-                  </a:txBody>
-                  <a:tcPr/>
-                </a:tc>
-                <a:extLst>
-                  <a:ext uri="{0D108BD9-81ED-4DB2-BD59-A6C34878D82A}">
-                    <a16:rowId xmlns:a16="http://schemas.microsoft.com/office/drawing/2014/main" val="538796741"/>
-                  </a:ext>
-                </a:extLst>
-              </a:tr>
-            </a:tbl>
-          </a:graphicData>
-        </a:graphic>
-      </p:graphicFrame>
-      <p:cxnSp>
-        <p:nvCxnSpPr>
-          <p:cNvPr id="25" name="직선 화살표 연결선 24"/>
-          <p:cNvCxnSpPr>
-            <a:stCxn id="14" idx="3"/>
-            <a:endCxn id="15" idx="1"/>
-          </p:cNvCxnSpPr>
-          <p:nvPr/>
-        </p:nvCxnSpPr>
-        <p:spPr>
-          <a:xfrm>
-            <a:off x="3876777" y="4424517"/>
-            <a:ext cx="4654328" cy="0"/>
-          </a:xfrm>
-          <a:prstGeom prst="straightConnector1">
-            <a:avLst/>
-          </a:prstGeom>
-          <a:ln w="50800">
-            <a:headEnd type="none"/>
-            <a:tailEnd type="triangle"/>
+          <a:solidFill>
+            <a:schemeClr val="accent5">
+              <a:lumMod val="60000"/>
+              <a:lumOff val="40000"/>
+            </a:schemeClr>
+          </a:solidFill>
+          <a:ln>
+            <a:noFill/>
           </a:ln>
         </p:spPr>
-        <p:style>
-          <a:lnRef idx="1">
-            <a:schemeClr val="accent1"/>
-          </a:lnRef>
-          <a:fillRef idx="0">
-            <a:schemeClr val="accent1"/>
-          </a:fillRef>
-          <a:effectRef idx="0">
-            <a:schemeClr val="accent1"/>
-          </a:effectRef>
-          <a:fontRef idx="minor">
-            <a:schemeClr val="tx1"/>
-          </a:fontRef>
-        </p:style>
-      </p:cxnSp>
-      <p:sp>
-        <p:nvSpPr>
-          <p:cNvPr id="26" name="아래쪽 화살표 25"/>
-          <p:cNvSpPr/>
-          <p:nvPr/>
-        </p:nvSpPr>
-        <p:spPr>
-          <a:xfrm flipH="1">
-            <a:off x="5859778" y="4089942"/>
-            <a:ext cx="506185" cy="320040"/>
-          </a:xfrm>
-          <a:prstGeom prst="downArrow">
-            <a:avLst/>
-          </a:prstGeom>
-        </p:spPr>
-        <p:style>
-          <a:lnRef idx="2">
-            <a:schemeClr val="accent1">
-              <a:shade val="50000"/>
-            </a:schemeClr>
-          </a:lnRef>
-          <a:fillRef idx="1">
-            <a:schemeClr val="accent1"/>
-          </a:fillRef>
-          <a:effectRef idx="0">
-            <a:schemeClr val="accent1"/>
-          </a:effectRef>
-          <a:fontRef idx="minor">
-            <a:schemeClr val="lt1"/>
-          </a:fontRef>
-        </p:style>
-        <p:txBody>
-          <a:bodyPr rtlCol="0" anchor="ctr"/>
-          <a:lstStyle/>
-          <a:p>
-            <a:pPr algn="ctr"/>
-            <a:endParaRPr lang="ko-KR" altLang="en-US"/>
+        <p:txBody>
+          <a:bodyPr spcFirstLastPara="1" wrap="square" lIns="91425" tIns="45700" rIns="91425" bIns="45700" anchor="ctr" anchorCtr="0">
+            <a:noAutofit/>
+          </a:bodyPr>
+          <a:lstStyle/>
+          <a:p>
+            <a:pPr marL="0" marR="0" lvl="0" indent="0" algn="ctr" rtl="0">
+              <a:spcBef>
+                <a:spcPts val="0"/>
+              </a:spcBef>
+              <a:spcAft>
+                <a:spcPts val="0"/>
+              </a:spcAft>
+              <a:buNone/>
+            </a:pPr>
+            <a:endParaRPr sz="1800">
+              <a:solidFill>
+                <a:schemeClr val="lt1"/>
+              </a:solidFill>
+              <a:latin typeface="Arial"/>
+              <a:ea typeface="Arial"/>
+              <a:cs typeface="Arial"/>
+              <a:sym typeface="Arial"/>
+            </a:endParaRPr>
           </a:p>
         </p:txBody>
       </p:sp>
@@ -7609,7 +10004,7 @@
                                           </p:stCondLst>
                                         </p:cTn>
                                         <p:tgtEl>
-                                          <p:spTgt spid="10"/>
+                                          <p:spTgt spid="18"/>
                                         </p:tgtEl>
                                         <p:attrNameLst>
                                           <p:attrName>style.visibility</p:attrName>
@@ -7623,7 +10018,7 @@
                                       <p:cBhvr>
                                         <p:cTn id="10" dur="1000"/>
                                         <p:tgtEl>
-                                          <p:spTgt spid="10"/>
+                                          <p:spTgt spid="18"/>
                                         </p:tgtEl>
                                       </p:cBhvr>
                                     </p:animEffect>
@@ -7686,7 +10081,7 @@
         </p:nvSpPr>
         <p:spPr>
           <a:xfrm>
-            <a:off x="1281044" y="847972"/>
+            <a:off x="1111776" y="992832"/>
             <a:ext cx="7582829" cy="461665"/>
           </a:xfrm>
           <a:prstGeom prst="rect">
@@ -7701,12 +10096,20 @@
           <a:lstStyle/>
           <a:p>
             <a:r>
-              <a:rPr lang="ko-KR" altLang="en-US" sz="2400" b="1" dirty="0"/>
-              <a:t>여러가지 네트워크 전송 </a:t>
-            </a:r>
-            <a:r>
-              <a:rPr lang="ko-KR" altLang="en-US" sz="2400" b="1" dirty="0" smtClean="0"/>
-              <a:t>방식</a:t>
+              <a:rPr lang="en-US" altLang="ko-KR" sz="2400" b="1" dirty="0" smtClean="0"/>
+              <a:t> </a:t>
+            </a:r>
+            <a:r>
+              <a:rPr lang="en-US" altLang="ko-KR" sz="2400" b="1" dirty="0" err="1" smtClean="0"/>
+              <a:t>WindowsFormsHost</a:t>
+            </a:r>
+            <a:r>
+              <a:rPr lang="en-US" altLang="ko-KR" sz="2400" b="1" dirty="0" smtClean="0"/>
+              <a:t> </a:t>
+            </a:r>
+            <a:r>
+              <a:rPr lang="en-US" altLang="ko-KR" sz="2400" b="1" dirty="0"/>
+              <a:t>Control</a:t>
             </a:r>
             <a:endParaRPr lang="ko-KR" altLang="en-US" sz="2400" b="1" dirty="0"/>
           </a:p>
@@ -7714,14 +10117,14 @@
       </p:sp>
       <p:sp>
         <p:nvSpPr>
-          <p:cNvPr id="2" name="TextBox 1"/>
+          <p:cNvPr id="3" name="TextBox 2"/>
           <p:cNvSpPr txBox="1"/>
           <p:nvPr/>
         </p:nvSpPr>
         <p:spPr>
           <a:xfrm>
-            <a:off x="1182029" y="1649941"/>
-            <a:ext cx="9314782" cy="369332"/>
+            <a:off x="1494262" y="1862254"/>
+            <a:ext cx="7634239" cy="646331"/>
           </a:xfrm>
           <a:prstGeom prst="rect">
             <a:avLst/>
@@ -7736,66 +10139,57 @@
           <a:p>
             <a:r>
               <a:rPr lang="en-US" altLang="ko-KR" dirty="0" smtClean="0"/>
-              <a:t>   </a:t>
-            </a:r>
-            <a:r>
-              <a:rPr lang="ko-KR" altLang="en-US" dirty="0" err="1" smtClean="0"/>
-              <a:t>유니캐스트</a:t>
+              <a:t> </a:t>
+            </a:r>
+            <a:r>
+              <a:rPr lang="en-US" altLang="ko-KR" dirty="0" err="1" smtClean="0"/>
+              <a:t>WinForm</a:t>
             </a:r>
             <a:r>
               <a:rPr lang="ko-KR" altLang="en-US" dirty="0" smtClean="0"/>
+              <a:t>에서 사용하는 </a:t>
+            </a:r>
+            <a:r>
+              <a:rPr lang="en-US" altLang="ko-KR" dirty="0" smtClean="0"/>
+              <a:t>Control</a:t>
+            </a:r>
+            <a:r>
+              <a:rPr lang="ko-KR" altLang="en-US" dirty="0" smtClean="0"/>
+              <a:t>들을</a:t>
+            </a:r>
+            <a:r>
+              <a:rPr lang="en-US" altLang="ko-KR" dirty="0"/>
               <a:t> </a:t>
             </a:r>
             <a:r>
               <a:rPr lang="en-US" altLang="ko-KR" dirty="0" smtClean="0"/>
-              <a:t>: 1:1 </a:t>
+              <a:t>WPF</a:t>
             </a:r>
             <a:r>
               <a:rPr lang="ko-KR" altLang="en-US" dirty="0" smtClean="0"/>
-              <a:t>통신방식</a:t>
-            </a:r>
-            <a:r>
-              <a:rPr lang="en-US" altLang="ko-KR" dirty="0" smtClean="0"/>
-              <a:t>,</a:t>
-            </a:r>
+              <a:t>에서 </a:t>
+            </a:r>
+            <a:endParaRPr lang="en-US" altLang="ko-KR" dirty="0" smtClean="0"/>
+          </a:p>
+          <a:p>
             <a:r>
               <a:rPr lang="ko-KR" altLang="en-US" dirty="0" smtClean="0"/>
-              <a:t> </a:t>
-            </a:r>
-            <a:r>
-              <a:rPr lang="en-US" altLang="ko-KR" dirty="0"/>
-              <a:t>MAC </a:t>
-            </a:r>
-            <a:r>
-              <a:rPr lang="ko-KR" altLang="en-US" dirty="0"/>
-              <a:t>기반으로 상대측 </a:t>
-            </a:r>
-            <a:r>
-              <a:rPr lang="en-US" altLang="ko-KR" dirty="0"/>
-              <a:t>IP</a:t>
-            </a:r>
-            <a:r>
-              <a:rPr lang="ko-KR" altLang="en-US" dirty="0"/>
-              <a:t>주소를 </a:t>
-            </a:r>
-            <a:r>
-              <a:rPr lang="ko-KR" altLang="en-US" dirty="0" smtClean="0"/>
-              <a:t>목적지로 설정</a:t>
-            </a:r>
-            <a:endParaRPr lang="ko-KR" altLang="en-US" dirty="0"/>
-          </a:p>
-        </p:txBody>
-      </p:sp>
-      <p:sp>
-        <p:nvSpPr>
-          <p:cNvPr id="7" name="TextBox 6"/>
+              <a:t>사용할 수 있도록 하기 </a:t>
+            </a:r>
+            <a:endParaRPr lang="en-US" altLang="ko-KR" dirty="0" smtClean="0"/>
+          </a:p>
+        </p:txBody>
+      </p:sp>
+      <p:sp>
+        <p:nvSpPr>
+          <p:cNvPr id="5" name="TextBox 4"/>
           <p:cNvSpPr txBox="1"/>
           <p:nvPr/>
         </p:nvSpPr>
         <p:spPr>
           <a:xfrm>
-            <a:off x="1322660" y="2118627"/>
-            <a:ext cx="10620032" cy="369332"/>
+            <a:off x="1494263" y="3077208"/>
+            <a:ext cx="6612674" cy="369332"/>
           </a:xfrm>
           <a:prstGeom prst="rect">
             <a:avLst/>
@@ -7809,49 +10203,156 @@
           <a:lstStyle/>
           <a:p>
             <a:r>
-              <a:rPr lang="en-US" altLang="ko-KR" dirty="0"/>
-              <a:t> </a:t>
-            </a:r>
-            <a:r>
-              <a:rPr lang="ko-KR" altLang="en-US" dirty="0" err="1"/>
-              <a:t>브로드캐스트</a:t>
-            </a:r>
-            <a:r>
-              <a:rPr lang="ko-KR" altLang="en-US" dirty="0"/>
-              <a:t> </a:t>
-            </a:r>
-            <a:r>
-              <a:rPr lang="en-US" altLang="ko-KR" dirty="0"/>
-              <a:t>: </a:t>
-            </a:r>
-            <a:r>
-              <a:rPr lang="ko-KR" altLang="en-US" dirty="0"/>
-              <a:t>같은 네트워크에 포함된 </a:t>
+              <a:rPr lang="en-US" altLang="ko-KR" dirty="0" smtClean="0"/>
+              <a:t> EX) NXDL</a:t>
             </a:r>
             <a:r>
               <a:rPr lang="ko-KR" altLang="en-US" dirty="0" smtClean="0"/>
-              <a:t>장비 전체에 무조건 수신</a:t>
-            </a:r>
-            <a:endParaRPr lang="en-US" altLang="ko-KR" dirty="0" smtClean="0"/>
-          </a:p>
-        </p:txBody>
-      </p:sp>
-      <p:sp>
-        <p:nvSpPr>
-          <p:cNvPr id="8" name="Google Shape;136;p17"/>
+              <a:t>엔진</a:t>
+            </a:r>
+            <a:r>
+              <a:rPr lang="en-US" altLang="ko-KR" dirty="0" smtClean="0"/>
+              <a:t>, Web Browser Example</a:t>
+            </a:r>
+          </a:p>
+        </p:txBody>
+      </p:sp>
+      <p:sp>
+        <p:nvSpPr>
+          <p:cNvPr id="7" name="Google Shape;107;p15"/>
           <p:cNvSpPr/>
           <p:nvPr/>
         </p:nvSpPr>
         <p:spPr>
           <a:xfrm>
-            <a:off x="1182027" y="1735592"/>
+            <a:off x="546409" y="882922"/>
+            <a:ext cx="640080" cy="640080"/>
+          </a:xfrm>
+          <a:prstGeom prst="roundRect">
+            <a:avLst>
+              <a:gd name="adj" fmla="val 29384"/>
+            </a:avLst>
+          </a:prstGeom>
+          <a:solidFill>
+            <a:schemeClr val="accent5">
+              <a:lumMod val="60000"/>
+              <a:lumOff val="40000"/>
+            </a:schemeClr>
+          </a:solidFill>
+          <a:ln>
+            <a:noFill/>
+          </a:ln>
+        </p:spPr>
+        <p:txBody>
+          <a:bodyPr spcFirstLastPara="1" wrap="square" lIns="0" tIns="45700" rIns="0" bIns="45700" anchor="ctr" anchorCtr="0">
+            <a:noAutofit/>
+          </a:bodyPr>
+          <a:lstStyle/>
+          <a:p>
+            <a:pPr marL="0" marR="0" lvl="0" indent="0" algn="ctr" rtl="0">
+              <a:spcBef>
+                <a:spcPts val="0"/>
+              </a:spcBef>
+              <a:spcAft>
+                <a:spcPts val="0"/>
+              </a:spcAft>
+              <a:buNone/>
+            </a:pPr>
+            <a:r>
+              <a:rPr lang="ko-KR" sz="2800" b="1" dirty="0">
+                <a:solidFill>
+                  <a:schemeClr val="lt1"/>
+                </a:solidFill>
+                <a:latin typeface="Arial"/>
+                <a:ea typeface="Arial"/>
+                <a:cs typeface="Arial"/>
+                <a:sym typeface="Arial"/>
+              </a:rPr>
+              <a:t>3</a:t>
+            </a:r>
+            <a:endParaRPr sz="2800" b="1" dirty="0">
+              <a:solidFill>
+                <a:schemeClr val="lt1"/>
+              </a:solidFill>
+              <a:latin typeface="Arial"/>
+              <a:ea typeface="Arial"/>
+              <a:cs typeface="Arial"/>
+              <a:sym typeface="Arial"/>
+            </a:endParaRPr>
+          </a:p>
+        </p:txBody>
+      </p:sp>
+      <p:sp>
+        <p:nvSpPr>
+          <p:cNvPr id="8" name="Google Shape;113;p16"/>
+          <p:cNvSpPr/>
+          <p:nvPr/>
+        </p:nvSpPr>
+        <p:spPr>
+          <a:xfrm>
+            <a:off x="136175" y="174812"/>
+            <a:ext cx="11806517" cy="6535270"/>
+          </a:xfrm>
+          <a:prstGeom prst="rect">
+            <a:avLst/>
+          </a:prstGeom>
+          <a:noFill/>
+          <a:ln w="12700" cap="flat" cmpd="sng">
+            <a:solidFill>
+              <a:schemeClr val="accent5">
+                <a:lumMod val="60000"/>
+                <a:lumOff val="40000"/>
+              </a:schemeClr>
+            </a:solidFill>
+            <a:prstDash val="solid"/>
+            <a:miter lim="8000"/>
+            <a:headEnd type="none" w="sm" len="sm"/>
+            <a:tailEnd type="none" w="sm" len="sm"/>
+          </a:ln>
+        </p:spPr>
+        <p:txBody>
+          <a:bodyPr spcFirstLastPara="1" wrap="square" lIns="91425" tIns="45700" rIns="91425" bIns="45700" anchor="ctr" anchorCtr="0">
+            <a:noAutofit/>
+          </a:bodyPr>
+          <a:lstStyle/>
+          <a:p>
+            <a:pPr marL="0" marR="0" lvl="0" indent="0" algn="ctr" rtl="0">
+              <a:spcBef>
+                <a:spcPts val="0"/>
+              </a:spcBef>
+              <a:spcAft>
+                <a:spcPts val="0"/>
+              </a:spcAft>
+              <a:buNone/>
+            </a:pPr>
+            <a:endParaRPr sz="1800">
+              <a:solidFill>
+                <a:schemeClr val="accent4"/>
+              </a:solidFill>
+              <a:latin typeface="Arial"/>
+              <a:ea typeface="Arial"/>
+              <a:cs typeface="Arial"/>
+              <a:sym typeface="Arial"/>
+            </a:endParaRPr>
+          </a:p>
+        </p:txBody>
+      </p:sp>
+      <p:sp>
+        <p:nvSpPr>
+          <p:cNvPr id="9" name="Google Shape;136;p17"/>
+          <p:cNvSpPr/>
+          <p:nvPr/>
+        </p:nvSpPr>
+        <p:spPr>
+          <a:xfrm>
+            <a:off x="1296231" y="1947905"/>
             <a:ext cx="198032" cy="198031"/>
           </a:xfrm>
           <a:prstGeom prst="ellipse">
             <a:avLst/>
           </a:prstGeom>
           <a:solidFill>
-            <a:schemeClr val="accent2">
+            <a:schemeClr val="accent5">
               <a:lumMod val="60000"/>
               <a:lumOff val="40000"/>
             </a:schemeClr>
@@ -7884,6 +10385,414 @@
               <a:cs typeface="Arial"/>
               <a:sym typeface="Arial"/>
             </a:endParaRPr>
+          </a:p>
+        </p:txBody>
+      </p:sp>
+      <p:sp>
+        <p:nvSpPr>
+          <p:cNvPr id="18" name="Google Shape;136;p17"/>
+          <p:cNvSpPr/>
+          <p:nvPr/>
+        </p:nvSpPr>
+        <p:spPr>
+          <a:xfrm>
+            <a:off x="1296231" y="3133460"/>
+            <a:ext cx="198032" cy="198031"/>
+          </a:xfrm>
+          <a:prstGeom prst="ellipse">
+            <a:avLst/>
+          </a:prstGeom>
+          <a:solidFill>
+            <a:schemeClr val="accent5">
+              <a:lumMod val="60000"/>
+              <a:lumOff val="40000"/>
+            </a:schemeClr>
+          </a:solidFill>
+          <a:ln>
+            <a:noFill/>
+          </a:ln>
+        </p:spPr>
+        <p:txBody>
+          <a:bodyPr spcFirstLastPara="1" wrap="square" lIns="91425" tIns="45700" rIns="91425" bIns="45700" anchor="ctr" anchorCtr="0">
+            <a:noAutofit/>
+          </a:bodyPr>
+          <a:lstStyle/>
+          <a:p>
+            <a:pPr marL="0" marR="0" lvl="0" indent="0" algn="ctr" rtl="0">
+              <a:spcBef>
+                <a:spcPts val="0"/>
+              </a:spcBef>
+              <a:spcAft>
+                <a:spcPts val="0"/>
+              </a:spcAft>
+              <a:buNone/>
+            </a:pPr>
+            <a:endParaRPr sz="1800">
+              <a:solidFill>
+                <a:schemeClr val="lt1"/>
+              </a:solidFill>
+              <a:latin typeface="Arial"/>
+              <a:ea typeface="Arial"/>
+              <a:cs typeface="Arial"/>
+              <a:sym typeface="Arial"/>
+            </a:endParaRPr>
+          </a:p>
+        </p:txBody>
+      </p:sp>
+      <p:pic>
+        <p:nvPicPr>
+          <p:cNvPr id="11" name="그림 10"/>
+          <p:cNvPicPr>
+            <a:picLocks noChangeAspect="1"/>
+          </p:cNvPicPr>
+          <p:nvPr/>
+        </p:nvPicPr>
+        <p:blipFill>
+          <a:blip r:embed="rId3">
+            <a:extLst>
+              <a:ext uri="{28A0092B-C50C-407E-A947-70E740481C1C}">
+                <a14:useLocalDpi xmlns:a14="http://schemas.microsoft.com/office/drawing/2010/main" val="0"/>
+              </a:ext>
+            </a:extLst>
+          </a:blip>
+          <a:stretch>
+            <a:fillRect/>
+          </a:stretch>
+        </p:blipFill>
+        <p:spPr>
+          <a:xfrm>
+            <a:off x="1186488" y="1454497"/>
+            <a:ext cx="8340969" cy="5256732"/>
+          </a:xfrm>
+          <a:prstGeom prst="rect">
+            <a:avLst/>
+          </a:prstGeom>
+        </p:spPr>
+      </p:pic>
+      <p:sp>
+        <p:nvSpPr>
+          <p:cNvPr id="13" name="직사각형 12"/>
+          <p:cNvSpPr/>
+          <p:nvPr/>
+        </p:nvSpPr>
+        <p:spPr>
+          <a:xfrm>
+            <a:off x="2977450" y="2540492"/>
+            <a:ext cx="4534569" cy="223185"/>
+          </a:xfrm>
+          <a:prstGeom prst="rect">
+            <a:avLst/>
+          </a:prstGeom>
+          <a:noFill/>
+          <a:ln w="57150">
+            <a:solidFill>
+              <a:srgbClr val="C00000"/>
+            </a:solidFill>
+          </a:ln>
+        </p:spPr>
+        <p:style>
+          <a:lnRef idx="2">
+            <a:schemeClr val="accent1">
+              <a:shade val="50000"/>
+            </a:schemeClr>
+          </a:lnRef>
+          <a:fillRef idx="1">
+            <a:schemeClr val="accent1"/>
+          </a:fillRef>
+          <a:effectRef idx="0">
+            <a:schemeClr val="accent1"/>
+          </a:effectRef>
+          <a:fontRef idx="minor">
+            <a:schemeClr val="lt1"/>
+          </a:fontRef>
+        </p:style>
+        <p:txBody>
+          <a:bodyPr rtlCol="0" anchor="ctr"/>
+          <a:lstStyle/>
+          <a:p>
+            <a:pPr algn="ctr"/>
+            <a:endParaRPr lang="ko-KR" altLang="en-US"/>
+          </a:p>
+        </p:txBody>
+      </p:sp>
+      <p:sp>
+        <p:nvSpPr>
+          <p:cNvPr id="23" name="직사각형 22"/>
+          <p:cNvSpPr/>
+          <p:nvPr/>
+        </p:nvSpPr>
+        <p:spPr>
+          <a:xfrm>
+            <a:off x="2977449" y="3011113"/>
+            <a:ext cx="4534569" cy="214229"/>
+          </a:xfrm>
+          <a:prstGeom prst="rect">
+            <a:avLst/>
+          </a:prstGeom>
+          <a:noFill/>
+          <a:ln w="57150">
+            <a:solidFill>
+              <a:srgbClr val="C00000"/>
+            </a:solidFill>
+          </a:ln>
+        </p:spPr>
+        <p:style>
+          <a:lnRef idx="2">
+            <a:schemeClr val="accent1">
+              <a:shade val="50000"/>
+            </a:schemeClr>
+          </a:lnRef>
+          <a:fillRef idx="1">
+            <a:schemeClr val="accent1"/>
+          </a:fillRef>
+          <a:effectRef idx="0">
+            <a:schemeClr val="accent1"/>
+          </a:effectRef>
+          <a:fontRef idx="minor">
+            <a:schemeClr val="lt1"/>
+          </a:fontRef>
+        </p:style>
+        <p:txBody>
+          <a:bodyPr rtlCol="0" anchor="ctr"/>
+          <a:lstStyle/>
+          <a:p>
+            <a:pPr algn="ctr"/>
+            <a:endParaRPr lang="ko-KR" altLang="en-US"/>
+          </a:p>
+        </p:txBody>
+      </p:sp>
+      <p:sp>
+        <p:nvSpPr>
+          <p:cNvPr id="24" name="직사각형 23"/>
+          <p:cNvSpPr/>
+          <p:nvPr/>
+        </p:nvSpPr>
+        <p:spPr>
+          <a:xfrm>
+            <a:off x="7421842" y="1751909"/>
+            <a:ext cx="1240240" cy="303320"/>
+          </a:xfrm>
+          <a:prstGeom prst="rect">
+            <a:avLst/>
+          </a:prstGeom>
+          <a:noFill/>
+          <a:ln w="57150">
+            <a:solidFill>
+              <a:srgbClr val="C00000"/>
+            </a:solidFill>
+          </a:ln>
+        </p:spPr>
+        <p:style>
+          <a:lnRef idx="2">
+            <a:schemeClr val="accent1">
+              <a:shade val="50000"/>
+            </a:schemeClr>
+          </a:lnRef>
+          <a:fillRef idx="1">
+            <a:schemeClr val="accent1"/>
+          </a:fillRef>
+          <a:effectRef idx="0">
+            <a:schemeClr val="accent1"/>
+          </a:effectRef>
+          <a:fontRef idx="minor">
+            <a:schemeClr val="lt1"/>
+          </a:fontRef>
+        </p:style>
+        <p:txBody>
+          <a:bodyPr rtlCol="0" anchor="ctr"/>
+          <a:lstStyle/>
+          <a:p>
+            <a:pPr algn="ctr"/>
+            <a:endParaRPr lang="ko-KR" altLang="en-US"/>
+          </a:p>
+        </p:txBody>
+      </p:sp>
+    </p:spTree>
+    <p:extLst>
+      <p:ext uri="{BB962C8B-B14F-4D97-AF65-F5344CB8AC3E}">
+        <p14:creationId xmlns:p14="http://schemas.microsoft.com/office/powerpoint/2010/main" val="841869943"/>
+      </p:ext>
+    </p:extLst>
+  </p:cSld>
+  <p:clrMapOvr>
+    <a:masterClrMapping/>
+  </p:clrMapOvr>
+  <p:timing>
+    <p:tnLst>
+      <p:par>
+        <p:cTn id="1" dur="indefinite" restart="never" nodeType="tmRoot">
+          <p:childTnLst>
+            <p:seq concurrent="1" nextAc="seek">
+              <p:cTn id="2" dur="indefinite" nodeType="mainSeq">
+                <p:childTnLst>
+                  <p:par>
+                    <p:cTn id="3" fill="hold">
+                      <p:stCondLst>
+                        <p:cond delay="indefinite"/>
+                        <p:cond evt="onBegin" delay="0">
+                          <p:tn val="2"/>
+                        </p:cond>
+                      </p:stCondLst>
+                      <p:childTnLst>
+                        <p:par>
+                          <p:cTn id="4" fill="hold">
+                            <p:stCondLst>
+                              <p:cond delay="0"/>
+                            </p:stCondLst>
+                            <p:childTnLst>
+                              <p:par>
+                                <p:cTn id="5" presetID="10" presetClass="entr" presetSubtype="0" fill="hold" nodeType="withEffect">
+                                  <p:stCondLst>
+                                    <p:cond delay="0"/>
+                                  </p:stCondLst>
+                                  <p:childTnLst>
+                                    <p:set>
+                                      <p:cBhvr>
+                                        <p:cTn id="6" dur="1" fill="hold">
+                                          <p:stCondLst>
+                                            <p:cond delay="0"/>
+                                          </p:stCondLst>
+                                        </p:cTn>
+                                        <p:tgtEl>
+                                          <p:spTgt spid="9"/>
+                                        </p:tgtEl>
+                                        <p:attrNameLst>
+                                          <p:attrName>style.visibility</p:attrName>
+                                        </p:attrNameLst>
+                                      </p:cBhvr>
+                                      <p:to>
+                                        <p:strVal val="visible"/>
+                                      </p:to>
+                                    </p:set>
+                                    <p:animEffect transition="in" filter="fade">
+                                      <p:cBhvr>
+                                        <p:cTn id="7" dur="1000"/>
+                                        <p:tgtEl>
+                                          <p:spTgt spid="9"/>
+                                        </p:tgtEl>
+                                      </p:cBhvr>
+                                    </p:animEffect>
+                                  </p:childTnLst>
+                                </p:cTn>
+                              </p:par>
+                              <p:par>
+                                <p:cTn id="8" presetID="10" presetClass="entr" presetSubtype="0" fill="hold" nodeType="withEffect">
+                                  <p:stCondLst>
+                                    <p:cond delay="0"/>
+                                  </p:stCondLst>
+                                  <p:childTnLst>
+                                    <p:set>
+                                      <p:cBhvr>
+                                        <p:cTn id="9" dur="1" fill="hold">
+                                          <p:stCondLst>
+                                            <p:cond delay="0"/>
+                                          </p:stCondLst>
+                                        </p:cTn>
+                                        <p:tgtEl>
+                                          <p:spTgt spid="18"/>
+                                        </p:tgtEl>
+                                        <p:attrNameLst>
+                                          <p:attrName>style.visibility</p:attrName>
+                                        </p:attrNameLst>
+                                      </p:cBhvr>
+                                      <p:to>
+                                        <p:strVal val="visible"/>
+                                      </p:to>
+                                    </p:set>
+                                    <p:animEffect transition="in" filter="fade">
+                                      <p:cBhvr>
+                                        <p:cTn id="10" dur="1000"/>
+                                        <p:tgtEl>
+                                          <p:spTgt spid="18"/>
+                                        </p:tgtEl>
+                                      </p:cBhvr>
+                                    </p:animEffect>
+                                  </p:childTnLst>
+                                </p:cTn>
+                              </p:par>
+                            </p:childTnLst>
+                          </p:cTn>
+                        </p:par>
+                      </p:childTnLst>
+                    </p:cTn>
+                  </p:par>
+                </p:childTnLst>
+              </p:cTn>
+              <p:prevCondLst>
+                <p:cond evt="onPrev" delay="0">
+                  <p:tgtEl>
+                    <p:sldTgt/>
+                  </p:tgtEl>
+                </p:cond>
+              </p:prevCondLst>
+              <p:nextCondLst>
+                <p:cond evt="onNext" delay="0">
+                  <p:tgtEl>
+                    <p:sldTgt/>
+                  </p:tgtEl>
+                </p:cond>
+              </p:nextCondLst>
+            </p:seq>
+          </p:childTnLst>
+        </p:cTn>
+      </p:par>
+    </p:tnLst>
+  </p:timing>
+</p:sld>
+</file>
+
+<file path=ppt/slides/slide7.xml><?xml version="1.0" encoding="utf-8"?>
+<p:sld xmlns:a="http://schemas.openxmlformats.org/drawingml/2006/main" xmlns:r="http://schemas.openxmlformats.org/officeDocument/2006/relationships" xmlns:p="http://schemas.openxmlformats.org/presentationml/2006/main">
+  <p:cSld>
+    <p:spTree>
+      <p:nvGrpSpPr>
+        <p:cNvPr id="1" name=""/>
+        <p:cNvGrpSpPr/>
+        <p:nvPr/>
+      </p:nvGrpSpPr>
+      <p:grpSpPr>
+        <a:xfrm>
+          <a:off x="0" y="0"/>
+          <a:ext cx="0" cy="0"/>
+          <a:chOff x="0" y="0"/>
+          <a:chExt cx="0" cy="0"/>
+        </a:xfrm>
+      </p:grpSpPr>
+      <p:sp>
+        <p:nvSpPr>
+          <p:cNvPr id="4" name="TextBox 3"/>
+          <p:cNvSpPr txBox="1"/>
+          <p:nvPr/>
+        </p:nvSpPr>
+        <p:spPr>
+          <a:xfrm>
+            <a:off x="1281044" y="847972"/>
+            <a:ext cx="7582829" cy="461665"/>
+          </a:xfrm>
+          <a:prstGeom prst="rect">
+            <a:avLst/>
+          </a:prstGeom>
+          <a:noFill/>
+        </p:spPr>
+        <p:txBody>
+          <a:bodyPr wrap="square" rtlCol="0">
+            <a:spAutoFit/>
+          </a:bodyPr>
+          <a:lstStyle/>
+          <a:p>
+            <a:r>
+              <a:rPr lang="ko-KR" altLang="en-US" sz="2400" b="1" dirty="0" smtClean="0"/>
+              <a:t>그 외</a:t>
+            </a:r>
+            <a:r>
+              <a:rPr lang="en-US" altLang="ko-KR" sz="2400" b="1" dirty="0" smtClean="0"/>
+              <a:t>.. </a:t>
+            </a:r>
+            <a:r>
+              <a:rPr lang="en-US" altLang="ko-KR" sz="2400" b="1" dirty="0" err="1" smtClean="0"/>
+              <a:t>ControlTemplate</a:t>
+            </a:r>
+            <a:endParaRPr lang="ko-KR" altLang="en-US" sz="2400" b="1" dirty="0"/>
           </a:p>
         </p:txBody>
       </p:sp>
@@ -8006,13 +10915,74 @@
       </p:sp>
       <p:sp>
         <p:nvSpPr>
-          <p:cNvPr id="11" name="Google Shape;136;p17"/>
+          <p:cNvPr id="19" name="TextBox 18"/>
+          <p:cNvSpPr txBox="1"/>
+          <p:nvPr/>
+        </p:nvSpPr>
+        <p:spPr>
+          <a:xfrm>
+            <a:off x="1473515" y="1754610"/>
+            <a:ext cx="10103969" cy="646331"/>
+          </a:xfrm>
+          <a:prstGeom prst="rect">
+            <a:avLst/>
+          </a:prstGeom>
+          <a:noFill/>
+        </p:spPr>
+        <p:txBody>
+          <a:bodyPr wrap="square" rtlCol="0">
+            <a:spAutoFit/>
+          </a:bodyPr>
+          <a:lstStyle/>
+          <a:p>
+            <a:r>
+              <a:rPr lang="en-US" altLang="ko-KR" dirty="0" smtClean="0"/>
+              <a:t>Template : </a:t>
+            </a:r>
+            <a:r>
+              <a:rPr lang="en-US" altLang="ko-KR" dirty="0"/>
+              <a:t>Object Tree</a:t>
+            </a:r>
+            <a:r>
+              <a:rPr lang="ko-KR" altLang="en-US" dirty="0"/>
+              <a:t>를 만들어내는 ‘틀</a:t>
+            </a:r>
+            <a:r>
+              <a:rPr lang="ko-KR" altLang="en-US" dirty="0" smtClean="0"/>
+              <a:t>’</a:t>
+            </a:r>
+            <a:r>
+              <a:rPr lang="en-US" altLang="ko-KR" dirty="0" smtClean="0"/>
+              <a:t>, </a:t>
+            </a:r>
+            <a:r>
+              <a:rPr lang="ko-KR" altLang="en-US" dirty="0"/>
+              <a:t>개발자와 디자이너가 멋진 시각 효과를 만들고 제품의 </a:t>
+            </a:r>
+            <a:r>
+              <a:rPr lang="en-US" altLang="ko-KR" dirty="0" smtClean="0"/>
+              <a:t>	</a:t>
+            </a:r>
+            <a:r>
+              <a:rPr lang="ko-KR" altLang="en-US" dirty="0" smtClean="0"/>
+              <a:t>모양을 </a:t>
+            </a:r>
+            <a:r>
+              <a:rPr lang="ko-KR" altLang="en-US" dirty="0"/>
+              <a:t>만드는 데 사용할 수 있는 기능 </a:t>
+            </a:r>
+          </a:p>
+        </p:txBody>
+      </p:sp>
+      <p:sp>
+        <p:nvSpPr>
+          <p:cNvPr id="20" name="Google Shape;136;p17"/>
           <p:cNvSpPr/>
           <p:nvPr/>
         </p:nvSpPr>
         <p:spPr>
           <a:xfrm>
-            <a:off x="1182027" y="2221752"/>
+            <a:off x="1182025" y="1840261"/>
             <a:ext cx="198032" cy="198031"/>
           </a:xfrm>
           <a:prstGeom prst="ellipse">
@@ -8055,243 +11025,839 @@
           </a:p>
         </p:txBody>
       </p:sp>
-      <p:pic>
-        <p:nvPicPr>
-          <p:cNvPr id="3" name="그림 2"/>
-          <p:cNvPicPr>
-            <a:picLocks noChangeAspect="1"/>
-          </p:cNvPicPr>
+      <p:sp>
+        <p:nvSpPr>
+          <p:cNvPr id="6" name="TextBox 5"/>
+          <p:cNvSpPr txBox="1"/>
           <p:nvPr/>
-        </p:nvPicPr>
-        <p:blipFill>
-          <a:blip r:embed="rId3" cstate="print">
-            <a:extLst>
-              <a:ext uri="{28A0092B-C50C-407E-A947-70E740481C1C}">
-                <a14:useLocalDpi xmlns:a14="http://schemas.microsoft.com/office/drawing/2010/main" val="0"/>
-              </a:ext>
-            </a:extLst>
-          </a:blip>
-          <a:stretch>
-            <a:fillRect/>
-          </a:stretch>
-        </p:blipFill>
+        </p:nvSpPr>
         <p:spPr>
           <a:xfrm>
-            <a:off x="2547766" y="3940691"/>
-            <a:ext cx="1054076" cy="847972"/>
+            <a:off x="1473515" y="3728385"/>
+            <a:ext cx="10562635" cy="369332"/>
           </a:xfrm>
           <a:prstGeom prst="rect">
             <a:avLst/>
           </a:prstGeom>
+          <a:noFill/>
         </p:spPr>
-      </p:pic>
-      <p:pic>
-        <p:nvPicPr>
-          <p:cNvPr id="13" name="그림 12"/>
-          <p:cNvPicPr>
-            <a:picLocks noChangeAspect="1"/>
-          </p:cNvPicPr>
+        <p:txBody>
+          <a:bodyPr wrap="square" rtlCol="0">
+            <a:spAutoFit/>
+          </a:bodyPr>
+          <a:lstStyle/>
+          <a:p>
+            <a:r>
+              <a:rPr lang="en-US" altLang="ko-KR" dirty="0" smtClean="0"/>
+              <a:t>Text Control</a:t>
+            </a:r>
+            <a:r>
+              <a:rPr lang="ko-KR" altLang="en-US" dirty="0" smtClean="0"/>
+              <a:t>같은 것을 처리하기 위해서</a:t>
+            </a:r>
+            <a:endParaRPr lang="ko-KR" altLang="en-US" dirty="0"/>
+          </a:p>
+        </p:txBody>
+      </p:sp>
+      <p:sp>
+        <p:nvSpPr>
+          <p:cNvPr id="14" name="TextBox 13"/>
+          <p:cNvSpPr txBox="1"/>
           <p:nvPr/>
-        </p:nvPicPr>
-        <p:blipFill>
-          <a:blip r:embed="rId3" cstate="print">
-            <a:extLst>
-              <a:ext uri="{28A0092B-C50C-407E-A947-70E740481C1C}">
-                <a14:useLocalDpi xmlns:a14="http://schemas.microsoft.com/office/drawing/2010/main" val="0"/>
-              </a:ext>
-            </a:extLst>
-          </a:blip>
-          <a:stretch>
-            <a:fillRect/>
-          </a:stretch>
-        </p:blipFill>
+        </p:nvSpPr>
         <p:spPr>
           <a:xfrm>
-            <a:off x="8222250" y="3938780"/>
-            <a:ext cx="1054076" cy="847972"/>
+            <a:off x="1676424" y="4234364"/>
+            <a:ext cx="10562635" cy="369332"/>
           </a:xfrm>
           <a:prstGeom prst="rect">
             <a:avLst/>
           </a:prstGeom>
+          <a:noFill/>
         </p:spPr>
-      </p:pic>
-      <p:pic>
-        <p:nvPicPr>
-          <p:cNvPr id="16" name="그림 15"/>
-          <p:cNvPicPr>
-            <a:picLocks noChangeAspect="1"/>
-          </p:cNvPicPr>
+        <p:txBody>
+          <a:bodyPr wrap="square" rtlCol="0">
+            <a:spAutoFit/>
+          </a:bodyPr>
+          <a:lstStyle/>
+          <a:p>
+            <a:r>
+              <a:rPr lang="en-US" altLang="ko-KR" dirty="0" err="1" smtClean="0"/>
+              <a:t>ContentPresenter</a:t>
+            </a:r>
+            <a:r>
+              <a:rPr lang="ko-KR" altLang="en-US" dirty="0" smtClean="0"/>
+              <a:t>이용</a:t>
+            </a:r>
+            <a:r>
+              <a:rPr lang="en-US" altLang="ko-KR" dirty="0" smtClean="0"/>
+              <a:t>, Content</a:t>
+            </a:r>
+            <a:r>
+              <a:rPr lang="ko-KR" altLang="en-US" dirty="0"/>
+              <a:t>를 표시하는 역할을 하는 </a:t>
+            </a:r>
+            <a:r>
+              <a:rPr lang="ko-KR" altLang="en-US" dirty="0" err="1"/>
+              <a:t>엘리먼트</a:t>
+            </a:r>
+            <a:endParaRPr lang="ko-KR" altLang="en-US" dirty="0"/>
+          </a:p>
+        </p:txBody>
+      </p:sp>
+      <p:sp>
+        <p:nvSpPr>
+          <p:cNvPr id="2" name="오른쪽 화살표 1"/>
+          <p:cNvSpPr/>
           <p:nvPr/>
-        </p:nvPicPr>
-        <p:blipFill>
-          <a:blip r:embed="rId3" cstate="print">
-            <a:extLst>
-              <a:ext uri="{28A0092B-C50C-407E-A947-70E740481C1C}">
-                <a14:useLocalDpi xmlns:a14="http://schemas.microsoft.com/office/drawing/2010/main" val="0"/>
-              </a:ext>
-            </a:extLst>
-          </a:blip>
-          <a:stretch>
-            <a:fillRect/>
-          </a:stretch>
-        </p:blipFill>
+        </p:nvSpPr>
         <p:spPr>
           <a:xfrm>
-            <a:off x="8222250" y="2528836"/>
-            <a:ext cx="1054076" cy="847972"/>
+            <a:off x="1473515" y="4256677"/>
+            <a:ext cx="202909" cy="347020"/>
           </a:xfrm>
-          <a:prstGeom prst="rect">
+          <a:prstGeom prst="rightArrow">
             <a:avLst/>
           </a:prstGeom>
-        </p:spPr>
-      </p:pic>
-      <p:pic>
-        <p:nvPicPr>
-          <p:cNvPr id="17" name="그림 16"/>
-          <p:cNvPicPr>
-            <a:picLocks noChangeAspect="1"/>
-          </p:cNvPicPr>
-          <p:nvPr/>
-        </p:nvPicPr>
-        <p:blipFill>
-          <a:blip r:embed="rId3" cstate="print">
-            <a:extLst>
-              <a:ext uri="{28A0092B-C50C-407E-A947-70E740481C1C}">
-                <a14:useLocalDpi xmlns:a14="http://schemas.microsoft.com/office/drawing/2010/main" val="0"/>
-              </a:ext>
-            </a:extLst>
-          </a:blip>
-          <a:stretch>
-            <a:fillRect/>
-          </a:stretch>
-        </p:blipFill>
-        <p:spPr>
-          <a:xfrm>
-            <a:off x="8222250" y="5348724"/>
-            <a:ext cx="1054076" cy="847972"/>
-          </a:xfrm>
-          <a:prstGeom prst="rect">
-            <a:avLst/>
-          </a:prstGeom>
-        </p:spPr>
-      </p:pic>
-      <p:cxnSp>
-        <p:nvCxnSpPr>
-          <p:cNvPr id="18" name="직선 화살표 연결선 17"/>
-          <p:cNvCxnSpPr>
-            <a:endCxn id="3" idx="3"/>
-          </p:cNvCxnSpPr>
-          <p:nvPr/>
-        </p:nvCxnSpPr>
-        <p:spPr>
-          <a:xfrm flipH="1">
-            <a:off x="3601842" y="4362881"/>
-            <a:ext cx="4405690" cy="1796"/>
-          </a:xfrm>
-          <a:prstGeom prst="straightConnector1">
-            <a:avLst/>
-          </a:prstGeom>
-          <a:ln w="25400">
-            <a:solidFill>
-              <a:schemeClr val="accent1">
-                <a:lumMod val="50000"/>
-              </a:schemeClr>
-            </a:solidFill>
-            <a:headEnd type="triangle"/>
-            <a:tailEnd type="triangle"/>
+          <a:solidFill>
+            <a:schemeClr val="accent2"/>
+          </a:solidFill>
+          <a:ln>
+            <a:noFill/>
           </a:ln>
         </p:spPr>
         <p:style>
-          <a:lnRef idx="1">
-            <a:schemeClr val="accent1"/>
+          <a:lnRef idx="2">
+            <a:schemeClr val="accent1">
+              <a:shade val="50000"/>
+            </a:schemeClr>
           </a:lnRef>
-          <a:fillRef idx="0">
+          <a:fillRef idx="1">
             <a:schemeClr val="accent1"/>
           </a:fillRef>
           <a:effectRef idx="0">
             <a:schemeClr val="accent1"/>
           </a:effectRef>
           <a:fontRef idx="minor">
-            <a:schemeClr val="tx1"/>
+            <a:schemeClr val="lt1"/>
           </a:fontRef>
         </p:style>
-      </p:cxnSp>
-      <p:cxnSp>
-        <p:nvCxnSpPr>
-          <p:cNvPr id="21" name="직선 화살표 연결선 20"/>
-          <p:cNvCxnSpPr/>
+        <p:txBody>
+          <a:bodyPr rtlCol="0" anchor="ctr"/>
+          <a:lstStyle/>
+          <a:p>
+            <a:pPr algn="ctr"/>
+            <a:endParaRPr lang="ko-KR" altLang="en-US"/>
+          </a:p>
+        </p:txBody>
+      </p:sp>
+      <p:sp>
+        <p:nvSpPr>
+          <p:cNvPr id="22" name="TextBox 21"/>
+          <p:cNvSpPr txBox="1"/>
           <p:nvPr/>
-        </p:nvCxnSpPr>
+        </p:nvSpPr>
         <p:spPr>
-          <a:xfrm flipV="1">
-            <a:off x="5721531" y="2979027"/>
-            <a:ext cx="2312126" cy="1383739"/>
+          <a:xfrm>
+            <a:off x="1473515" y="2546804"/>
+            <a:ext cx="7197885" cy="369332"/>
           </a:xfrm>
-          <a:prstGeom prst="straightConnector1">
+          <a:prstGeom prst="rect">
             <a:avLst/>
           </a:prstGeom>
-          <a:ln w="25400">
-            <a:solidFill>
-              <a:schemeClr val="accent5">
-                <a:lumMod val="75000"/>
-              </a:schemeClr>
-            </a:solidFill>
-            <a:tailEnd type="triangle"/>
+          <a:noFill/>
+        </p:spPr>
+        <p:txBody>
+          <a:bodyPr wrap="square" rtlCol="0">
+            <a:spAutoFit/>
+          </a:bodyPr>
+          <a:lstStyle/>
+          <a:p>
+            <a:r>
+              <a:rPr lang="en-US" altLang="ko-KR" dirty="0" err="1" smtClean="0"/>
+              <a:t>ContentTemplate</a:t>
+            </a:r>
+            <a:r>
+              <a:rPr lang="en-US" altLang="ko-KR" dirty="0" smtClean="0"/>
+              <a:t> </a:t>
+            </a:r>
+            <a:r>
+              <a:rPr lang="en-US" altLang="ko-KR" dirty="0"/>
+              <a:t>: </a:t>
+            </a:r>
+            <a:r>
+              <a:rPr lang="en-US" altLang="ko-KR" dirty="0" smtClean="0"/>
+              <a:t>Control</a:t>
+            </a:r>
+            <a:r>
+              <a:rPr lang="ko-KR" altLang="en-US" dirty="0" smtClean="0"/>
+              <a:t>들</a:t>
+            </a:r>
+            <a:r>
+              <a:rPr lang="en-US" altLang="ko-KR" dirty="0" smtClean="0"/>
+              <a:t> </a:t>
+            </a:r>
+            <a:r>
+              <a:rPr lang="ko-KR" altLang="en-US" dirty="0"/>
+              <a:t>그 </a:t>
+            </a:r>
+            <a:r>
+              <a:rPr lang="ko-KR" altLang="en-US" dirty="0" smtClean="0"/>
+              <a:t>자체의 </a:t>
+            </a:r>
+            <a:r>
+              <a:rPr lang="ko-KR" altLang="en-US" dirty="0"/>
+              <a:t>외형을 정의하는 요소</a:t>
+            </a:r>
+          </a:p>
+        </p:txBody>
+      </p:sp>
+      <p:sp>
+        <p:nvSpPr>
+          <p:cNvPr id="23" name="Google Shape;136;p17"/>
+          <p:cNvSpPr/>
+          <p:nvPr/>
+        </p:nvSpPr>
+        <p:spPr>
+          <a:xfrm>
+            <a:off x="1182025" y="2632455"/>
+            <a:ext cx="198032" cy="198031"/>
+          </a:xfrm>
+          <a:prstGeom prst="ellipse">
+            <a:avLst/>
+          </a:prstGeom>
+          <a:solidFill>
+            <a:schemeClr val="accent2">
+              <a:lumMod val="60000"/>
+              <a:lumOff val="40000"/>
+            </a:schemeClr>
+          </a:solidFill>
+          <a:ln>
+            <a:noFill/>
+          </a:ln>
+        </p:spPr>
+        <p:txBody>
+          <a:bodyPr spcFirstLastPara="1" wrap="square" lIns="91425" tIns="45700" rIns="91425" bIns="45700" anchor="ctr" anchorCtr="0">
+            <a:noAutofit/>
+          </a:bodyPr>
+          <a:lstStyle/>
+          <a:p>
+            <a:pPr marL="0" marR="0" lvl="0" indent="0" algn="ctr" rtl="0">
+              <a:spcBef>
+                <a:spcPts val="0"/>
+              </a:spcBef>
+              <a:spcAft>
+                <a:spcPts val="0"/>
+              </a:spcAft>
+              <a:buNone/>
+            </a:pPr>
+            <a:endParaRPr sz="1800">
+              <a:solidFill>
+                <a:schemeClr val="lt1"/>
+              </a:solidFill>
+              <a:latin typeface="Arial"/>
+              <a:ea typeface="Arial"/>
+              <a:cs typeface="Arial"/>
+              <a:sym typeface="Arial"/>
+            </a:endParaRPr>
+          </a:p>
+        </p:txBody>
+      </p:sp>
+      <p:sp>
+        <p:nvSpPr>
+          <p:cNvPr id="24" name="오른쪽 화살표 23"/>
+          <p:cNvSpPr/>
+          <p:nvPr/>
+        </p:nvSpPr>
+        <p:spPr>
+          <a:xfrm>
+            <a:off x="1473515" y="4944118"/>
+            <a:ext cx="202909" cy="347020"/>
+          </a:xfrm>
+          <a:prstGeom prst="rightArrow">
+            <a:avLst/>
+          </a:prstGeom>
+          <a:solidFill>
+            <a:schemeClr val="accent2"/>
+          </a:solidFill>
+          <a:ln>
+            <a:noFill/>
           </a:ln>
         </p:spPr>
         <p:style>
-          <a:lnRef idx="1">
-            <a:schemeClr val="accent1"/>
+          <a:lnRef idx="2">
+            <a:schemeClr val="accent1">
+              <a:shade val="50000"/>
+            </a:schemeClr>
           </a:lnRef>
-          <a:fillRef idx="0">
+          <a:fillRef idx="1">
             <a:schemeClr val="accent1"/>
           </a:fillRef>
           <a:effectRef idx="0">
             <a:schemeClr val="accent1"/>
           </a:effectRef>
           <a:fontRef idx="minor">
-            <a:schemeClr val="tx1"/>
+            <a:schemeClr val="lt1"/>
           </a:fontRef>
         </p:style>
-      </p:cxnSp>
-      <p:cxnSp>
-        <p:nvCxnSpPr>
-          <p:cNvPr id="22" name="직선 화살표 연결선 21"/>
-          <p:cNvCxnSpPr/>
+        <p:txBody>
+          <a:bodyPr rtlCol="0" anchor="ctr"/>
+          <a:lstStyle/>
+          <a:p>
+            <a:pPr algn="ctr"/>
+            <a:endParaRPr lang="ko-KR" altLang="en-US"/>
+          </a:p>
+        </p:txBody>
+      </p:sp>
+      <p:sp>
+        <p:nvSpPr>
+          <p:cNvPr id="25" name="TextBox 24"/>
+          <p:cNvSpPr txBox="1"/>
           <p:nvPr/>
-        </p:nvCxnSpPr>
+        </p:nvSpPr>
         <p:spPr>
           <a:xfrm>
-            <a:off x="5708468" y="4362766"/>
-            <a:ext cx="2273516" cy="1409944"/>
+            <a:off x="1676424" y="4921806"/>
+            <a:ext cx="8824428" cy="646331"/>
           </a:xfrm>
-          <a:prstGeom prst="straightConnector1">
+          <a:prstGeom prst="rect">
             <a:avLst/>
           </a:prstGeom>
-          <a:ln w="25400">
-            <a:solidFill>
-              <a:schemeClr val="accent5">
-                <a:lumMod val="75000"/>
-              </a:schemeClr>
-            </a:solidFill>
-            <a:tailEnd type="triangle"/>
+          <a:noFill/>
+        </p:spPr>
+        <p:txBody>
+          <a:bodyPr wrap="square" rtlCol="0">
+            <a:spAutoFit/>
+          </a:bodyPr>
+          <a:lstStyle/>
+          <a:p>
+            <a:r>
+              <a:rPr lang="en-US" altLang="ko-KR" dirty="0" err="1" smtClean="0"/>
+              <a:t>DataTemplate</a:t>
+            </a:r>
+            <a:r>
+              <a:rPr lang="ko-KR" altLang="en-US" dirty="0" smtClean="0"/>
+              <a:t>을 이용</a:t>
+            </a:r>
+            <a:r>
+              <a:rPr lang="en-US" altLang="ko-KR" dirty="0" smtClean="0"/>
+              <a:t>, Content</a:t>
+            </a:r>
+            <a:r>
+              <a:rPr lang="ko-KR" altLang="en-US" dirty="0"/>
+              <a:t>의 내용을 </a:t>
+            </a:r>
+            <a:r>
+              <a:rPr lang="ko-KR" altLang="en-US" dirty="0" smtClean="0"/>
+              <a:t>단순 </a:t>
+            </a:r>
+            <a:r>
+              <a:rPr lang="en-US" altLang="ko-KR" dirty="0" smtClean="0"/>
+              <a:t>String</a:t>
+            </a:r>
+            <a:r>
+              <a:rPr lang="ko-KR" altLang="en-US" dirty="0" smtClean="0"/>
+              <a:t>이 아닌 다양한 </a:t>
+            </a:r>
+            <a:r>
+              <a:rPr lang="ko-KR" altLang="en-US" dirty="0"/>
+              <a:t>방법으로 출력할 수 있게 된다</a:t>
+            </a:r>
+          </a:p>
+        </p:txBody>
+      </p:sp>
+      <p:sp>
+        <p:nvSpPr>
+          <p:cNvPr id="26" name="Google Shape;136;p17"/>
+          <p:cNvSpPr/>
+          <p:nvPr/>
+        </p:nvSpPr>
+        <p:spPr>
+          <a:xfrm>
+            <a:off x="1180655" y="3814030"/>
+            <a:ext cx="198032" cy="198031"/>
+          </a:xfrm>
+          <a:prstGeom prst="ellipse">
+            <a:avLst/>
+          </a:prstGeom>
+          <a:solidFill>
+            <a:schemeClr val="accent2">
+              <a:lumMod val="60000"/>
+              <a:lumOff val="40000"/>
+            </a:schemeClr>
+          </a:solidFill>
+          <a:ln>
+            <a:noFill/>
           </a:ln>
         </p:spPr>
-        <p:style>
-          <a:lnRef idx="1">
-            <a:schemeClr val="accent1"/>
-          </a:lnRef>
-          <a:fillRef idx="0">
-            <a:schemeClr val="accent1"/>
-          </a:fillRef>
-          <a:effectRef idx="0">
-            <a:schemeClr val="accent1"/>
-          </a:effectRef>
-          <a:fontRef idx="minor">
-            <a:schemeClr val="tx1"/>
-          </a:fontRef>
-        </p:style>
-      </p:cxnSp>
+        <p:txBody>
+          <a:bodyPr spcFirstLastPara="1" wrap="square" lIns="91425" tIns="45700" rIns="91425" bIns="45700" anchor="ctr" anchorCtr="0">
+            <a:noAutofit/>
+          </a:bodyPr>
+          <a:lstStyle/>
+          <a:p>
+            <a:pPr marL="0" marR="0" lvl="0" indent="0" algn="ctr" rtl="0">
+              <a:spcBef>
+                <a:spcPts val="0"/>
+              </a:spcBef>
+              <a:spcAft>
+                <a:spcPts val="0"/>
+              </a:spcAft>
+              <a:buNone/>
+            </a:pPr>
+            <a:endParaRPr sz="1800">
+              <a:solidFill>
+                <a:schemeClr val="lt1"/>
+              </a:solidFill>
+              <a:latin typeface="Arial"/>
+              <a:ea typeface="Arial"/>
+              <a:cs typeface="Arial"/>
+              <a:sym typeface="Arial"/>
+            </a:endParaRPr>
+          </a:p>
+        </p:txBody>
+      </p:sp>
+    </p:spTree>
+    <p:extLst>
+      <p:ext uri="{BB962C8B-B14F-4D97-AF65-F5344CB8AC3E}">
+        <p14:creationId xmlns:p14="http://schemas.microsoft.com/office/powerpoint/2010/main" val="1582813747"/>
+      </p:ext>
+    </p:extLst>
+  </p:cSld>
+  <p:clrMapOvr>
+    <a:masterClrMapping/>
+  </p:clrMapOvr>
+  <p:timing>
+    <p:tnLst>
+      <p:par>
+        <p:cTn id="1" dur="indefinite" restart="never" nodeType="tmRoot"/>
+      </p:par>
+    </p:tnLst>
+  </p:timing>
+</p:sld>
+</file>
+
+<file path=ppt/slides/slide8.xml><?xml version="1.0" encoding="utf-8"?>
+<p:sld xmlns:a="http://schemas.openxmlformats.org/drawingml/2006/main" xmlns:r="http://schemas.openxmlformats.org/officeDocument/2006/relationships" xmlns:p="http://schemas.openxmlformats.org/presentationml/2006/main">
+  <p:cSld>
+    <p:spTree>
+      <p:nvGrpSpPr>
+        <p:cNvPr id="1" name=""/>
+        <p:cNvGrpSpPr/>
+        <p:nvPr/>
+      </p:nvGrpSpPr>
+      <p:grpSpPr>
+        <a:xfrm>
+          <a:off x="0" y="0"/>
+          <a:ext cx="0" cy="0"/>
+          <a:chOff x="0" y="0"/>
+          <a:chExt cx="0" cy="0"/>
+        </a:xfrm>
+      </p:grpSpPr>
+      <p:sp>
+        <p:nvSpPr>
+          <p:cNvPr id="4" name="TextBox 3"/>
+          <p:cNvSpPr txBox="1"/>
+          <p:nvPr/>
+        </p:nvSpPr>
+        <p:spPr>
+          <a:xfrm>
+            <a:off x="1281044" y="847972"/>
+            <a:ext cx="7582829" cy="461665"/>
+          </a:xfrm>
+          <a:prstGeom prst="rect">
+            <a:avLst/>
+          </a:prstGeom>
+          <a:noFill/>
+        </p:spPr>
+        <p:txBody>
+          <a:bodyPr wrap="square" rtlCol="0">
+            <a:spAutoFit/>
+          </a:bodyPr>
+          <a:lstStyle/>
+          <a:p>
+            <a:r>
+              <a:rPr lang="ko-KR" altLang="en-US" sz="2400" b="1" dirty="0" smtClean="0"/>
+              <a:t>그 외</a:t>
+            </a:r>
+            <a:r>
+              <a:rPr lang="en-US" altLang="ko-KR" sz="2400" b="1" dirty="0" smtClean="0"/>
+              <a:t>..</a:t>
+            </a:r>
+            <a:r>
+              <a:rPr lang="en-US" altLang="ko-KR" sz="2400" b="1" dirty="0" err="1" smtClean="0"/>
+              <a:t>StaticResource</a:t>
+            </a:r>
+            <a:r>
+              <a:rPr lang="en-US" altLang="ko-KR" sz="2400" b="1" dirty="0" smtClean="0"/>
+              <a:t>/</a:t>
+            </a:r>
+            <a:r>
+              <a:rPr lang="en-US" altLang="ko-KR" sz="2400" b="1" dirty="0" err="1" smtClean="0"/>
+              <a:t>DynamicResource</a:t>
+            </a:r>
+            <a:endParaRPr lang="ko-KR" altLang="en-US" sz="2400" b="1" dirty="0"/>
+          </a:p>
+        </p:txBody>
+      </p:sp>
+      <p:sp>
+        <p:nvSpPr>
+          <p:cNvPr id="2" name="TextBox 1"/>
+          <p:cNvSpPr txBox="1"/>
+          <p:nvPr/>
+        </p:nvSpPr>
+        <p:spPr>
+          <a:xfrm>
+            <a:off x="1182029" y="1649941"/>
+            <a:ext cx="9377816" cy="369332"/>
+          </a:xfrm>
+          <a:prstGeom prst="rect">
+            <a:avLst/>
+          </a:prstGeom>
+          <a:noFill/>
+        </p:spPr>
+        <p:txBody>
+          <a:bodyPr wrap="square" rtlCol="0">
+            <a:spAutoFit/>
+          </a:bodyPr>
+          <a:lstStyle/>
+          <a:p>
+            <a:r>
+              <a:rPr lang="en-US" altLang="ko-KR" dirty="0" smtClean="0"/>
+              <a:t>   </a:t>
+            </a:r>
+            <a:r>
+              <a:rPr lang="en-US" altLang="ko-KR" dirty="0" err="1"/>
+              <a:t>StaticResource</a:t>
+            </a:r>
+            <a:r>
+              <a:rPr lang="ko-KR" altLang="en-US" dirty="0" smtClean="0"/>
+              <a:t> </a:t>
+            </a:r>
+            <a:r>
+              <a:rPr lang="en-US" altLang="ko-KR" dirty="0" smtClean="0"/>
+              <a:t>: </a:t>
+            </a:r>
+            <a:r>
+              <a:rPr lang="ko-KR" altLang="en-US" dirty="0"/>
+              <a:t>리소스를 </a:t>
+            </a:r>
+            <a:r>
+              <a:rPr lang="ko-KR" altLang="en-US" dirty="0" smtClean="0"/>
+              <a:t>최초 한번만 등록</a:t>
+            </a:r>
+            <a:r>
+              <a:rPr lang="en-US" altLang="ko-KR" dirty="0" smtClean="0"/>
+              <a:t>,</a:t>
+            </a:r>
+            <a:r>
+              <a:rPr lang="ko-KR" altLang="en-US" dirty="0"/>
+              <a:t> </a:t>
+            </a:r>
+            <a:r>
+              <a:rPr lang="ko-KR" altLang="en-US" dirty="0" smtClean="0"/>
+              <a:t>변경되지 않음</a:t>
+            </a:r>
+            <a:endParaRPr lang="ko-KR" altLang="en-US" dirty="0"/>
+          </a:p>
+        </p:txBody>
+      </p:sp>
+      <p:sp>
+        <p:nvSpPr>
+          <p:cNvPr id="7" name="TextBox 6"/>
+          <p:cNvSpPr txBox="1"/>
+          <p:nvPr/>
+        </p:nvSpPr>
+        <p:spPr>
+          <a:xfrm>
+            <a:off x="1322660" y="2295603"/>
+            <a:ext cx="10620032" cy="646331"/>
+          </a:xfrm>
+          <a:prstGeom prst="rect">
+            <a:avLst/>
+          </a:prstGeom>
+          <a:noFill/>
+        </p:spPr>
+        <p:txBody>
+          <a:bodyPr wrap="square" rtlCol="0">
+            <a:spAutoFit/>
+          </a:bodyPr>
+          <a:lstStyle/>
+          <a:p>
+            <a:r>
+              <a:rPr lang="en-US" altLang="ko-KR" dirty="0"/>
+              <a:t> </a:t>
+            </a:r>
+            <a:r>
+              <a:rPr lang="en-US" altLang="ko-KR" dirty="0" err="1"/>
+              <a:t>DynamicResource</a:t>
+            </a:r>
+            <a:r>
+              <a:rPr lang="ko-KR" altLang="en-US" dirty="0" smtClean="0"/>
+              <a:t> </a:t>
+            </a:r>
+            <a:r>
+              <a:rPr lang="en-US" altLang="ko-KR" dirty="0"/>
+              <a:t>: </a:t>
+            </a:r>
+            <a:r>
+              <a:rPr lang="en-US" altLang="ko-KR" dirty="0" smtClean="0"/>
+              <a:t> </a:t>
+            </a:r>
+            <a:r>
+              <a:rPr lang="ko-KR" altLang="en-US" dirty="0" smtClean="0"/>
+              <a:t>리소스를 추가 제거 및 변경할 수 있으며</a:t>
+            </a:r>
+            <a:r>
+              <a:rPr lang="en-US" altLang="ko-KR" dirty="0" smtClean="0"/>
+              <a:t>,</a:t>
+            </a:r>
+            <a:r>
+              <a:rPr lang="ko-KR" altLang="en-US" dirty="0" smtClean="0"/>
+              <a:t> </a:t>
+            </a:r>
+            <a:r>
+              <a:rPr lang="ko-KR" altLang="en-US" dirty="0"/>
+              <a:t>리소스가 참조될 때마다 </a:t>
+            </a:r>
+            <a:endParaRPr lang="en-US" altLang="ko-KR" dirty="0" smtClean="0"/>
+          </a:p>
+          <a:p>
+            <a:r>
+              <a:rPr lang="ko-KR" altLang="en-US" dirty="0" smtClean="0"/>
+              <a:t>리소스를 </a:t>
+            </a:r>
+            <a:r>
+              <a:rPr lang="ko-KR" altLang="en-US" dirty="0"/>
+              <a:t>다시 </a:t>
+            </a:r>
+            <a:r>
+              <a:rPr lang="ko-KR" altLang="en-US" dirty="0" smtClean="0"/>
+              <a:t>읽어오는 구조</a:t>
+            </a:r>
+            <a:endParaRPr lang="en-US" altLang="ko-KR" dirty="0" smtClean="0"/>
+          </a:p>
+        </p:txBody>
+      </p:sp>
+      <p:sp>
+        <p:nvSpPr>
+          <p:cNvPr id="8" name="Google Shape;136;p17"/>
+          <p:cNvSpPr/>
+          <p:nvPr/>
+        </p:nvSpPr>
+        <p:spPr>
+          <a:xfrm>
+            <a:off x="1182027" y="1735592"/>
+            <a:ext cx="198032" cy="198031"/>
+          </a:xfrm>
+          <a:prstGeom prst="ellipse">
+            <a:avLst/>
+          </a:prstGeom>
+          <a:solidFill>
+            <a:schemeClr val="accent2">
+              <a:lumMod val="60000"/>
+              <a:lumOff val="40000"/>
+            </a:schemeClr>
+          </a:solidFill>
+          <a:ln>
+            <a:noFill/>
+          </a:ln>
+        </p:spPr>
+        <p:txBody>
+          <a:bodyPr spcFirstLastPara="1" wrap="square" lIns="91425" tIns="45700" rIns="91425" bIns="45700" anchor="ctr" anchorCtr="0">
+            <a:noAutofit/>
+          </a:bodyPr>
+          <a:lstStyle/>
+          <a:p>
+            <a:pPr marL="0" marR="0" lvl="0" indent="0" algn="ctr" rtl="0">
+              <a:spcBef>
+                <a:spcPts val="0"/>
+              </a:spcBef>
+              <a:spcAft>
+                <a:spcPts val="0"/>
+              </a:spcAft>
+              <a:buNone/>
+            </a:pPr>
+            <a:endParaRPr sz="1800">
+              <a:solidFill>
+                <a:schemeClr val="lt1"/>
+              </a:solidFill>
+              <a:latin typeface="Arial"/>
+              <a:ea typeface="Arial"/>
+              <a:cs typeface="Arial"/>
+              <a:sym typeface="Arial"/>
+            </a:endParaRPr>
+          </a:p>
+        </p:txBody>
+      </p:sp>
+      <p:sp>
+        <p:nvSpPr>
+          <p:cNvPr id="9" name="Google Shape;107;p15"/>
+          <p:cNvSpPr/>
+          <p:nvPr/>
+        </p:nvSpPr>
+        <p:spPr>
+          <a:xfrm>
+            <a:off x="541947" y="748277"/>
+            <a:ext cx="640080" cy="640080"/>
+          </a:xfrm>
+          <a:prstGeom prst="roundRect">
+            <a:avLst>
+              <a:gd name="adj" fmla="val 29384"/>
+            </a:avLst>
+          </a:prstGeom>
+          <a:solidFill>
+            <a:schemeClr val="accent2">
+              <a:lumMod val="60000"/>
+              <a:lumOff val="40000"/>
+            </a:schemeClr>
+          </a:solidFill>
+          <a:ln>
+            <a:noFill/>
+          </a:ln>
+        </p:spPr>
+        <p:txBody>
+          <a:bodyPr spcFirstLastPara="1" wrap="square" lIns="0" tIns="45700" rIns="0" bIns="45700" anchor="ctr" anchorCtr="0">
+            <a:noAutofit/>
+          </a:bodyPr>
+          <a:lstStyle/>
+          <a:p>
+            <a:pPr marL="0" marR="0" lvl="0" indent="0" algn="ctr" rtl="0">
+              <a:spcBef>
+                <a:spcPts val="0"/>
+              </a:spcBef>
+              <a:spcAft>
+                <a:spcPts val="0"/>
+              </a:spcAft>
+              <a:buNone/>
+            </a:pPr>
+            <a:r>
+              <a:rPr lang="en-US" altLang="ko-KR" sz="2800" b="1" dirty="0" smtClean="0">
+                <a:solidFill>
+                  <a:schemeClr val="lt1"/>
+                </a:solidFill>
+                <a:latin typeface="Arial"/>
+                <a:ea typeface="Arial"/>
+                <a:cs typeface="Arial"/>
+                <a:sym typeface="Arial"/>
+              </a:rPr>
+              <a:t>4</a:t>
+            </a:r>
+            <a:endParaRPr sz="2800" b="1" dirty="0">
+              <a:solidFill>
+                <a:schemeClr val="lt1"/>
+              </a:solidFill>
+              <a:latin typeface="Arial"/>
+              <a:ea typeface="Arial"/>
+              <a:cs typeface="Arial"/>
+              <a:sym typeface="Arial"/>
+            </a:endParaRPr>
+          </a:p>
+        </p:txBody>
+      </p:sp>
+      <p:sp>
+        <p:nvSpPr>
+          <p:cNvPr id="10" name="Google Shape;113;p16"/>
+          <p:cNvSpPr/>
+          <p:nvPr/>
+        </p:nvSpPr>
+        <p:spPr>
+          <a:xfrm>
+            <a:off x="136175" y="174812"/>
+            <a:ext cx="11806517" cy="6535270"/>
+          </a:xfrm>
+          <a:prstGeom prst="rect">
+            <a:avLst/>
+          </a:prstGeom>
+          <a:noFill/>
+          <a:ln w="12700" cap="flat" cmpd="sng">
+            <a:solidFill>
+              <a:schemeClr val="accent2"/>
+            </a:solidFill>
+            <a:prstDash val="solid"/>
+            <a:miter lim="8000"/>
+            <a:headEnd type="none" w="sm" len="sm"/>
+            <a:tailEnd type="none" w="sm" len="sm"/>
+          </a:ln>
+        </p:spPr>
+        <p:txBody>
+          <a:bodyPr spcFirstLastPara="1" wrap="square" lIns="91425" tIns="45700" rIns="91425" bIns="45700" anchor="ctr" anchorCtr="0">
+            <a:noAutofit/>
+          </a:bodyPr>
+          <a:lstStyle/>
+          <a:p>
+            <a:pPr marL="0" marR="0" lvl="0" indent="0" algn="ctr" rtl="0">
+              <a:spcBef>
+                <a:spcPts val="0"/>
+              </a:spcBef>
+              <a:spcAft>
+                <a:spcPts val="0"/>
+              </a:spcAft>
+              <a:buNone/>
+            </a:pPr>
+            <a:endParaRPr sz="1800">
+              <a:solidFill>
+                <a:schemeClr val="accent4"/>
+              </a:solidFill>
+              <a:latin typeface="Arial"/>
+              <a:ea typeface="Arial"/>
+              <a:cs typeface="Arial"/>
+              <a:sym typeface="Arial"/>
+            </a:endParaRPr>
+          </a:p>
+        </p:txBody>
+      </p:sp>
+      <p:sp>
+        <p:nvSpPr>
+          <p:cNvPr id="11" name="Google Shape;136;p17"/>
+          <p:cNvSpPr/>
+          <p:nvPr/>
+        </p:nvSpPr>
+        <p:spPr>
+          <a:xfrm>
+            <a:off x="1182027" y="2398728"/>
+            <a:ext cx="198032" cy="198031"/>
+          </a:xfrm>
+          <a:prstGeom prst="ellipse">
+            <a:avLst/>
+          </a:prstGeom>
+          <a:solidFill>
+            <a:schemeClr val="accent2">
+              <a:lumMod val="60000"/>
+              <a:lumOff val="40000"/>
+            </a:schemeClr>
+          </a:solidFill>
+          <a:ln>
+            <a:noFill/>
+          </a:ln>
+        </p:spPr>
+        <p:txBody>
+          <a:bodyPr spcFirstLastPara="1" wrap="square" lIns="91425" tIns="45700" rIns="91425" bIns="45700" anchor="ctr" anchorCtr="0">
+            <a:noAutofit/>
+          </a:bodyPr>
+          <a:lstStyle/>
+          <a:p>
+            <a:pPr marL="0" marR="0" lvl="0" indent="0" algn="ctr" rtl="0">
+              <a:spcBef>
+                <a:spcPts val="0"/>
+              </a:spcBef>
+              <a:spcAft>
+                <a:spcPts val="0"/>
+              </a:spcAft>
+              <a:buNone/>
+            </a:pPr>
+            <a:endParaRPr sz="1800">
+              <a:solidFill>
+                <a:schemeClr val="lt1"/>
+              </a:solidFill>
+              <a:latin typeface="Arial"/>
+              <a:ea typeface="Arial"/>
+              <a:cs typeface="Arial"/>
+              <a:sym typeface="Arial"/>
+            </a:endParaRPr>
+          </a:p>
+        </p:txBody>
+      </p:sp>
     </p:spTree>
     <p:extLst>
       <p:ext uri="{BB962C8B-B14F-4D97-AF65-F5344CB8AC3E}">
@@ -8368,7 +11934,7 @@
                             </p:stCondLst>
                             <p:childTnLst>
                               <p:par>
-                                <p:cTn id="9" presetID="1" presetClass="entr" presetSubtype="0" fill="hold" nodeType="clickEffect">
+                                <p:cTn id="9" presetID="1" presetClass="entr" presetSubtype="0" fill="hold" grpId="0" nodeType="clickEffect">
                                   <p:stCondLst>
                                     <p:cond delay="0"/>
                                   </p:stCondLst>
@@ -8381,124 +11947,7 @@
                                           </p:stCondLst>
                                         </p:cTn>
                                         <p:tgtEl>
-                                          <p:spTgt spid="18"/>
-                                        </p:tgtEl>
-                                        <p:attrNameLst>
-                                          <p:attrName>style.visibility</p:attrName>
-                                        </p:attrNameLst>
-                                      </p:cBhvr>
-                                      <p:to>
-                                        <p:strVal val="visible"/>
-                                      </p:to>
-                                    </p:set>
-                                  </p:childTnLst>
-                                </p:cTn>
-                              </p:par>
-                            </p:childTnLst>
-                          </p:cTn>
-                        </p:par>
-                      </p:childTnLst>
-                    </p:cTn>
-                  </p:par>
-                  <p:par>
-                    <p:cTn id="11" fill="hold">
-                      <p:stCondLst>
-                        <p:cond delay="indefinite"/>
-                      </p:stCondLst>
-                      <p:childTnLst>
-                        <p:par>
-                          <p:cTn id="12" fill="hold">
-                            <p:stCondLst>
-                              <p:cond delay="0"/>
-                            </p:stCondLst>
-                            <p:childTnLst>
-                              <p:par>
-                                <p:cTn id="13" presetID="1" presetClass="entr" presetSubtype="0" fill="hold" grpId="0" nodeType="clickEffect">
-                                  <p:stCondLst>
-                                    <p:cond delay="0"/>
-                                  </p:stCondLst>
-                                  <p:childTnLst>
-                                    <p:set>
-                                      <p:cBhvr>
-                                        <p:cTn id="14" dur="1" fill="hold">
-                                          <p:stCondLst>
-                                            <p:cond delay="0"/>
-                                          </p:stCondLst>
-                                        </p:cTn>
-                                        <p:tgtEl>
                                           <p:spTgt spid="7"/>
-                                        </p:tgtEl>
-                                        <p:attrNameLst>
-                                          <p:attrName>style.visibility</p:attrName>
-                                        </p:attrNameLst>
-                                      </p:cBhvr>
-                                      <p:to>
-                                        <p:strVal val="visible"/>
-                                      </p:to>
-                                    </p:set>
-                                  </p:childTnLst>
-                                </p:cTn>
-                              </p:par>
-                            </p:childTnLst>
-                          </p:cTn>
-                        </p:par>
-                      </p:childTnLst>
-                    </p:cTn>
-                  </p:par>
-                  <p:par>
-                    <p:cTn id="15" fill="hold">
-                      <p:stCondLst>
-                        <p:cond delay="indefinite"/>
-                      </p:stCondLst>
-                      <p:childTnLst>
-                        <p:par>
-                          <p:cTn id="16" fill="hold">
-                            <p:stCondLst>
-                              <p:cond delay="0"/>
-                            </p:stCondLst>
-                            <p:childTnLst>
-                              <p:par>
-                                <p:cTn id="17" presetID="1" presetClass="entr" presetSubtype="0" fill="hold" nodeType="clickEffect">
-                                  <p:stCondLst>
-                                    <p:cond delay="0"/>
-                                  </p:stCondLst>
-                                  <p:childTnLst>
-                                    <p:set>
-                                      <p:cBhvr>
-                                        <p:cTn id="18" dur="1" fill="hold">
-                                          <p:stCondLst>
-                                            <p:cond delay="0"/>
-                                          </p:stCondLst>
-                                        </p:cTn>
-                                        <p:tgtEl>
-                                          <p:spTgt spid="21"/>
-                                        </p:tgtEl>
-                                        <p:attrNameLst>
-                                          <p:attrName>style.visibility</p:attrName>
-                                        </p:attrNameLst>
-                                      </p:cBhvr>
-                                      <p:to>
-                                        <p:strVal val="visible"/>
-                                      </p:to>
-                                    </p:set>
-                                  </p:childTnLst>
-                                </p:cTn>
-                              </p:par>
-                              <p:par>
-                                <p:cTn id="19" presetID="1" presetClass="entr" presetSubtype="0" fill="hold" nodeType="withEffect">
-                                  <p:stCondLst>
-                                    <p:cond delay="0"/>
-                                  </p:stCondLst>
-                                  <p:childTnLst>
-                                    <p:set>
-                                      <p:cBhvr>
-                                        <p:cTn id="20" dur="1" fill="hold">
-                                          <p:stCondLst>
-                                            <p:cond delay="0"/>
-                                          </p:stCondLst>
-                                        </p:cTn>
-                                        <p:tgtEl>
-                                          <p:spTgt spid="22"/>
                                         </p:tgtEl>
                                         <p:attrNameLst>
                                           <p:attrName>style.visibility</p:attrName>
@@ -8546,7 +11995,7 @@
 </p:sld>
 </file>
 
-<file path=ppt/slides/slide7.xml><?xml version="1.0" encoding="utf-8"?>
+<file path=ppt/slides/slide9.xml><?xml version="1.0" encoding="utf-8"?>
 <p:sld xmlns:a="http://schemas.openxmlformats.org/drawingml/2006/main" xmlns:r="http://schemas.openxmlformats.org/officeDocument/2006/relationships" xmlns:p="http://schemas.openxmlformats.org/presentationml/2006/main">
   <p:cSld>
     <p:spTree>
@@ -8565,693 +12014,13 @@
       </p:grpSpPr>
       <p:sp>
         <p:nvSpPr>
-          <p:cNvPr id="4" name="TextBox 3"/>
-          <p:cNvSpPr txBox="1"/>
-          <p:nvPr/>
-        </p:nvSpPr>
-        <p:spPr>
-          <a:xfrm>
-            <a:off x="1281044" y="847972"/>
-            <a:ext cx="7582829" cy="461665"/>
-          </a:xfrm>
-          <a:prstGeom prst="rect">
-            <a:avLst/>
-          </a:prstGeom>
-          <a:noFill/>
-        </p:spPr>
-        <p:txBody>
-          <a:bodyPr wrap="square" rtlCol="0">
-            <a:spAutoFit/>
-          </a:bodyPr>
-          <a:lstStyle/>
-          <a:p>
-            <a:r>
-              <a:rPr lang="ko-KR" altLang="en-US" sz="2400" b="1" dirty="0"/>
-              <a:t>여러가지 네트워크 전송 </a:t>
-            </a:r>
-            <a:r>
-              <a:rPr lang="ko-KR" altLang="en-US" sz="2400" b="1" dirty="0" smtClean="0"/>
-              <a:t>방식</a:t>
-            </a:r>
-            <a:endParaRPr lang="ko-KR" altLang="en-US" sz="2400" b="1" dirty="0"/>
-          </a:p>
-        </p:txBody>
-      </p:sp>
-      <p:sp>
-        <p:nvSpPr>
-          <p:cNvPr id="9" name="Google Shape;107;p15"/>
-          <p:cNvSpPr/>
-          <p:nvPr/>
-        </p:nvSpPr>
-        <p:spPr>
-          <a:xfrm>
-            <a:off x="541947" y="748277"/>
-            <a:ext cx="640080" cy="640080"/>
-          </a:xfrm>
-          <a:prstGeom prst="roundRect">
-            <a:avLst>
-              <a:gd name="adj" fmla="val 29384"/>
-            </a:avLst>
-          </a:prstGeom>
-          <a:solidFill>
-            <a:schemeClr val="accent2">
-              <a:lumMod val="60000"/>
-              <a:lumOff val="40000"/>
-            </a:schemeClr>
-          </a:solidFill>
-          <a:ln>
-            <a:noFill/>
-          </a:ln>
-        </p:spPr>
-        <p:txBody>
-          <a:bodyPr spcFirstLastPara="1" wrap="square" lIns="0" tIns="45700" rIns="0" bIns="45700" anchor="ctr" anchorCtr="0">
-            <a:noAutofit/>
-          </a:bodyPr>
-          <a:lstStyle/>
-          <a:p>
-            <a:pPr marL="0" marR="0" lvl="0" indent="0" algn="ctr" rtl="0">
-              <a:spcBef>
-                <a:spcPts val="0"/>
-              </a:spcBef>
-              <a:spcAft>
-                <a:spcPts val="0"/>
-              </a:spcAft>
-              <a:buNone/>
-            </a:pPr>
-            <a:r>
-              <a:rPr lang="en-US" altLang="ko-KR" sz="2800" b="1" dirty="0" smtClean="0">
-                <a:solidFill>
-                  <a:schemeClr val="lt1"/>
-                </a:solidFill>
-                <a:latin typeface="Arial"/>
-                <a:ea typeface="Arial"/>
-                <a:cs typeface="Arial"/>
-                <a:sym typeface="Arial"/>
-              </a:rPr>
-              <a:t>4</a:t>
-            </a:r>
-            <a:endParaRPr sz="2800" b="1" dirty="0">
-              <a:solidFill>
-                <a:schemeClr val="lt1"/>
-              </a:solidFill>
-              <a:latin typeface="Arial"/>
-              <a:ea typeface="Arial"/>
-              <a:cs typeface="Arial"/>
-              <a:sym typeface="Arial"/>
-            </a:endParaRPr>
-          </a:p>
-        </p:txBody>
-      </p:sp>
-      <p:sp>
-        <p:nvSpPr>
-          <p:cNvPr id="10" name="Google Shape;113;p16"/>
-          <p:cNvSpPr/>
-          <p:nvPr/>
-        </p:nvSpPr>
-        <p:spPr>
-          <a:xfrm>
-            <a:off x="136175" y="174812"/>
-            <a:ext cx="11806517" cy="6535270"/>
-          </a:xfrm>
-          <a:prstGeom prst="rect">
-            <a:avLst/>
-          </a:prstGeom>
-          <a:noFill/>
-          <a:ln w="12700" cap="flat" cmpd="sng">
-            <a:solidFill>
-              <a:schemeClr val="accent2"/>
-            </a:solidFill>
-            <a:prstDash val="solid"/>
-            <a:miter lim="8000"/>
-            <a:headEnd type="none" w="sm" len="sm"/>
-            <a:tailEnd type="none" w="sm" len="sm"/>
-          </a:ln>
-        </p:spPr>
-        <p:txBody>
-          <a:bodyPr spcFirstLastPara="1" wrap="square" lIns="91425" tIns="45700" rIns="91425" bIns="45700" anchor="ctr" anchorCtr="0">
-            <a:noAutofit/>
-          </a:bodyPr>
-          <a:lstStyle/>
-          <a:p>
-            <a:pPr marL="0" marR="0" lvl="0" indent="0" algn="ctr" rtl="0">
-              <a:spcBef>
-                <a:spcPts val="0"/>
-              </a:spcBef>
-              <a:spcAft>
-                <a:spcPts val="0"/>
-              </a:spcAft>
-              <a:buNone/>
-            </a:pPr>
-            <a:endParaRPr sz="1800">
-              <a:solidFill>
-                <a:schemeClr val="accent4"/>
-              </a:solidFill>
-              <a:latin typeface="Arial"/>
-              <a:ea typeface="Arial"/>
-              <a:cs typeface="Arial"/>
-              <a:sym typeface="Arial"/>
-            </a:endParaRPr>
-          </a:p>
-        </p:txBody>
-      </p:sp>
-      <p:pic>
-        <p:nvPicPr>
-          <p:cNvPr id="3" name="그림 2"/>
-          <p:cNvPicPr>
-            <a:picLocks noChangeAspect="1"/>
-          </p:cNvPicPr>
-          <p:nvPr/>
-        </p:nvPicPr>
-        <p:blipFill>
-          <a:blip r:embed="rId2" cstate="print">
-            <a:extLst>
-              <a:ext uri="{28A0092B-C50C-407E-A947-70E740481C1C}">
-                <a14:useLocalDpi xmlns:a14="http://schemas.microsoft.com/office/drawing/2010/main" val="0"/>
-              </a:ext>
-            </a:extLst>
-          </a:blip>
-          <a:stretch>
-            <a:fillRect/>
-          </a:stretch>
-        </p:blipFill>
-        <p:spPr>
-          <a:xfrm>
-            <a:off x="2547766" y="3940691"/>
-            <a:ext cx="1054076" cy="847972"/>
-          </a:xfrm>
-          <a:prstGeom prst="rect">
-            <a:avLst/>
-          </a:prstGeom>
-        </p:spPr>
-      </p:pic>
-      <p:pic>
-        <p:nvPicPr>
-          <p:cNvPr id="13" name="그림 12"/>
-          <p:cNvPicPr>
-            <a:picLocks noChangeAspect="1"/>
-          </p:cNvPicPr>
-          <p:nvPr/>
-        </p:nvPicPr>
-        <p:blipFill>
-          <a:blip r:embed="rId2" cstate="print">
-            <a:extLst>
-              <a:ext uri="{28A0092B-C50C-407E-A947-70E740481C1C}">
-                <a14:useLocalDpi xmlns:a14="http://schemas.microsoft.com/office/drawing/2010/main" val="0"/>
-              </a:ext>
-            </a:extLst>
-          </a:blip>
-          <a:stretch>
-            <a:fillRect/>
-          </a:stretch>
-        </p:blipFill>
-        <p:spPr>
-          <a:xfrm>
-            <a:off x="8222250" y="3938780"/>
-            <a:ext cx="1054076" cy="847972"/>
-          </a:xfrm>
-          <a:prstGeom prst="rect">
-            <a:avLst/>
-          </a:prstGeom>
-        </p:spPr>
-      </p:pic>
-      <p:pic>
-        <p:nvPicPr>
-          <p:cNvPr id="16" name="그림 15"/>
-          <p:cNvPicPr>
-            <a:picLocks noChangeAspect="1"/>
-          </p:cNvPicPr>
-          <p:nvPr/>
-        </p:nvPicPr>
-        <p:blipFill>
-          <a:blip r:embed="rId2" cstate="print">
-            <a:extLst>
-              <a:ext uri="{28A0092B-C50C-407E-A947-70E740481C1C}">
-                <a14:useLocalDpi xmlns:a14="http://schemas.microsoft.com/office/drawing/2010/main" val="0"/>
-              </a:ext>
-            </a:extLst>
-          </a:blip>
-          <a:stretch>
-            <a:fillRect/>
-          </a:stretch>
-        </p:blipFill>
-        <p:spPr>
-          <a:xfrm>
-            <a:off x="8222250" y="2528836"/>
-            <a:ext cx="1054076" cy="847972"/>
-          </a:xfrm>
-          <a:prstGeom prst="rect">
-            <a:avLst/>
-          </a:prstGeom>
-        </p:spPr>
-      </p:pic>
-      <p:pic>
-        <p:nvPicPr>
-          <p:cNvPr id="17" name="그림 16"/>
-          <p:cNvPicPr>
-            <a:picLocks noChangeAspect="1"/>
-          </p:cNvPicPr>
-          <p:nvPr/>
-        </p:nvPicPr>
-        <p:blipFill>
-          <a:blip r:embed="rId2" cstate="print">
-            <a:extLst>
-              <a:ext uri="{28A0092B-C50C-407E-A947-70E740481C1C}">
-                <a14:useLocalDpi xmlns:a14="http://schemas.microsoft.com/office/drawing/2010/main" val="0"/>
-              </a:ext>
-            </a:extLst>
-          </a:blip>
-          <a:stretch>
-            <a:fillRect/>
-          </a:stretch>
-        </p:blipFill>
-        <p:spPr>
-          <a:xfrm>
-            <a:off x="8222250" y="5348724"/>
-            <a:ext cx="1054076" cy="847972"/>
-          </a:xfrm>
-          <a:prstGeom prst="rect">
-            <a:avLst/>
-          </a:prstGeom>
-        </p:spPr>
-      </p:pic>
-      <p:cxnSp>
-        <p:nvCxnSpPr>
-          <p:cNvPr id="18" name="직선 화살표 연결선 17"/>
-          <p:cNvCxnSpPr>
-            <a:endCxn id="3" idx="3"/>
-          </p:cNvCxnSpPr>
-          <p:nvPr/>
-        </p:nvCxnSpPr>
-        <p:spPr>
-          <a:xfrm flipH="1">
-            <a:off x="3601842" y="4362881"/>
-            <a:ext cx="4405690" cy="1796"/>
-          </a:xfrm>
-          <a:prstGeom prst="straightConnector1">
-            <a:avLst/>
-          </a:prstGeom>
-          <a:ln w="25400">
-            <a:solidFill>
-              <a:schemeClr val="accent1">
-                <a:lumMod val="50000"/>
-              </a:schemeClr>
-            </a:solidFill>
-            <a:headEnd type="triangle"/>
-            <a:tailEnd type="triangle"/>
-          </a:ln>
-        </p:spPr>
-        <p:style>
-          <a:lnRef idx="1">
-            <a:schemeClr val="accent1"/>
-          </a:lnRef>
-          <a:fillRef idx="0">
-            <a:schemeClr val="accent1"/>
-          </a:fillRef>
-          <a:effectRef idx="0">
-            <a:schemeClr val="accent1"/>
-          </a:effectRef>
-          <a:fontRef idx="minor">
-            <a:schemeClr val="tx1"/>
-          </a:fontRef>
-        </p:style>
-      </p:cxnSp>
-      <p:cxnSp>
-        <p:nvCxnSpPr>
-          <p:cNvPr id="21" name="직선 화살표 연결선 20"/>
-          <p:cNvCxnSpPr/>
-          <p:nvPr/>
-        </p:nvCxnSpPr>
-        <p:spPr>
-          <a:xfrm flipV="1">
-            <a:off x="5721531" y="2979027"/>
-            <a:ext cx="2312126" cy="1383739"/>
-          </a:xfrm>
-          <a:prstGeom prst="straightConnector1">
-            <a:avLst/>
-          </a:prstGeom>
-          <a:ln w="25400">
-            <a:solidFill>
-              <a:schemeClr val="accent5">
-                <a:lumMod val="75000"/>
-              </a:schemeClr>
-            </a:solidFill>
-            <a:tailEnd type="triangle"/>
-          </a:ln>
-        </p:spPr>
-        <p:style>
-          <a:lnRef idx="1">
-            <a:schemeClr val="accent1"/>
-          </a:lnRef>
-          <a:fillRef idx="0">
-            <a:schemeClr val="accent1"/>
-          </a:fillRef>
-          <a:effectRef idx="0">
-            <a:schemeClr val="accent1"/>
-          </a:effectRef>
-          <a:fontRef idx="minor">
-            <a:schemeClr val="tx1"/>
-          </a:fontRef>
-        </p:style>
-      </p:cxnSp>
-      <p:sp>
-        <p:nvSpPr>
-          <p:cNvPr id="19" name="TextBox 18"/>
-          <p:cNvSpPr txBox="1"/>
-          <p:nvPr/>
-        </p:nvSpPr>
-        <p:spPr>
-          <a:xfrm>
-            <a:off x="1182025" y="1744588"/>
-            <a:ext cx="7197885" cy="646331"/>
-          </a:xfrm>
-          <a:prstGeom prst="rect">
-            <a:avLst/>
-          </a:prstGeom>
-          <a:noFill/>
-        </p:spPr>
-        <p:txBody>
-          <a:bodyPr wrap="square" rtlCol="0">
-            <a:spAutoFit/>
-          </a:bodyPr>
-          <a:lstStyle/>
-          <a:p>
-            <a:r>
-              <a:rPr lang="en-US" altLang="ko-KR" dirty="0" smtClean="0"/>
-              <a:t>   </a:t>
-            </a:r>
-            <a:r>
-              <a:rPr lang="ko-KR" altLang="en-US" dirty="0" smtClean="0"/>
-              <a:t>멀티캐스트 </a:t>
-            </a:r>
-            <a:r>
-              <a:rPr lang="en-US" altLang="ko-KR" dirty="0" smtClean="0"/>
-              <a:t>: </a:t>
-            </a:r>
-            <a:r>
-              <a:rPr lang="ko-KR" altLang="en-US" dirty="0"/>
-              <a:t>하나 이상의 송신자들이 특정한 하나 이상의 수신자들에게 데이터를 </a:t>
-            </a:r>
-            <a:r>
-              <a:rPr lang="ko-KR" altLang="en-US" dirty="0" smtClean="0"/>
-              <a:t>전송</a:t>
-            </a:r>
-            <a:endParaRPr lang="ko-KR" altLang="en-US" dirty="0"/>
-          </a:p>
-        </p:txBody>
-      </p:sp>
-      <p:sp>
-        <p:nvSpPr>
-          <p:cNvPr id="20" name="Google Shape;136;p17"/>
-          <p:cNvSpPr/>
-          <p:nvPr/>
-        </p:nvSpPr>
-        <p:spPr>
-          <a:xfrm>
-            <a:off x="1182025" y="1840261"/>
-            <a:ext cx="198032" cy="198031"/>
-          </a:xfrm>
-          <a:prstGeom prst="ellipse">
-            <a:avLst/>
-          </a:prstGeom>
-          <a:solidFill>
-            <a:schemeClr val="accent2">
-              <a:lumMod val="60000"/>
-              <a:lumOff val="40000"/>
-            </a:schemeClr>
-          </a:solidFill>
-          <a:ln>
-            <a:noFill/>
-          </a:ln>
-        </p:spPr>
-        <p:txBody>
-          <a:bodyPr spcFirstLastPara="1" wrap="square" lIns="91425" tIns="45700" rIns="91425" bIns="45700" anchor="ctr" anchorCtr="0">
-            <a:noAutofit/>
-          </a:bodyPr>
-          <a:lstStyle/>
-          <a:p>
-            <a:pPr marL="0" marR="0" lvl="0" indent="0" algn="ctr" rtl="0">
-              <a:spcBef>
-                <a:spcPts val="0"/>
-              </a:spcBef>
-              <a:spcAft>
-                <a:spcPts val="0"/>
-              </a:spcAft>
-              <a:buNone/>
-            </a:pPr>
-            <a:endParaRPr sz="1800">
-              <a:solidFill>
-                <a:schemeClr val="lt1"/>
-              </a:solidFill>
-              <a:latin typeface="Arial"/>
-              <a:ea typeface="Arial"/>
-              <a:cs typeface="Arial"/>
-              <a:sym typeface="Arial"/>
-            </a:endParaRPr>
-          </a:p>
-        </p:txBody>
-      </p:sp>
-      <p:sp>
-        <p:nvSpPr>
-          <p:cNvPr id="6" name="TextBox 5"/>
-          <p:cNvSpPr txBox="1"/>
-          <p:nvPr/>
-        </p:nvSpPr>
-        <p:spPr>
-          <a:xfrm>
-            <a:off x="1380057" y="2747150"/>
-            <a:ext cx="5811157" cy="369332"/>
-          </a:xfrm>
-          <a:prstGeom prst="rect">
-            <a:avLst/>
-          </a:prstGeom>
-          <a:noFill/>
-        </p:spPr>
-        <p:txBody>
-          <a:bodyPr wrap="square" rtlCol="0">
-            <a:spAutoFit/>
-          </a:bodyPr>
-          <a:lstStyle/>
-          <a:p>
-            <a:r>
-              <a:rPr lang="ko-KR" altLang="en-US" dirty="0" smtClean="0"/>
-              <a:t>멀티캐스트 </a:t>
-            </a:r>
-            <a:r>
-              <a:rPr lang="en-US" altLang="ko-KR" dirty="0" smtClean="0"/>
-              <a:t>IP </a:t>
-            </a:r>
-            <a:r>
-              <a:rPr lang="ko-KR" altLang="en-US" dirty="0" smtClean="0"/>
-              <a:t>주소 대역 </a:t>
-            </a:r>
-            <a:r>
-              <a:rPr lang="en-US" altLang="ko-KR" dirty="0" smtClean="0"/>
-              <a:t>: </a:t>
-            </a:r>
-            <a:r>
-              <a:rPr lang="en-US" altLang="ko-KR" dirty="0"/>
-              <a:t>224.0.1.0 ~ 238.255.255.255</a:t>
-            </a:r>
-            <a:r>
-              <a:rPr lang="en-US" altLang="ko-KR" dirty="0" smtClean="0"/>
-              <a:t> </a:t>
-            </a:r>
-            <a:endParaRPr lang="ko-KR" altLang="en-US" dirty="0"/>
-          </a:p>
-        </p:txBody>
-      </p:sp>
-    </p:spTree>
-    <p:extLst>
-      <p:ext uri="{BB962C8B-B14F-4D97-AF65-F5344CB8AC3E}">
-        <p14:creationId xmlns:p14="http://schemas.microsoft.com/office/powerpoint/2010/main" val="1582813747"/>
-      </p:ext>
-    </p:extLst>
-  </p:cSld>
-  <p:clrMapOvr>
-    <a:masterClrMapping/>
-  </p:clrMapOvr>
-  <p:timing>
-    <p:tnLst>
-      <p:par>
-        <p:cTn id="1" dur="indefinite" restart="never" nodeType="tmRoot"/>
-      </p:par>
-    </p:tnLst>
-  </p:timing>
-</p:sld>
-</file>
-
-<file path=ppt/slides/slide8.xml><?xml version="1.0" encoding="utf-8"?>
-<p:sld xmlns:a="http://schemas.openxmlformats.org/drawingml/2006/main" xmlns:r="http://schemas.openxmlformats.org/officeDocument/2006/relationships" xmlns:p="http://schemas.openxmlformats.org/presentationml/2006/main">
-  <p:cSld>
-    <p:spTree>
-      <p:nvGrpSpPr>
-        <p:cNvPr id="1" name=""/>
-        <p:cNvGrpSpPr/>
-        <p:nvPr/>
-      </p:nvGrpSpPr>
-      <p:grpSpPr>
-        <a:xfrm>
-          <a:off x="0" y="0"/>
-          <a:ext cx="0" cy="0"/>
-          <a:chOff x="0" y="0"/>
-          <a:chExt cx="0" cy="0"/>
-        </a:xfrm>
-      </p:grpSpPr>
-      <p:sp>
-        <p:nvSpPr>
-          <p:cNvPr id="4" name="TextBox 3"/>
-          <p:cNvSpPr txBox="1"/>
-          <p:nvPr/>
-        </p:nvSpPr>
-        <p:spPr>
-          <a:xfrm>
-            <a:off x="5718875" y="4795026"/>
-            <a:ext cx="5800057" cy="1661993"/>
-          </a:xfrm>
-          <a:prstGeom prst="rect">
-            <a:avLst/>
-          </a:prstGeom>
-          <a:noFill/>
-        </p:spPr>
-        <p:txBody>
-          <a:bodyPr wrap="square" rtlCol="0">
-            <a:spAutoFit/>
-          </a:bodyPr>
-          <a:lstStyle/>
-          <a:p>
-            <a:r>
-              <a:rPr lang="ko-KR" altLang="en-US" sz="2400" b="1" dirty="0" smtClean="0"/>
-              <a:t>참고 자료</a:t>
-            </a:r>
-            <a:endParaRPr lang="en-US" altLang="ko-KR" sz="2400" b="1" dirty="0" smtClean="0"/>
-          </a:p>
-          <a:p>
-            <a:r>
-              <a:rPr lang="en-US" altLang="ko-KR" sz="2400" dirty="0"/>
-              <a:t> </a:t>
-            </a:r>
-            <a:r>
-              <a:rPr lang="ko-KR" altLang="en-US" dirty="0" smtClean="0"/>
-              <a:t>이것이 </a:t>
-            </a:r>
-            <a:r>
-              <a:rPr lang="en-US" altLang="ko-KR" dirty="0" smtClean="0"/>
-              <a:t>C#</a:t>
-            </a:r>
-            <a:r>
-              <a:rPr lang="ko-KR" altLang="en-US" dirty="0" smtClean="0"/>
-              <a:t>이다</a:t>
-            </a:r>
-            <a:r>
-              <a:rPr lang="en-US" altLang="ko-KR" dirty="0"/>
-              <a:t> </a:t>
-            </a:r>
-            <a:r>
-              <a:rPr lang="en-US" altLang="ko-KR" dirty="0" smtClean="0"/>
-              <a:t>– </a:t>
-            </a:r>
-            <a:r>
-              <a:rPr lang="ko-KR" altLang="en-US" dirty="0" err="1" smtClean="0"/>
-              <a:t>한빛미디어</a:t>
-            </a:r>
-            <a:endParaRPr lang="en-US" altLang="ko-KR" dirty="0" smtClean="0"/>
-          </a:p>
-          <a:p>
-            <a:r>
-              <a:rPr lang="en-US" altLang="ko-KR" dirty="0">
-                <a:hlinkClick r:id="rId2"/>
-              </a:rPr>
-              <a:t>https://</a:t>
-            </a:r>
-            <a:r>
-              <a:rPr lang="en-US" altLang="ko-KR" dirty="0" smtClean="0">
-                <a:hlinkClick r:id="rId2"/>
-              </a:rPr>
-              <a:t>hahahoho5915.tistory.com/15 (TCP/IP 4</a:t>
-            </a:r>
-            <a:r>
-              <a:rPr lang="ko-KR" altLang="en-US" dirty="0" smtClean="0"/>
-              <a:t>계층</a:t>
-            </a:r>
-            <a:r>
-              <a:rPr lang="en-US" altLang="ko-KR" dirty="0" smtClean="0"/>
-              <a:t>)</a:t>
-            </a:r>
-          </a:p>
-          <a:p>
-            <a:r>
-              <a:rPr lang="en-US" altLang="ko-KR" dirty="0">
-                <a:hlinkClick r:id="rId3"/>
-              </a:rPr>
-              <a:t>https://</a:t>
-            </a:r>
-            <a:r>
-              <a:rPr lang="en-US" altLang="ko-KR" dirty="0" smtClean="0">
-                <a:hlinkClick r:id="rId3"/>
-              </a:rPr>
-              <a:t>jwprogramming.tistory.com/26</a:t>
-            </a:r>
-            <a:r>
-              <a:rPr lang="en-US" altLang="ko-KR" dirty="0" smtClean="0"/>
-              <a:t> (</a:t>
-            </a:r>
-            <a:r>
-              <a:rPr lang="ko-KR" altLang="en-US" dirty="0" smtClean="0"/>
-              <a:t>포트 관련</a:t>
-            </a:r>
-            <a:r>
-              <a:rPr lang="en-US" altLang="ko-KR" dirty="0" smtClean="0"/>
-              <a:t>)</a:t>
-            </a:r>
-          </a:p>
-          <a:p>
-            <a:r>
-              <a:rPr lang="ko-KR" altLang="en-US" dirty="0" smtClean="0">
-                <a:hlinkClick r:id="rId4"/>
-              </a:rPr>
-              <a:t> https</a:t>
-            </a:r>
-            <a:r>
-              <a:rPr lang="ko-KR" altLang="en-US" dirty="0">
-                <a:hlinkClick r:id="rId4"/>
-              </a:rPr>
-              <a:t>://</a:t>
-            </a:r>
-            <a:r>
-              <a:rPr lang="ko-KR" altLang="en-US" dirty="0" smtClean="0">
-                <a:hlinkClick r:id="rId4"/>
-              </a:rPr>
-              <a:t>karhem.tistory.com/36</a:t>
-            </a:r>
-            <a:r>
-              <a:rPr lang="en-US" altLang="ko-KR" dirty="0"/>
-              <a:t> </a:t>
-            </a:r>
-            <a:r>
-              <a:rPr lang="en-US" altLang="ko-KR" dirty="0" smtClean="0"/>
-              <a:t>(</a:t>
-            </a:r>
-            <a:r>
-              <a:rPr lang="ko-KR" altLang="en-US" dirty="0" smtClean="0"/>
-              <a:t>멀티캐스트</a:t>
-            </a:r>
-            <a:r>
-              <a:rPr lang="en-US" altLang="ko-KR" dirty="0" smtClean="0"/>
-              <a:t>)</a:t>
-            </a:r>
-            <a:endParaRPr lang="ko-KR" altLang="en-US" dirty="0"/>
-          </a:p>
-        </p:txBody>
-      </p:sp>
-      <p:sp>
-        <p:nvSpPr>
           <p:cNvPr id="5" name="Google Shape;203;p23"/>
           <p:cNvSpPr txBox="1"/>
           <p:nvPr/>
         </p:nvSpPr>
         <p:spPr>
           <a:xfrm>
-            <a:off x="1185278" y="2706536"/>
+            <a:off x="1185262" y="2706536"/>
             <a:ext cx="9610101" cy="923330"/>
           </a:xfrm>
           <a:prstGeom prst="rect">
